--- a/review/advancedStage/ppt/06-MVVM/08-总结.pptx
+++ b/review/advancedStage/ppt/06-MVVM/08-总结.pptx
@@ -2,19 +2,19 @@
 <file path=ppt/presentation.xml><?xml version="1.0" encoding="utf-8"?>
 <p:presentation xmlns:a="http://schemas.openxmlformats.org/drawingml/2006/main" xmlns:r="http://schemas.openxmlformats.org/officeDocument/2006/relationships" xmlns:p="http://schemas.openxmlformats.org/presentationml/2006/main">
   <p:sldMasterIdLst>
-    <p:sldMasterId id="2147483648" r:id="rId5"/>
+    <p:sldMasterId id="2147483648" r:id="rId1"/>
   </p:sldMasterIdLst>
   <p:notesMasterIdLst>
-    <p:notesMasterId r:id="rId7"/>
+    <p:notesMasterId r:id="rId10"/>
   </p:notesMasterIdLst>
   <p:sldIdLst>
-    <p:sldId id="256" r:id="rId8"/>
-    <p:sldId id="257" r:id="rId9"/>
-    <p:sldId id="258" r:id="rId10"/>
-    <p:sldId id="259" r:id="rId11"/>
-    <p:sldId id="260" r:id="rId12"/>
-    <p:sldId id="261" r:id="rId13"/>
-    <p:sldId id="262" r:id="rId14"/>
+    <p:sldId id="256" r:id="rId3"/>
+    <p:sldId id="257" r:id="rId4"/>
+    <p:sldId id="258" r:id="rId5"/>
+    <p:sldId id="259" r:id="rId6"/>
+    <p:sldId id="260" r:id="rId7"/>
+    <p:sldId id="261" r:id="rId8"/>
+    <p:sldId id="262" r:id="rId9"/>
   </p:sldIdLst>
   <p:sldSz cx="9144000" cy="5143500"/>
   <p:notesSz cx="6858000" cy="9144000"/>
@@ -95,13 +95,14 @@
 </p:presentation>
 </file>
 
-<file path=ppt/commentAuthors.xml><?xml version="1.0" encoding="utf-8"?>
-<p:cmAuthorLst xmlns:a="http://schemas.openxmlformats.org/drawingml/2006/main" xmlns:r="http://schemas.openxmlformats.org/officeDocument/2006/relationships" xmlns:p="http://schemas.openxmlformats.org/presentationml/2006/main"/>
-</file>
-
 <file path=ppt/notesMasters/notesMaster1.xml><?xml version="1.0" encoding="utf-8"?>
 <p:notesMaster xmlns:a="http://schemas.openxmlformats.org/drawingml/2006/main" xmlns:r="http://schemas.openxmlformats.org/officeDocument/2006/relationships" xmlns:p="http://schemas.openxmlformats.org/presentationml/2006/main">
   <p:cSld>
+    <p:bg>
+      <p:bgRef idx="1001">
+        <a:schemeClr val="bg1"/>
+      </p:bgRef>
+    </p:bg>
     <p:spTree>
       <p:nvGrpSpPr>
         <p:cNvPr id="1" name=""/>
@@ -172,7 +173,7 @@
   <p:notesStyle>
     <a:lvl1pPr defTabSz="457200">
       <a:lnSpc>
-        <a:spcPct val="117999"/>
+        <a:spcPct val="118000"/>
       </a:lnSpc>
       <a:defRPr sz="2200">
         <a:latin typeface="+mj-lt"/>
@@ -183,7 +184,7 @@
     </a:lvl1pPr>
     <a:lvl2pPr indent="228600" defTabSz="457200">
       <a:lnSpc>
-        <a:spcPct val="117999"/>
+        <a:spcPct val="118000"/>
       </a:lnSpc>
       <a:defRPr sz="2200">
         <a:latin typeface="+mj-lt"/>
@@ -194,7 +195,7 @@
     </a:lvl2pPr>
     <a:lvl3pPr indent="457200" defTabSz="457200">
       <a:lnSpc>
-        <a:spcPct val="117999"/>
+        <a:spcPct val="118000"/>
       </a:lnSpc>
       <a:defRPr sz="2200">
         <a:latin typeface="+mj-lt"/>
@@ -205,7 +206,7 @@
     </a:lvl3pPr>
     <a:lvl4pPr indent="685800" defTabSz="457200">
       <a:lnSpc>
-        <a:spcPct val="117999"/>
+        <a:spcPct val="118000"/>
       </a:lnSpc>
       <a:defRPr sz="2200">
         <a:latin typeface="+mj-lt"/>
@@ -216,7 +217,7 @@
     </a:lvl4pPr>
     <a:lvl5pPr indent="914400" defTabSz="457200">
       <a:lnSpc>
-        <a:spcPct val="117999"/>
+        <a:spcPct val="118000"/>
       </a:lnSpc>
       <a:defRPr sz="2200">
         <a:latin typeface="+mj-lt"/>
@@ -227,7 +228,7 @@
     </a:lvl5pPr>
     <a:lvl6pPr indent="1143000" defTabSz="457200">
       <a:lnSpc>
-        <a:spcPct val="117999"/>
+        <a:spcPct val="118000"/>
       </a:lnSpc>
       <a:defRPr sz="2200">
         <a:latin typeface="+mj-lt"/>
@@ -238,7 +239,7 @@
     </a:lvl6pPr>
     <a:lvl7pPr indent="1371600" defTabSz="457200">
       <a:lnSpc>
-        <a:spcPct val="117999"/>
+        <a:spcPct val="118000"/>
       </a:lnSpc>
       <a:defRPr sz="2200">
         <a:latin typeface="+mj-lt"/>
@@ -249,7 +250,7 @@
     </a:lvl7pPr>
     <a:lvl8pPr indent="1600200" defTabSz="457200">
       <a:lnSpc>
-        <a:spcPct val="117999"/>
+        <a:spcPct val="118000"/>
       </a:lnSpc>
       <a:defRPr sz="2200">
         <a:latin typeface="+mj-lt"/>
@@ -260,7 +261,7 @@
     </a:lvl8pPr>
     <a:lvl9pPr indent="1828800" defTabSz="457200">
       <a:lnSpc>
-        <a:spcPct val="117999"/>
+        <a:spcPct val="118000"/>
       </a:lnSpc>
       <a:defRPr sz="2200">
         <a:latin typeface="+mj-lt"/>
@@ -274,7 +275,7 @@
 </file>
 
 <file path=ppt/slideLayouts/slideLayout1.xml><?xml version="1.0" encoding="utf-8"?>
-<p:sldLayout xmlns:a="http://schemas.openxmlformats.org/drawingml/2006/main" xmlns:r="http://schemas.openxmlformats.org/officeDocument/2006/relationships" xmlns:p="http://schemas.openxmlformats.org/presentationml/2006/main" type="tx" showMasterSp="1" showMasterPhAnim="1">
+<p:sldLayout xmlns:a="http://schemas.openxmlformats.org/drawingml/2006/main" xmlns:r="http://schemas.openxmlformats.org/officeDocument/2006/relationships" xmlns:p="http://schemas.openxmlformats.org/presentationml/2006/main" type="tx">
   <p:cSld name="标题幻灯片">
     <p:spTree>
       <p:nvGrpSpPr>
@@ -295,7 +296,7 @@
           <p:cNvPr id="6" name="Shape 6"/>
           <p:cNvSpPr/>
           <p:nvPr>
-            <p:ph type="title"/>
+            <p:ph type="title" hasCustomPrompt="1"/>
           </p:nvPr>
         </p:nvSpPr>
         <p:spPr>
@@ -326,6 +327,11 @@
               </a:rPr>
               <a:t>标题文本</a:t>
             </a:r>
+            <a:endParaRPr sz="3000">
+              <a:solidFill>
+                <a:srgbClr val="C94251"/>
+              </a:solidFill>
+            </a:endParaRPr>
           </a:p>
         </p:txBody>
       </p:sp>
@@ -334,7 +340,7 @@
           <p:cNvPr id="7" name="Shape 7"/>
           <p:cNvSpPr/>
           <p:nvPr>
-            <p:ph type="body" idx="1"/>
+            <p:ph type="body" idx="1" hasCustomPrompt="1"/>
           </p:nvPr>
         </p:nvSpPr>
         <p:spPr>
@@ -479,6 +485,11 @@
               </a:rPr>
               <a:t>正文级别 5</a:t>
             </a:r>
+            <a:endParaRPr sz="2000">
+              <a:solidFill>
+                <a:srgbClr val="474747"/>
+              </a:solidFill>
+            </a:endParaRPr>
           </a:p>
         </p:txBody>
       </p:sp>
@@ -500,7 +511,10 @@
           <a:lstStyle/>
           <a:p>
             <a:pPr lvl="0"/>
-            <a:fld id="{86CB4B4D-7CA3-9044-876B-883B54F8677D}" type="slidenum"/>
+            <a:fld id="{86CB4B4D-7CA3-9044-876B-883B54F8677D}" type="slidenum">
+              <a:rPr/>
+            </a:fld>
+            <a:endParaRPr/>
           </a:p>
         </p:txBody>
       </p:sp>
@@ -509,12 +523,12 @@
   <p:clrMapOvr>
     <a:masterClrMapping/>
   </p:clrMapOvr>
-  <p:transition spd="med" advClick="1"/>
+  <p:transition spd="med"/>
 </p:sldLayout>
 </file>
 
 <file path=ppt/slideLayouts/slideLayout10.xml><?xml version="1.0" encoding="utf-8"?>
-<p:sldLayout xmlns:a="http://schemas.openxmlformats.org/drawingml/2006/main" xmlns:r="http://schemas.openxmlformats.org/officeDocument/2006/relationships" xmlns:p="http://schemas.openxmlformats.org/presentationml/2006/main" type="tx" showMasterSp="1" showMasterPhAnim="1">
+<p:sldLayout xmlns:a="http://schemas.openxmlformats.org/drawingml/2006/main" xmlns:r="http://schemas.openxmlformats.org/officeDocument/2006/relationships" xmlns:p="http://schemas.openxmlformats.org/presentationml/2006/main" type="tx">
   <p:cSld name="标题和竖排文本">
     <p:spTree>
       <p:nvGrpSpPr>
@@ -535,7 +549,7 @@
           <p:cNvPr id="39" name="Shape 39"/>
           <p:cNvSpPr/>
           <p:nvPr>
-            <p:ph type="title"/>
+            <p:ph type="title" hasCustomPrompt="1"/>
           </p:nvPr>
         </p:nvSpPr>
         <p:spPr>
@@ -566,6 +580,11 @@
               </a:rPr>
               <a:t>标题文本</a:t>
             </a:r>
+            <a:endParaRPr sz="3000">
+              <a:solidFill>
+                <a:srgbClr val="C94251"/>
+              </a:solidFill>
+            </a:endParaRPr>
           </a:p>
         </p:txBody>
       </p:sp>
@@ -574,7 +593,7 @@
           <p:cNvPr id="40" name="Shape 40"/>
           <p:cNvSpPr/>
           <p:nvPr>
-            <p:ph type="body" idx="1"/>
+            <p:ph type="body" idx="1" hasCustomPrompt="1"/>
           </p:nvPr>
         </p:nvSpPr>
         <p:spPr>
@@ -693,6 +712,11 @@
               </a:rPr>
               <a:t>正文级别 5</a:t>
             </a:r>
+            <a:endParaRPr sz="2000">
+              <a:solidFill>
+                <a:srgbClr val="474747"/>
+              </a:solidFill>
+            </a:endParaRPr>
           </a:p>
         </p:txBody>
       </p:sp>
@@ -714,7 +738,10 @@
           <a:lstStyle/>
           <a:p>
             <a:pPr lvl="0"/>
-            <a:fld id="{86CB4B4D-7CA3-9044-876B-883B54F8677D}" type="slidenum"/>
+            <a:fld id="{86CB4B4D-7CA3-9044-876B-883B54F8677D}" type="slidenum">
+              <a:rPr/>
+            </a:fld>
+            <a:endParaRPr/>
           </a:p>
         </p:txBody>
       </p:sp>
@@ -723,12 +750,12 @@
   <p:clrMapOvr>
     <a:masterClrMapping/>
   </p:clrMapOvr>
-  <p:transition spd="med" advClick="1"/>
+  <p:transition spd="med"/>
 </p:sldLayout>
 </file>
 
 <file path=ppt/slideLayouts/slideLayout11.xml><?xml version="1.0" encoding="utf-8"?>
-<p:sldLayout xmlns:a="http://schemas.openxmlformats.org/drawingml/2006/main" xmlns:r="http://schemas.openxmlformats.org/officeDocument/2006/relationships" xmlns:p="http://schemas.openxmlformats.org/presentationml/2006/main" type="tx" showMasterSp="1" showMasterPhAnim="1">
+<p:sldLayout xmlns:a="http://schemas.openxmlformats.org/drawingml/2006/main" xmlns:r="http://schemas.openxmlformats.org/officeDocument/2006/relationships" xmlns:p="http://schemas.openxmlformats.org/presentationml/2006/main" type="tx">
   <p:cSld name="垂直排列标题与文本">
     <p:spTree>
       <p:nvGrpSpPr>
@@ -749,7 +776,7 @@
           <p:cNvPr id="43" name="Shape 43"/>
           <p:cNvSpPr/>
           <p:nvPr>
-            <p:ph type="title"/>
+            <p:ph type="title" hasCustomPrompt="1"/>
           </p:nvPr>
         </p:nvSpPr>
         <p:spPr>
@@ -776,6 +803,11 @@
               </a:rPr>
               <a:t>标题文本</a:t>
             </a:r>
+            <a:endParaRPr sz="3000">
+              <a:solidFill>
+                <a:srgbClr val="C94251"/>
+              </a:solidFill>
+            </a:endParaRPr>
           </a:p>
         </p:txBody>
       </p:sp>
@@ -784,7 +816,7 @@
           <p:cNvPr id="44" name="Shape 44"/>
           <p:cNvSpPr/>
           <p:nvPr>
-            <p:ph type="body" idx="1"/>
+            <p:ph type="body" idx="1" hasCustomPrompt="1"/>
           </p:nvPr>
         </p:nvSpPr>
         <p:spPr>
@@ -899,6 +931,11 @@
               </a:rPr>
               <a:t>正文级别 5</a:t>
             </a:r>
+            <a:endParaRPr sz="2000">
+              <a:solidFill>
+                <a:srgbClr val="474747"/>
+              </a:solidFill>
+            </a:endParaRPr>
           </a:p>
         </p:txBody>
       </p:sp>
@@ -920,7 +957,10 @@
           <a:lstStyle/>
           <a:p>
             <a:pPr lvl="0"/>
-            <a:fld id="{86CB4B4D-7CA3-9044-876B-883B54F8677D}" type="slidenum"/>
+            <a:fld id="{86CB4B4D-7CA3-9044-876B-883B54F8677D}" type="slidenum">
+              <a:rPr/>
+            </a:fld>
+            <a:endParaRPr/>
           </a:p>
         </p:txBody>
       </p:sp>
@@ -929,12 +969,12 @@
   <p:clrMapOvr>
     <a:masterClrMapping/>
   </p:clrMapOvr>
-  <p:transition spd="med" advClick="1"/>
+  <p:transition spd="med"/>
 </p:sldLayout>
 </file>
 
 <file path=ppt/slideLayouts/slideLayout12.xml><?xml version="1.0" encoding="utf-8"?>
-<p:sldLayout xmlns:a="http://schemas.openxmlformats.org/drawingml/2006/main" xmlns:r="http://schemas.openxmlformats.org/officeDocument/2006/relationships" xmlns:p="http://schemas.openxmlformats.org/presentationml/2006/main" type="tx" showMasterSp="1" showMasterPhAnim="1">
+<p:sldLayout xmlns:a="http://schemas.openxmlformats.org/drawingml/2006/main" xmlns:r="http://schemas.openxmlformats.org/officeDocument/2006/relationships" xmlns:p="http://schemas.openxmlformats.org/presentationml/2006/main" type="tx">
   <p:cSld name="标题幻灯片">
     <p:spTree>
       <p:nvGrpSpPr>
@@ -955,7 +995,7 @@
           <p:cNvPr id="47" name="Shape 47"/>
           <p:cNvSpPr/>
           <p:nvPr>
-            <p:ph type="title"/>
+            <p:ph type="title" hasCustomPrompt="1"/>
           </p:nvPr>
         </p:nvSpPr>
         <p:spPr>
@@ -986,6 +1026,11 @@
               </a:rPr>
               <a:t>标题文本</a:t>
             </a:r>
+            <a:endParaRPr sz="3000">
+              <a:solidFill>
+                <a:srgbClr val="C94251"/>
+              </a:solidFill>
+            </a:endParaRPr>
           </a:p>
         </p:txBody>
       </p:sp>
@@ -994,7 +1039,7 @@
           <p:cNvPr id="48" name="Shape 48"/>
           <p:cNvSpPr/>
           <p:nvPr>
-            <p:ph type="body" idx="1"/>
+            <p:ph type="body" idx="1" hasCustomPrompt="1"/>
           </p:nvPr>
         </p:nvSpPr>
         <p:spPr>
@@ -1139,6 +1184,11 @@
               </a:rPr>
               <a:t>正文级别 5</a:t>
             </a:r>
+            <a:endParaRPr sz="2000">
+              <a:solidFill>
+                <a:srgbClr val="474747"/>
+              </a:solidFill>
+            </a:endParaRPr>
           </a:p>
         </p:txBody>
       </p:sp>
@@ -1160,7 +1210,10 @@
           <a:lstStyle/>
           <a:p>
             <a:pPr lvl="0"/>
-            <a:fld id="{86CB4B4D-7CA3-9044-876B-883B54F8677D}" type="slidenum"/>
+            <a:fld id="{86CB4B4D-7CA3-9044-876B-883B54F8677D}" type="slidenum">
+              <a:rPr/>
+            </a:fld>
+            <a:endParaRPr/>
           </a:p>
         </p:txBody>
       </p:sp>
@@ -1169,12 +1222,12 @@
   <p:clrMapOvr>
     <a:masterClrMapping/>
   </p:clrMapOvr>
-  <p:transition spd="med" advClick="1"/>
+  <p:transition spd="med"/>
 </p:sldLayout>
 </file>
 
 <file path=ppt/slideLayouts/slideLayout13.xml><?xml version="1.0" encoding="utf-8"?>
-<p:sldLayout xmlns:a="http://schemas.openxmlformats.org/drawingml/2006/main" xmlns:r="http://schemas.openxmlformats.org/officeDocument/2006/relationships" xmlns:p="http://schemas.openxmlformats.org/presentationml/2006/main" type="tx" showMasterSp="1" showMasterPhAnim="1">
+<p:sldLayout xmlns:a="http://schemas.openxmlformats.org/drawingml/2006/main" xmlns:r="http://schemas.openxmlformats.org/officeDocument/2006/relationships" xmlns:p="http://schemas.openxmlformats.org/presentationml/2006/main" type="tx">
   <p:cSld name="标题和内容">
     <p:spTree>
       <p:nvGrpSpPr>
@@ -1195,7 +1248,7 @@
           <p:cNvPr id="51" name="Shape 51"/>
           <p:cNvSpPr/>
           <p:nvPr>
-            <p:ph type="title"/>
+            <p:ph type="title" hasCustomPrompt="1"/>
           </p:nvPr>
         </p:nvSpPr>
         <p:spPr>
@@ -1226,6 +1279,11 @@
               </a:rPr>
               <a:t>标题文本</a:t>
             </a:r>
+            <a:endParaRPr sz="3000">
+              <a:solidFill>
+                <a:srgbClr val="C94251"/>
+              </a:solidFill>
+            </a:endParaRPr>
           </a:p>
         </p:txBody>
       </p:sp>
@@ -1234,7 +1292,7 @@
           <p:cNvPr id="52" name="Shape 52"/>
           <p:cNvSpPr/>
           <p:nvPr>
-            <p:ph type="body" idx="1"/>
+            <p:ph type="body" idx="1" hasCustomPrompt="1"/>
           </p:nvPr>
         </p:nvSpPr>
         <p:spPr>
@@ -1353,6 +1411,11 @@
               </a:rPr>
               <a:t>正文级别 5</a:t>
             </a:r>
+            <a:endParaRPr sz="2000">
+              <a:solidFill>
+                <a:srgbClr val="474747"/>
+              </a:solidFill>
+            </a:endParaRPr>
           </a:p>
         </p:txBody>
       </p:sp>
@@ -1374,7 +1437,10 @@
           <a:lstStyle/>
           <a:p>
             <a:pPr lvl="0"/>
-            <a:fld id="{86CB4B4D-7CA3-9044-876B-883B54F8677D}" type="slidenum"/>
+            <a:fld id="{86CB4B4D-7CA3-9044-876B-883B54F8677D}" type="slidenum">
+              <a:rPr/>
+            </a:fld>
+            <a:endParaRPr/>
           </a:p>
         </p:txBody>
       </p:sp>
@@ -1383,12 +1449,12 @@
   <p:clrMapOvr>
     <a:masterClrMapping/>
   </p:clrMapOvr>
-  <p:transition spd="med" advClick="1"/>
+  <p:transition spd="med"/>
 </p:sldLayout>
 </file>
 
 <file path=ppt/slideLayouts/slideLayout14.xml><?xml version="1.0" encoding="utf-8"?>
-<p:sldLayout xmlns:a="http://schemas.openxmlformats.org/drawingml/2006/main" xmlns:r="http://schemas.openxmlformats.org/officeDocument/2006/relationships" xmlns:p="http://schemas.openxmlformats.org/presentationml/2006/main" type="tx" showMasterSp="1" showMasterPhAnim="1">
+<p:sldLayout xmlns:a="http://schemas.openxmlformats.org/drawingml/2006/main" xmlns:r="http://schemas.openxmlformats.org/officeDocument/2006/relationships" xmlns:p="http://schemas.openxmlformats.org/presentationml/2006/main" type="tx">
   <p:cSld name="节标题">
     <p:spTree>
       <p:nvGrpSpPr>
@@ -1409,7 +1475,7 @@
           <p:cNvPr id="55" name="Shape 55"/>
           <p:cNvSpPr/>
           <p:nvPr>
-            <p:ph type="title"/>
+            <p:ph type="title" hasCustomPrompt="1"/>
           </p:nvPr>
         </p:nvSpPr>
         <p:spPr>
@@ -1425,25 +1491,30 @@
           <a:bodyPr anchor="t"/>
           <a:lstStyle>
             <a:lvl1pPr algn="l">
-              <a:defRPr cap="all" sz="4000"/>
+              <a:defRPr sz="4000" cap="all"/>
             </a:lvl1pPr>
           </a:lstStyle>
           <a:p>
             <a:pPr lvl="0">
-              <a:defRPr cap="none" sz="1800">
-                <a:solidFill>
-                  <a:srgbClr val="000000"/>
-                </a:solidFill>
-              </a:defRPr>
-            </a:pPr>
-            <a:r>
-              <a:rPr cap="all" sz="4000">
+              <a:defRPr sz="1800" cap="none">
+                <a:solidFill>
+                  <a:srgbClr val="000000"/>
+                </a:solidFill>
+              </a:defRPr>
+            </a:pPr>
+            <a:r>
+              <a:rPr sz="4000" cap="all">
                 <a:solidFill>
                   <a:srgbClr val="C94251"/>
                 </a:solidFill>
               </a:rPr>
               <a:t>标题文本</a:t>
             </a:r>
+            <a:endParaRPr sz="4000" cap="all">
+              <a:solidFill>
+                <a:srgbClr val="C94251"/>
+              </a:solidFill>
+            </a:endParaRPr>
           </a:p>
         </p:txBody>
       </p:sp>
@@ -1452,7 +1523,7 @@
           <p:cNvPr id="56" name="Shape 56"/>
           <p:cNvSpPr/>
           <p:nvPr>
-            <p:ph type="body" idx="1"/>
+            <p:ph type="body" idx="1" hasCustomPrompt="1"/>
           </p:nvPr>
         </p:nvSpPr>
         <p:spPr>
@@ -1597,6 +1668,11 @@
               </a:rPr>
               <a:t>正文级别 5</a:t>
             </a:r>
+            <a:endParaRPr sz="2000">
+              <a:solidFill>
+                <a:srgbClr val="474747"/>
+              </a:solidFill>
+            </a:endParaRPr>
           </a:p>
         </p:txBody>
       </p:sp>
@@ -1618,7 +1694,10 @@
           <a:lstStyle/>
           <a:p>
             <a:pPr lvl="0"/>
-            <a:fld id="{86CB4B4D-7CA3-9044-876B-883B54F8677D}" type="slidenum"/>
+            <a:fld id="{86CB4B4D-7CA3-9044-876B-883B54F8677D}" type="slidenum">
+              <a:rPr/>
+            </a:fld>
+            <a:endParaRPr/>
           </a:p>
         </p:txBody>
       </p:sp>
@@ -1627,12 +1706,12 @@
   <p:clrMapOvr>
     <a:masterClrMapping/>
   </p:clrMapOvr>
-  <p:transition spd="med" advClick="1"/>
+  <p:transition spd="med"/>
 </p:sldLayout>
 </file>
 
 <file path=ppt/slideLayouts/slideLayout15.xml><?xml version="1.0" encoding="utf-8"?>
-<p:sldLayout xmlns:a="http://schemas.openxmlformats.org/drawingml/2006/main" xmlns:r="http://schemas.openxmlformats.org/officeDocument/2006/relationships" xmlns:p="http://schemas.openxmlformats.org/presentationml/2006/main" type="tx" showMasterSp="1" showMasterPhAnim="1">
+<p:sldLayout xmlns:a="http://schemas.openxmlformats.org/drawingml/2006/main" xmlns:r="http://schemas.openxmlformats.org/officeDocument/2006/relationships" xmlns:p="http://schemas.openxmlformats.org/presentationml/2006/main" type="tx">
   <p:cSld name="两栏内容">
     <p:spTree>
       <p:nvGrpSpPr>
@@ -1653,7 +1732,7 @@
           <p:cNvPr id="59" name="Shape 59"/>
           <p:cNvSpPr/>
           <p:nvPr>
-            <p:ph type="title"/>
+            <p:ph type="title" hasCustomPrompt="1"/>
           </p:nvPr>
         </p:nvSpPr>
         <p:spPr>
@@ -1684,6 +1763,11 @@
               </a:rPr>
               <a:t>标题文本</a:t>
             </a:r>
+            <a:endParaRPr sz="3000">
+              <a:solidFill>
+                <a:srgbClr val="C94251"/>
+              </a:solidFill>
+            </a:endParaRPr>
           </a:p>
         </p:txBody>
       </p:sp>
@@ -1692,7 +1776,7 @@
           <p:cNvPr id="60" name="Shape 60"/>
           <p:cNvSpPr/>
           <p:nvPr>
-            <p:ph type="body" idx="1"/>
+            <p:ph type="body" idx="1" hasCustomPrompt="1"/>
           </p:nvPr>
         </p:nvSpPr>
         <p:spPr>
@@ -1719,7 +1803,7 @@
               </a:spcBef>
               <a:defRPr sz="2800"/>
             </a:lvl2pPr>
-            <a:lvl3pPr marL="1234438" indent="-320038">
+            <a:lvl3pPr marL="1234440" indent="-320040">
               <a:spcBef>
                 <a:spcPts val="600"/>
               </a:spcBef>
@@ -1842,6 +1926,11 @@
               </a:rPr>
               <a:t>正文级别 5</a:t>
             </a:r>
+            <a:endParaRPr sz="2800">
+              <a:solidFill>
+                <a:srgbClr val="474747"/>
+              </a:solidFill>
+            </a:endParaRPr>
           </a:p>
         </p:txBody>
       </p:sp>
@@ -1863,7 +1952,10 @@
           <a:lstStyle/>
           <a:p>
             <a:pPr lvl="0"/>
-            <a:fld id="{86CB4B4D-7CA3-9044-876B-883B54F8677D}" type="slidenum"/>
+            <a:fld id="{86CB4B4D-7CA3-9044-876B-883B54F8677D}" type="slidenum">
+              <a:rPr/>
+            </a:fld>
+            <a:endParaRPr/>
           </a:p>
         </p:txBody>
       </p:sp>
@@ -1872,12 +1964,12 @@
   <p:clrMapOvr>
     <a:masterClrMapping/>
   </p:clrMapOvr>
-  <p:transition spd="med" advClick="1"/>
+  <p:transition spd="med"/>
 </p:sldLayout>
 </file>
 
 <file path=ppt/slideLayouts/slideLayout16.xml><?xml version="1.0" encoding="utf-8"?>
-<p:sldLayout xmlns:a="http://schemas.openxmlformats.org/drawingml/2006/main" xmlns:r="http://schemas.openxmlformats.org/officeDocument/2006/relationships" xmlns:p="http://schemas.openxmlformats.org/presentationml/2006/main" type="tx" showMasterSp="1" showMasterPhAnim="1">
+<p:sldLayout xmlns:a="http://schemas.openxmlformats.org/drawingml/2006/main" xmlns:r="http://schemas.openxmlformats.org/officeDocument/2006/relationships" xmlns:p="http://schemas.openxmlformats.org/presentationml/2006/main" type="tx">
   <p:cSld name="比较">
     <p:spTree>
       <p:nvGrpSpPr>
@@ -1898,7 +1990,7 @@
           <p:cNvPr id="63" name="Shape 63"/>
           <p:cNvSpPr/>
           <p:nvPr>
-            <p:ph type="title"/>
+            <p:ph type="title" hasCustomPrompt="1"/>
           </p:nvPr>
         </p:nvSpPr>
         <p:spPr>
@@ -1929,6 +2021,11 @@
               </a:rPr>
               <a:t>标题文本</a:t>
             </a:r>
+            <a:endParaRPr sz="3000">
+              <a:solidFill>
+                <a:srgbClr val="C94251"/>
+              </a:solidFill>
+            </a:endParaRPr>
           </a:p>
         </p:txBody>
       </p:sp>
@@ -1937,7 +2034,7 @@
           <p:cNvPr id="64" name="Shape 64"/>
           <p:cNvSpPr/>
           <p:nvPr>
-            <p:ph type="body" idx="1"/>
+            <p:ph type="body" idx="1" hasCustomPrompt="1"/>
           </p:nvPr>
         </p:nvSpPr>
         <p:spPr>
@@ -2102,6 +2199,11 @@
               </a:rPr>
               <a:t>正文级别 5</a:t>
             </a:r>
+            <a:endParaRPr sz="2400">
+              <a:solidFill>
+                <a:srgbClr val="474747"/>
+              </a:solidFill>
+            </a:endParaRPr>
           </a:p>
         </p:txBody>
       </p:sp>
@@ -2123,7 +2225,10 @@
           <a:lstStyle/>
           <a:p>
             <a:pPr lvl="0"/>
-            <a:fld id="{86CB4B4D-7CA3-9044-876B-883B54F8677D}" type="slidenum"/>
+            <a:fld id="{86CB4B4D-7CA3-9044-876B-883B54F8677D}" type="slidenum">
+              <a:rPr/>
+            </a:fld>
+            <a:endParaRPr/>
           </a:p>
         </p:txBody>
       </p:sp>
@@ -2132,12 +2237,12 @@
   <p:clrMapOvr>
     <a:masterClrMapping/>
   </p:clrMapOvr>
-  <p:transition spd="med" advClick="1"/>
+  <p:transition spd="med"/>
 </p:sldLayout>
 </file>
 
 <file path=ppt/slideLayouts/slideLayout17.xml><?xml version="1.0" encoding="utf-8"?>
-<p:sldLayout xmlns:a="http://schemas.openxmlformats.org/drawingml/2006/main" xmlns:r="http://schemas.openxmlformats.org/officeDocument/2006/relationships" xmlns:p="http://schemas.openxmlformats.org/presentationml/2006/main" type="tx" showMasterSp="1" showMasterPhAnim="1">
+<p:sldLayout xmlns:a="http://schemas.openxmlformats.org/drawingml/2006/main" xmlns:r="http://schemas.openxmlformats.org/officeDocument/2006/relationships" xmlns:p="http://schemas.openxmlformats.org/presentationml/2006/main" type="tx">
   <p:cSld name="仅标题">
     <p:spTree>
       <p:nvGrpSpPr>
@@ -2158,7 +2263,7 @@
           <p:cNvPr id="67" name="Shape 67"/>
           <p:cNvSpPr/>
           <p:nvPr>
-            <p:ph type="title"/>
+            <p:ph type="title" hasCustomPrompt="1"/>
           </p:nvPr>
         </p:nvSpPr>
         <p:spPr>
@@ -2189,6 +2294,11 @@
               </a:rPr>
               <a:t>标题文本</a:t>
             </a:r>
+            <a:endParaRPr sz="3000">
+              <a:solidFill>
+                <a:srgbClr val="C94251"/>
+              </a:solidFill>
+            </a:endParaRPr>
           </a:p>
         </p:txBody>
       </p:sp>
@@ -2210,7 +2320,10 @@
           <a:lstStyle/>
           <a:p>
             <a:pPr lvl="0"/>
-            <a:fld id="{86CB4B4D-7CA3-9044-876B-883B54F8677D}" type="slidenum"/>
+            <a:fld id="{86CB4B4D-7CA3-9044-876B-883B54F8677D}" type="slidenum">
+              <a:rPr/>
+            </a:fld>
+            <a:endParaRPr/>
           </a:p>
         </p:txBody>
       </p:sp>
@@ -2219,12 +2332,12 @@
   <p:clrMapOvr>
     <a:masterClrMapping/>
   </p:clrMapOvr>
-  <p:transition spd="med" advClick="1"/>
+  <p:transition spd="med"/>
 </p:sldLayout>
 </file>
 
 <file path=ppt/slideLayouts/slideLayout18.xml><?xml version="1.0" encoding="utf-8"?>
-<p:sldLayout xmlns:a="http://schemas.openxmlformats.org/drawingml/2006/main" xmlns:r="http://schemas.openxmlformats.org/officeDocument/2006/relationships" xmlns:p="http://schemas.openxmlformats.org/presentationml/2006/main" type="tx" showMasterSp="1" showMasterPhAnim="1">
+<p:sldLayout xmlns:a="http://schemas.openxmlformats.org/drawingml/2006/main" xmlns:r="http://schemas.openxmlformats.org/officeDocument/2006/relationships" xmlns:p="http://schemas.openxmlformats.org/presentationml/2006/main" type="tx">
   <p:cSld name="空白">
     <p:spTree>
       <p:nvGrpSpPr>
@@ -2258,7 +2371,10 @@
           <a:lstStyle/>
           <a:p>
             <a:pPr lvl="0"/>
-            <a:fld id="{86CB4B4D-7CA3-9044-876B-883B54F8677D}" type="slidenum"/>
+            <a:fld id="{86CB4B4D-7CA3-9044-876B-883B54F8677D}" type="slidenum">
+              <a:rPr/>
+            </a:fld>
+            <a:endParaRPr/>
           </a:p>
         </p:txBody>
       </p:sp>
@@ -2267,12 +2383,12 @@
   <p:clrMapOvr>
     <a:masterClrMapping/>
   </p:clrMapOvr>
-  <p:transition spd="med" advClick="1"/>
+  <p:transition spd="med"/>
 </p:sldLayout>
 </file>
 
 <file path=ppt/slideLayouts/slideLayout19.xml><?xml version="1.0" encoding="utf-8"?>
-<p:sldLayout xmlns:a="http://schemas.openxmlformats.org/drawingml/2006/main" xmlns:r="http://schemas.openxmlformats.org/officeDocument/2006/relationships" xmlns:p="http://schemas.openxmlformats.org/presentationml/2006/main" type="tx" showMasterSp="1" showMasterPhAnim="1">
+<p:sldLayout xmlns:a="http://schemas.openxmlformats.org/drawingml/2006/main" xmlns:r="http://schemas.openxmlformats.org/officeDocument/2006/relationships" xmlns:p="http://schemas.openxmlformats.org/presentationml/2006/main" type="tx">
   <p:cSld name="内容与标题">
     <p:spTree>
       <p:nvGrpSpPr>
@@ -2293,7 +2409,7 @@
           <p:cNvPr id="72" name="Shape 72"/>
           <p:cNvSpPr/>
           <p:nvPr>
-            <p:ph type="title"/>
+            <p:ph type="title" hasCustomPrompt="1"/>
           </p:nvPr>
         </p:nvSpPr>
         <p:spPr>
@@ -2328,6 +2444,11 @@
               </a:rPr>
               <a:t>标题文本</a:t>
             </a:r>
+            <a:endParaRPr sz="2000">
+              <a:solidFill>
+                <a:srgbClr val="C94251"/>
+              </a:solidFill>
+            </a:endParaRPr>
           </a:p>
         </p:txBody>
       </p:sp>
@@ -2336,7 +2457,7 @@
           <p:cNvPr id="73" name="Shape 73"/>
           <p:cNvSpPr/>
           <p:nvPr>
-            <p:ph type="body" idx="1"/>
+            <p:ph type="body" idx="1" hasCustomPrompt="1"/>
           </p:nvPr>
         </p:nvSpPr>
         <p:spPr>
@@ -2486,6 +2607,11 @@
               </a:rPr>
               <a:t>正文级别 5</a:t>
             </a:r>
+            <a:endParaRPr sz="3200">
+              <a:solidFill>
+                <a:srgbClr val="474747"/>
+              </a:solidFill>
+            </a:endParaRPr>
           </a:p>
         </p:txBody>
       </p:sp>
@@ -2507,7 +2633,10 @@
           <a:lstStyle/>
           <a:p>
             <a:pPr lvl="0"/>
-            <a:fld id="{86CB4B4D-7CA3-9044-876B-883B54F8677D}" type="slidenum"/>
+            <a:fld id="{86CB4B4D-7CA3-9044-876B-883B54F8677D}" type="slidenum">
+              <a:rPr/>
+            </a:fld>
+            <a:endParaRPr/>
           </a:p>
         </p:txBody>
       </p:sp>
@@ -2516,12 +2645,12 @@
   <p:clrMapOvr>
     <a:masterClrMapping/>
   </p:clrMapOvr>
-  <p:transition spd="med" advClick="1"/>
+  <p:transition spd="med"/>
 </p:sldLayout>
 </file>
 
 <file path=ppt/slideLayouts/slideLayout2.xml><?xml version="1.0" encoding="utf-8"?>
-<p:sldLayout xmlns:a="http://schemas.openxmlformats.org/drawingml/2006/main" xmlns:r="http://schemas.openxmlformats.org/officeDocument/2006/relationships" xmlns:p="http://schemas.openxmlformats.org/presentationml/2006/main" type="tx" showMasterSp="1" showMasterPhAnim="1">
+<p:sldLayout xmlns:a="http://schemas.openxmlformats.org/drawingml/2006/main" xmlns:r="http://schemas.openxmlformats.org/officeDocument/2006/relationships" xmlns:p="http://schemas.openxmlformats.org/presentationml/2006/main" type="tx">
   <p:cSld name="标题和内容">
     <p:spTree>
       <p:nvGrpSpPr>
@@ -2542,7 +2671,7 @@
           <p:cNvPr id="10" name="Shape 10"/>
           <p:cNvSpPr/>
           <p:nvPr>
-            <p:ph type="title"/>
+            <p:ph type="title" hasCustomPrompt="1"/>
           </p:nvPr>
         </p:nvSpPr>
         <p:spPr>
@@ -2573,6 +2702,11 @@
               </a:rPr>
               <a:t>标题文本</a:t>
             </a:r>
+            <a:endParaRPr sz="3000">
+              <a:solidFill>
+                <a:srgbClr val="C94251"/>
+              </a:solidFill>
+            </a:endParaRPr>
           </a:p>
         </p:txBody>
       </p:sp>
@@ -2581,7 +2715,7 @@
           <p:cNvPr id="11" name="Shape 11"/>
           <p:cNvSpPr/>
           <p:nvPr>
-            <p:ph type="body" idx="1"/>
+            <p:ph type="body" idx="1" hasCustomPrompt="1"/>
           </p:nvPr>
         </p:nvSpPr>
         <p:spPr>
@@ -2700,6 +2834,11 @@
               </a:rPr>
               <a:t>正文级别 5</a:t>
             </a:r>
+            <a:endParaRPr sz="2000">
+              <a:solidFill>
+                <a:srgbClr val="474747"/>
+              </a:solidFill>
+            </a:endParaRPr>
           </a:p>
         </p:txBody>
       </p:sp>
@@ -2721,7 +2860,10 @@
           <a:lstStyle/>
           <a:p>
             <a:pPr lvl="0"/>
-            <a:fld id="{86CB4B4D-7CA3-9044-876B-883B54F8677D}" type="slidenum"/>
+            <a:fld id="{86CB4B4D-7CA3-9044-876B-883B54F8677D}" type="slidenum">
+              <a:rPr/>
+            </a:fld>
+            <a:endParaRPr/>
           </a:p>
         </p:txBody>
       </p:sp>
@@ -2730,12 +2872,12 @@
   <p:clrMapOvr>
     <a:masterClrMapping/>
   </p:clrMapOvr>
-  <p:transition spd="med" advClick="1"/>
+  <p:transition spd="med"/>
 </p:sldLayout>
 </file>
 
 <file path=ppt/slideLayouts/slideLayout20.xml><?xml version="1.0" encoding="utf-8"?>
-<p:sldLayout xmlns:a="http://schemas.openxmlformats.org/drawingml/2006/main" xmlns:r="http://schemas.openxmlformats.org/officeDocument/2006/relationships" xmlns:p="http://schemas.openxmlformats.org/presentationml/2006/main" type="tx" showMasterSp="1" showMasterPhAnim="1">
+<p:sldLayout xmlns:a="http://schemas.openxmlformats.org/drawingml/2006/main" xmlns:r="http://schemas.openxmlformats.org/officeDocument/2006/relationships" xmlns:p="http://schemas.openxmlformats.org/presentationml/2006/main" type="tx">
   <p:cSld name="图片与标题">
     <p:spTree>
       <p:nvGrpSpPr>
@@ -2756,7 +2898,7 @@
           <p:cNvPr id="76" name="Shape 76"/>
           <p:cNvSpPr/>
           <p:nvPr>
-            <p:ph type="title"/>
+            <p:ph type="title" hasCustomPrompt="1"/>
           </p:nvPr>
         </p:nvSpPr>
         <p:spPr>
@@ -2791,6 +2933,11 @@
               </a:rPr>
               <a:t>标题文本</a:t>
             </a:r>
+            <a:endParaRPr sz="2000">
+              <a:solidFill>
+                <a:srgbClr val="C94251"/>
+              </a:solidFill>
+            </a:endParaRPr>
           </a:p>
         </p:txBody>
       </p:sp>
@@ -2799,7 +2946,7 @@
           <p:cNvPr id="77" name="Shape 77"/>
           <p:cNvSpPr/>
           <p:nvPr>
-            <p:ph type="body" idx="1"/>
+            <p:ph type="body" idx="1" hasCustomPrompt="1"/>
           </p:nvPr>
         </p:nvSpPr>
         <p:spPr>
@@ -2964,6 +3111,11 @@
               </a:rPr>
               <a:t>正文级别 5</a:t>
             </a:r>
+            <a:endParaRPr sz="1400">
+              <a:solidFill>
+                <a:srgbClr val="474747"/>
+              </a:solidFill>
+            </a:endParaRPr>
           </a:p>
         </p:txBody>
       </p:sp>
@@ -2985,7 +3137,10 @@
           <a:lstStyle/>
           <a:p>
             <a:pPr lvl="0"/>
-            <a:fld id="{86CB4B4D-7CA3-9044-876B-883B54F8677D}" type="slidenum"/>
+            <a:fld id="{86CB4B4D-7CA3-9044-876B-883B54F8677D}" type="slidenum">
+              <a:rPr/>
+            </a:fld>
+            <a:endParaRPr/>
           </a:p>
         </p:txBody>
       </p:sp>
@@ -2994,12 +3149,12 @@
   <p:clrMapOvr>
     <a:masterClrMapping/>
   </p:clrMapOvr>
-  <p:transition spd="med" advClick="1"/>
+  <p:transition spd="med"/>
 </p:sldLayout>
 </file>
 
 <file path=ppt/slideLayouts/slideLayout21.xml><?xml version="1.0" encoding="utf-8"?>
-<p:sldLayout xmlns:a="http://schemas.openxmlformats.org/drawingml/2006/main" xmlns:r="http://schemas.openxmlformats.org/officeDocument/2006/relationships" xmlns:p="http://schemas.openxmlformats.org/presentationml/2006/main" type="tx" showMasterSp="1" showMasterPhAnim="1">
+<p:sldLayout xmlns:a="http://schemas.openxmlformats.org/drawingml/2006/main" xmlns:r="http://schemas.openxmlformats.org/officeDocument/2006/relationships" xmlns:p="http://schemas.openxmlformats.org/presentationml/2006/main" type="tx">
   <p:cSld name="标题和竖排文本">
     <p:spTree>
       <p:nvGrpSpPr>
@@ -3020,7 +3175,7 @@
           <p:cNvPr id="80" name="Shape 80"/>
           <p:cNvSpPr/>
           <p:nvPr>
-            <p:ph type="title"/>
+            <p:ph type="title" hasCustomPrompt="1"/>
           </p:nvPr>
         </p:nvSpPr>
         <p:spPr>
@@ -3051,6 +3206,11 @@
               </a:rPr>
               <a:t>标题文本</a:t>
             </a:r>
+            <a:endParaRPr sz="3000">
+              <a:solidFill>
+                <a:srgbClr val="C94251"/>
+              </a:solidFill>
+            </a:endParaRPr>
           </a:p>
         </p:txBody>
       </p:sp>
@@ -3059,7 +3219,7 @@
           <p:cNvPr id="81" name="Shape 81"/>
           <p:cNvSpPr/>
           <p:nvPr>
-            <p:ph type="body" idx="1"/>
+            <p:ph type="body" idx="1" hasCustomPrompt="1"/>
           </p:nvPr>
         </p:nvSpPr>
         <p:spPr>
@@ -3178,6 +3338,11 @@
               </a:rPr>
               <a:t>正文级别 5</a:t>
             </a:r>
+            <a:endParaRPr sz="2000">
+              <a:solidFill>
+                <a:srgbClr val="474747"/>
+              </a:solidFill>
+            </a:endParaRPr>
           </a:p>
         </p:txBody>
       </p:sp>
@@ -3199,7 +3364,10 @@
           <a:lstStyle/>
           <a:p>
             <a:pPr lvl="0"/>
-            <a:fld id="{86CB4B4D-7CA3-9044-876B-883B54F8677D}" type="slidenum"/>
+            <a:fld id="{86CB4B4D-7CA3-9044-876B-883B54F8677D}" type="slidenum">
+              <a:rPr/>
+            </a:fld>
+            <a:endParaRPr/>
           </a:p>
         </p:txBody>
       </p:sp>
@@ -3208,12 +3376,12 @@
   <p:clrMapOvr>
     <a:masterClrMapping/>
   </p:clrMapOvr>
-  <p:transition spd="med" advClick="1"/>
+  <p:transition spd="med"/>
 </p:sldLayout>
 </file>
 
 <file path=ppt/slideLayouts/slideLayout22.xml><?xml version="1.0" encoding="utf-8"?>
-<p:sldLayout xmlns:a="http://schemas.openxmlformats.org/drawingml/2006/main" xmlns:r="http://schemas.openxmlformats.org/officeDocument/2006/relationships" xmlns:p="http://schemas.openxmlformats.org/presentationml/2006/main" type="tx" showMasterSp="1" showMasterPhAnim="1">
+<p:sldLayout xmlns:a="http://schemas.openxmlformats.org/drawingml/2006/main" xmlns:r="http://schemas.openxmlformats.org/officeDocument/2006/relationships" xmlns:p="http://schemas.openxmlformats.org/presentationml/2006/main" type="tx">
   <p:cSld name="垂直排列标题与文本">
     <p:spTree>
       <p:nvGrpSpPr>
@@ -3234,7 +3402,7 @@
           <p:cNvPr id="84" name="Shape 84"/>
           <p:cNvSpPr/>
           <p:nvPr>
-            <p:ph type="title"/>
+            <p:ph type="title" hasCustomPrompt="1"/>
           </p:nvPr>
         </p:nvSpPr>
         <p:spPr>
@@ -3261,6 +3429,11 @@
               </a:rPr>
               <a:t>标题文本</a:t>
             </a:r>
+            <a:endParaRPr sz="3000">
+              <a:solidFill>
+                <a:srgbClr val="C94251"/>
+              </a:solidFill>
+            </a:endParaRPr>
           </a:p>
         </p:txBody>
       </p:sp>
@@ -3269,7 +3442,7 @@
           <p:cNvPr id="85" name="Shape 85"/>
           <p:cNvSpPr/>
           <p:nvPr>
-            <p:ph type="body" idx="1"/>
+            <p:ph type="body" idx="1" hasCustomPrompt="1"/>
           </p:nvPr>
         </p:nvSpPr>
         <p:spPr>
@@ -3384,6 +3557,11 @@
               </a:rPr>
               <a:t>正文级别 5</a:t>
             </a:r>
+            <a:endParaRPr sz="2000">
+              <a:solidFill>
+                <a:srgbClr val="474747"/>
+              </a:solidFill>
+            </a:endParaRPr>
           </a:p>
         </p:txBody>
       </p:sp>
@@ -3405,7 +3583,10 @@
           <a:lstStyle/>
           <a:p>
             <a:pPr lvl="0"/>
-            <a:fld id="{86CB4B4D-7CA3-9044-876B-883B54F8677D}" type="slidenum"/>
+            <a:fld id="{86CB4B4D-7CA3-9044-876B-883B54F8677D}" type="slidenum">
+              <a:rPr/>
+            </a:fld>
+            <a:endParaRPr/>
           </a:p>
         </p:txBody>
       </p:sp>
@@ -3414,12 +3595,12 @@
   <p:clrMapOvr>
     <a:masterClrMapping/>
   </p:clrMapOvr>
-  <p:transition spd="med" advClick="1"/>
+  <p:transition spd="med"/>
 </p:sldLayout>
 </file>
 
 <file path=ppt/slideLayouts/slideLayout23.xml><?xml version="1.0" encoding="utf-8"?>
-<p:sldLayout xmlns:a="http://schemas.openxmlformats.org/drawingml/2006/main" xmlns:r="http://schemas.openxmlformats.org/officeDocument/2006/relationships" xmlns:p="http://schemas.openxmlformats.org/presentationml/2006/main" type="tx" showMasterSp="1" showMasterPhAnim="1">
+<p:sldLayout xmlns:a="http://schemas.openxmlformats.org/drawingml/2006/main" xmlns:r="http://schemas.openxmlformats.org/officeDocument/2006/relationships" xmlns:p="http://schemas.openxmlformats.org/presentationml/2006/main" type="tx">
   <p:cSld name="标题幻灯片">
     <p:spTree>
       <p:nvGrpSpPr>
@@ -3440,7 +3621,7 @@
           <p:cNvPr id="88" name="Shape 88"/>
           <p:cNvSpPr/>
           <p:nvPr>
-            <p:ph type="title"/>
+            <p:ph type="title" hasCustomPrompt="1"/>
           </p:nvPr>
         </p:nvSpPr>
         <p:spPr>
@@ -3471,6 +3652,11 @@
               </a:rPr>
               <a:t>标题文本</a:t>
             </a:r>
+            <a:endParaRPr sz="3000">
+              <a:solidFill>
+                <a:srgbClr val="C94251"/>
+              </a:solidFill>
+            </a:endParaRPr>
           </a:p>
         </p:txBody>
       </p:sp>
@@ -3479,7 +3665,7 @@
           <p:cNvPr id="89" name="Shape 89"/>
           <p:cNvSpPr/>
           <p:nvPr>
-            <p:ph type="body" idx="1"/>
+            <p:ph type="body" idx="1" hasCustomPrompt="1"/>
           </p:nvPr>
         </p:nvSpPr>
         <p:spPr>
@@ -3624,6 +3810,11 @@
               </a:rPr>
               <a:t>正文级别 5</a:t>
             </a:r>
+            <a:endParaRPr sz="2000">
+              <a:solidFill>
+                <a:srgbClr val="474747"/>
+              </a:solidFill>
+            </a:endParaRPr>
           </a:p>
         </p:txBody>
       </p:sp>
@@ -3645,7 +3836,10 @@
           <a:lstStyle/>
           <a:p>
             <a:pPr lvl="0"/>
-            <a:fld id="{86CB4B4D-7CA3-9044-876B-883B54F8677D}" type="slidenum"/>
+            <a:fld id="{86CB4B4D-7CA3-9044-876B-883B54F8677D}" type="slidenum">
+              <a:rPr/>
+            </a:fld>
+            <a:endParaRPr/>
           </a:p>
         </p:txBody>
       </p:sp>
@@ -3654,12 +3848,12 @@
   <p:clrMapOvr>
     <a:masterClrMapping/>
   </p:clrMapOvr>
-  <p:transition spd="med" advClick="1"/>
+  <p:transition spd="med"/>
 </p:sldLayout>
 </file>
 
 <file path=ppt/slideLayouts/slideLayout24.xml><?xml version="1.0" encoding="utf-8"?>
-<p:sldLayout xmlns:a="http://schemas.openxmlformats.org/drawingml/2006/main" xmlns:r="http://schemas.openxmlformats.org/officeDocument/2006/relationships" xmlns:p="http://schemas.openxmlformats.org/presentationml/2006/main" type="tx" showMasterSp="1" showMasterPhAnim="1">
+<p:sldLayout xmlns:a="http://schemas.openxmlformats.org/drawingml/2006/main" xmlns:r="http://schemas.openxmlformats.org/officeDocument/2006/relationships" xmlns:p="http://schemas.openxmlformats.org/presentationml/2006/main" type="tx">
   <p:cSld name="标题和内容">
     <p:spTree>
       <p:nvGrpSpPr>
@@ -3680,7 +3874,7 @@
           <p:cNvPr id="92" name="Shape 92"/>
           <p:cNvSpPr/>
           <p:nvPr>
-            <p:ph type="title"/>
+            <p:ph type="title" hasCustomPrompt="1"/>
           </p:nvPr>
         </p:nvSpPr>
         <p:spPr>
@@ -3711,6 +3905,11 @@
               </a:rPr>
               <a:t>标题文本</a:t>
             </a:r>
+            <a:endParaRPr sz="3000">
+              <a:solidFill>
+                <a:srgbClr val="C94251"/>
+              </a:solidFill>
+            </a:endParaRPr>
           </a:p>
         </p:txBody>
       </p:sp>
@@ -3719,7 +3918,7 @@
           <p:cNvPr id="93" name="Shape 93"/>
           <p:cNvSpPr/>
           <p:nvPr>
-            <p:ph type="body" idx="1"/>
+            <p:ph type="body" idx="1" hasCustomPrompt="1"/>
           </p:nvPr>
         </p:nvSpPr>
         <p:spPr>
@@ -3838,6 +4037,11 @@
               </a:rPr>
               <a:t>正文级别 5</a:t>
             </a:r>
+            <a:endParaRPr sz="2000">
+              <a:solidFill>
+                <a:srgbClr val="474747"/>
+              </a:solidFill>
+            </a:endParaRPr>
           </a:p>
         </p:txBody>
       </p:sp>
@@ -3859,7 +4063,10 @@
           <a:lstStyle/>
           <a:p>
             <a:pPr lvl="0"/>
-            <a:fld id="{86CB4B4D-7CA3-9044-876B-883B54F8677D}" type="slidenum"/>
+            <a:fld id="{86CB4B4D-7CA3-9044-876B-883B54F8677D}" type="slidenum">
+              <a:rPr/>
+            </a:fld>
+            <a:endParaRPr/>
           </a:p>
         </p:txBody>
       </p:sp>
@@ -3868,12 +4075,12 @@
   <p:clrMapOvr>
     <a:masterClrMapping/>
   </p:clrMapOvr>
-  <p:transition spd="med" advClick="1"/>
+  <p:transition spd="med"/>
 </p:sldLayout>
 </file>
 
 <file path=ppt/slideLayouts/slideLayout25.xml><?xml version="1.0" encoding="utf-8"?>
-<p:sldLayout xmlns:a="http://schemas.openxmlformats.org/drawingml/2006/main" xmlns:r="http://schemas.openxmlformats.org/officeDocument/2006/relationships" xmlns:p="http://schemas.openxmlformats.org/presentationml/2006/main" type="tx" showMasterSp="1" showMasterPhAnim="1">
+<p:sldLayout xmlns:a="http://schemas.openxmlformats.org/drawingml/2006/main" xmlns:r="http://schemas.openxmlformats.org/officeDocument/2006/relationships" xmlns:p="http://schemas.openxmlformats.org/presentationml/2006/main" type="tx">
   <p:cSld name="节标题">
     <p:spTree>
       <p:nvGrpSpPr>
@@ -3894,7 +4101,7 @@
           <p:cNvPr id="96" name="Shape 96"/>
           <p:cNvSpPr/>
           <p:nvPr>
-            <p:ph type="title"/>
+            <p:ph type="title" hasCustomPrompt="1"/>
           </p:nvPr>
         </p:nvSpPr>
         <p:spPr>
@@ -3910,25 +4117,30 @@
           <a:bodyPr anchor="t"/>
           <a:lstStyle>
             <a:lvl1pPr algn="l">
-              <a:defRPr cap="all" sz="4000"/>
+              <a:defRPr sz="4000" cap="all"/>
             </a:lvl1pPr>
           </a:lstStyle>
           <a:p>
             <a:pPr lvl="0">
-              <a:defRPr cap="none" sz="1800">
-                <a:solidFill>
-                  <a:srgbClr val="000000"/>
-                </a:solidFill>
-              </a:defRPr>
-            </a:pPr>
-            <a:r>
-              <a:rPr cap="all" sz="4000">
+              <a:defRPr sz="1800" cap="none">
+                <a:solidFill>
+                  <a:srgbClr val="000000"/>
+                </a:solidFill>
+              </a:defRPr>
+            </a:pPr>
+            <a:r>
+              <a:rPr sz="4000" cap="all">
                 <a:solidFill>
                   <a:srgbClr val="C94251"/>
                 </a:solidFill>
               </a:rPr>
               <a:t>标题文本</a:t>
             </a:r>
+            <a:endParaRPr sz="4000" cap="all">
+              <a:solidFill>
+                <a:srgbClr val="C94251"/>
+              </a:solidFill>
+            </a:endParaRPr>
           </a:p>
         </p:txBody>
       </p:sp>
@@ -3937,7 +4149,7 @@
           <p:cNvPr id="97" name="Shape 97"/>
           <p:cNvSpPr/>
           <p:nvPr>
-            <p:ph type="body" idx="1"/>
+            <p:ph type="body" idx="1" hasCustomPrompt="1"/>
           </p:nvPr>
         </p:nvSpPr>
         <p:spPr>
@@ -4082,6 +4294,11 @@
               </a:rPr>
               <a:t>正文级别 5</a:t>
             </a:r>
+            <a:endParaRPr sz="2000">
+              <a:solidFill>
+                <a:srgbClr val="474747"/>
+              </a:solidFill>
+            </a:endParaRPr>
           </a:p>
         </p:txBody>
       </p:sp>
@@ -4103,7 +4320,10 @@
           <a:lstStyle/>
           <a:p>
             <a:pPr lvl="0"/>
-            <a:fld id="{86CB4B4D-7CA3-9044-876B-883B54F8677D}" type="slidenum"/>
+            <a:fld id="{86CB4B4D-7CA3-9044-876B-883B54F8677D}" type="slidenum">
+              <a:rPr/>
+            </a:fld>
+            <a:endParaRPr/>
           </a:p>
         </p:txBody>
       </p:sp>
@@ -4112,12 +4332,12 @@
   <p:clrMapOvr>
     <a:masterClrMapping/>
   </p:clrMapOvr>
-  <p:transition spd="med" advClick="1"/>
+  <p:transition spd="med"/>
 </p:sldLayout>
 </file>
 
 <file path=ppt/slideLayouts/slideLayout26.xml><?xml version="1.0" encoding="utf-8"?>
-<p:sldLayout xmlns:a="http://schemas.openxmlformats.org/drawingml/2006/main" xmlns:r="http://schemas.openxmlformats.org/officeDocument/2006/relationships" xmlns:p="http://schemas.openxmlformats.org/presentationml/2006/main" type="tx" showMasterSp="1" showMasterPhAnim="1">
+<p:sldLayout xmlns:a="http://schemas.openxmlformats.org/drawingml/2006/main" xmlns:r="http://schemas.openxmlformats.org/officeDocument/2006/relationships" xmlns:p="http://schemas.openxmlformats.org/presentationml/2006/main" type="tx">
   <p:cSld name="两栏内容">
     <p:spTree>
       <p:nvGrpSpPr>
@@ -4138,7 +4358,7 @@
           <p:cNvPr id="100" name="Shape 100"/>
           <p:cNvSpPr/>
           <p:nvPr>
-            <p:ph type="title"/>
+            <p:ph type="title" hasCustomPrompt="1"/>
           </p:nvPr>
         </p:nvSpPr>
         <p:spPr>
@@ -4169,6 +4389,11 @@
               </a:rPr>
               <a:t>标题文本</a:t>
             </a:r>
+            <a:endParaRPr sz="3000">
+              <a:solidFill>
+                <a:srgbClr val="C94251"/>
+              </a:solidFill>
+            </a:endParaRPr>
           </a:p>
         </p:txBody>
       </p:sp>
@@ -4177,7 +4402,7 @@
           <p:cNvPr id="101" name="Shape 101"/>
           <p:cNvSpPr/>
           <p:nvPr>
-            <p:ph type="body" idx="1"/>
+            <p:ph type="body" idx="1" hasCustomPrompt="1"/>
           </p:nvPr>
         </p:nvSpPr>
         <p:spPr>
@@ -4204,7 +4429,7 @@
               </a:spcBef>
               <a:defRPr sz="2800"/>
             </a:lvl2pPr>
-            <a:lvl3pPr marL="1234438" indent="-320038">
+            <a:lvl3pPr marL="1234440" indent="-320040">
               <a:spcBef>
                 <a:spcPts val="600"/>
               </a:spcBef>
@@ -4327,6 +4552,11 @@
               </a:rPr>
               <a:t>正文级别 5</a:t>
             </a:r>
+            <a:endParaRPr sz="2800">
+              <a:solidFill>
+                <a:srgbClr val="474747"/>
+              </a:solidFill>
+            </a:endParaRPr>
           </a:p>
         </p:txBody>
       </p:sp>
@@ -4348,7 +4578,10 @@
           <a:lstStyle/>
           <a:p>
             <a:pPr lvl="0"/>
-            <a:fld id="{86CB4B4D-7CA3-9044-876B-883B54F8677D}" type="slidenum"/>
+            <a:fld id="{86CB4B4D-7CA3-9044-876B-883B54F8677D}" type="slidenum">
+              <a:rPr/>
+            </a:fld>
+            <a:endParaRPr/>
           </a:p>
         </p:txBody>
       </p:sp>
@@ -4357,12 +4590,12 @@
   <p:clrMapOvr>
     <a:masterClrMapping/>
   </p:clrMapOvr>
-  <p:transition spd="med" advClick="1"/>
+  <p:transition spd="med"/>
 </p:sldLayout>
 </file>
 
 <file path=ppt/slideLayouts/slideLayout27.xml><?xml version="1.0" encoding="utf-8"?>
-<p:sldLayout xmlns:a="http://schemas.openxmlformats.org/drawingml/2006/main" xmlns:r="http://schemas.openxmlformats.org/officeDocument/2006/relationships" xmlns:p="http://schemas.openxmlformats.org/presentationml/2006/main" type="tx" showMasterSp="1" showMasterPhAnim="1">
+<p:sldLayout xmlns:a="http://schemas.openxmlformats.org/drawingml/2006/main" xmlns:r="http://schemas.openxmlformats.org/officeDocument/2006/relationships" xmlns:p="http://schemas.openxmlformats.org/presentationml/2006/main" type="tx">
   <p:cSld name="比较">
     <p:spTree>
       <p:nvGrpSpPr>
@@ -4383,7 +4616,7 @@
           <p:cNvPr id="104" name="Shape 104"/>
           <p:cNvSpPr/>
           <p:nvPr>
-            <p:ph type="title"/>
+            <p:ph type="title" hasCustomPrompt="1"/>
           </p:nvPr>
         </p:nvSpPr>
         <p:spPr>
@@ -4414,6 +4647,11 @@
               </a:rPr>
               <a:t>标题文本</a:t>
             </a:r>
+            <a:endParaRPr sz="3000">
+              <a:solidFill>
+                <a:srgbClr val="C94251"/>
+              </a:solidFill>
+            </a:endParaRPr>
           </a:p>
         </p:txBody>
       </p:sp>
@@ -4422,7 +4660,7 @@
           <p:cNvPr id="105" name="Shape 105"/>
           <p:cNvSpPr/>
           <p:nvPr>
-            <p:ph type="body" idx="1"/>
+            <p:ph type="body" idx="1" hasCustomPrompt="1"/>
           </p:nvPr>
         </p:nvSpPr>
         <p:spPr>
@@ -4587,6 +4825,11 @@
               </a:rPr>
               <a:t>正文级别 5</a:t>
             </a:r>
+            <a:endParaRPr sz="2400">
+              <a:solidFill>
+                <a:srgbClr val="474747"/>
+              </a:solidFill>
+            </a:endParaRPr>
           </a:p>
         </p:txBody>
       </p:sp>
@@ -4608,7 +4851,10 @@
           <a:lstStyle/>
           <a:p>
             <a:pPr lvl="0"/>
-            <a:fld id="{86CB4B4D-7CA3-9044-876B-883B54F8677D}" type="slidenum"/>
+            <a:fld id="{86CB4B4D-7CA3-9044-876B-883B54F8677D}" type="slidenum">
+              <a:rPr/>
+            </a:fld>
+            <a:endParaRPr/>
           </a:p>
         </p:txBody>
       </p:sp>
@@ -4617,12 +4863,12 @@
   <p:clrMapOvr>
     <a:masterClrMapping/>
   </p:clrMapOvr>
-  <p:transition spd="med" advClick="1"/>
+  <p:transition spd="med"/>
 </p:sldLayout>
 </file>
 
 <file path=ppt/slideLayouts/slideLayout28.xml><?xml version="1.0" encoding="utf-8"?>
-<p:sldLayout xmlns:a="http://schemas.openxmlformats.org/drawingml/2006/main" xmlns:r="http://schemas.openxmlformats.org/officeDocument/2006/relationships" xmlns:p="http://schemas.openxmlformats.org/presentationml/2006/main" type="tx" showMasterSp="1" showMasterPhAnim="1">
+<p:sldLayout xmlns:a="http://schemas.openxmlformats.org/drawingml/2006/main" xmlns:r="http://schemas.openxmlformats.org/officeDocument/2006/relationships" xmlns:p="http://schemas.openxmlformats.org/presentationml/2006/main" type="tx">
   <p:cSld name="仅标题">
     <p:spTree>
       <p:nvGrpSpPr>
@@ -4643,7 +4889,7 @@
           <p:cNvPr id="108" name="Shape 108"/>
           <p:cNvSpPr/>
           <p:nvPr>
-            <p:ph type="title"/>
+            <p:ph type="title" hasCustomPrompt="1"/>
           </p:nvPr>
         </p:nvSpPr>
         <p:spPr>
@@ -4674,6 +4920,11 @@
               </a:rPr>
               <a:t>标题文本</a:t>
             </a:r>
+            <a:endParaRPr sz="3000">
+              <a:solidFill>
+                <a:srgbClr val="C94251"/>
+              </a:solidFill>
+            </a:endParaRPr>
           </a:p>
         </p:txBody>
       </p:sp>
@@ -4695,7 +4946,10 @@
           <a:lstStyle/>
           <a:p>
             <a:pPr lvl="0"/>
-            <a:fld id="{86CB4B4D-7CA3-9044-876B-883B54F8677D}" type="slidenum"/>
+            <a:fld id="{86CB4B4D-7CA3-9044-876B-883B54F8677D}" type="slidenum">
+              <a:rPr/>
+            </a:fld>
+            <a:endParaRPr/>
           </a:p>
         </p:txBody>
       </p:sp>
@@ -4704,12 +4958,12 @@
   <p:clrMapOvr>
     <a:masterClrMapping/>
   </p:clrMapOvr>
-  <p:transition spd="med" advClick="1"/>
+  <p:transition spd="med"/>
 </p:sldLayout>
 </file>
 
 <file path=ppt/slideLayouts/slideLayout29.xml><?xml version="1.0" encoding="utf-8"?>
-<p:sldLayout xmlns:a="http://schemas.openxmlformats.org/drawingml/2006/main" xmlns:r="http://schemas.openxmlformats.org/officeDocument/2006/relationships" xmlns:p="http://schemas.openxmlformats.org/presentationml/2006/main" type="tx" showMasterSp="1" showMasterPhAnim="1">
+<p:sldLayout xmlns:a="http://schemas.openxmlformats.org/drawingml/2006/main" xmlns:r="http://schemas.openxmlformats.org/officeDocument/2006/relationships" xmlns:p="http://schemas.openxmlformats.org/presentationml/2006/main" type="tx">
   <p:cSld name="空白">
     <p:spTree>
       <p:nvGrpSpPr>
@@ -4743,7 +4997,10 @@
           <a:lstStyle/>
           <a:p>
             <a:pPr lvl="0"/>
-            <a:fld id="{86CB4B4D-7CA3-9044-876B-883B54F8677D}" type="slidenum"/>
+            <a:fld id="{86CB4B4D-7CA3-9044-876B-883B54F8677D}" type="slidenum">
+              <a:rPr/>
+            </a:fld>
+            <a:endParaRPr/>
           </a:p>
         </p:txBody>
       </p:sp>
@@ -4752,12 +5009,12 @@
   <p:clrMapOvr>
     <a:masterClrMapping/>
   </p:clrMapOvr>
-  <p:transition spd="med" advClick="1"/>
+  <p:transition spd="med"/>
 </p:sldLayout>
 </file>
 
 <file path=ppt/slideLayouts/slideLayout3.xml><?xml version="1.0" encoding="utf-8"?>
-<p:sldLayout xmlns:a="http://schemas.openxmlformats.org/drawingml/2006/main" xmlns:r="http://schemas.openxmlformats.org/officeDocument/2006/relationships" xmlns:p="http://schemas.openxmlformats.org/presentationml/2006/main" type="tx" showMasterSp="1" showMasterPhAnim="1">
+<p:sldLayout xmlns:a="http://schemas.openxmlformats.org/drawingml/2006/main" xmlns:r="http://schemas.openxmlformats.org/officeDocument/2006/relationships" xmlns:p="http://schemas.openxmlformats.org/presentationml/2006/main" type="tx">
   <p:cSld name="节标题">
     <p:spTree>
       <p:nvGrpSpPr>
@@ -4778,7 +5035,7 @@
           <p:cNvPr id="14" name="Shape 14"/>
           <p:cNvSpPr/>
           <p:nvPr>
-            <p:ph type="title"/>
+            <p:ph type="title" hasCustomPrompt="1"/>
           </p:nvPr>
         </p:nvSpPr>
         <p:spPr>
@@ -4794,25 +5051,30 @@
           <a:bodyPr anchor="t"/>
           <a:lstStyle>
             <a:lvl1pPr algn="l">
-              <a:defRPr cap="all" sz="4000"/>
+              <a:defRPr sz="4000" cap="all"/>
             </a:lvl1pPr>
           </a:lstStyle>
           <a:p>
             <a:pPr lvl="0">
-              <a:defRPr cap="none" sz="1800">
-                <a:solidFill>
-                  <a:srgbClr val="000000"/>
-                </a:solidFill>
-              </a:defRPr>
-            </a:pPr>
-            <a:r>
-              <a:rPr cap="all" sz="4000">
+              <a:defRPr sz="1800" cap="none">
+                <a:solidFill>
+                  <a:srgbClr val="000000"/>
+                </a:solidFill>
+              </a:defRPr>
+            </a:pPr>
+            <a:r>
+              <a:rPr sz="4000" cap="all">
                 <a:solidFill>
                   <a:srgbClr val="C94251"/>
                 </a:solidFill>
               </a:rPr>
               <a:t>标题文本</a:t>
             </a:r>
+            <a:endParaRPr sz="4000" cap="all">
+              <a:solidFill>
+                <a:srgbClr val="C94251"/>
+              </a:solidFill>
+            </a:endParaRPr>
           </a:p>
         </p:txBody>
       </p:sp>
@@ -4821,7 +5083,7 @@
           <p:cNvPr id="15" name="Shape 15"/>
           <p:cNvSpPr/>
           <p:nvPr>
-            <p:ph type="body" idx="1"/>
+            <p:ph type="body" idx="1" hasCustomPrompt="1"/>
           </p:nvPr>
         </p:nvSpPr>
         <p:spPr>
@@ -4966,6 +5228,11 @@
               </a:rPr>
               <a:t>正文级别 5</a:t>
             </a:r>
+            <a:endParaRPr sz="2000">
+              <a:solidFill>
+                <a:srgbClr val="474747"/>
+              </a:solidFill>
+            </a:endParaRPr>
           </a:p>
         </p:txBody>
       </p:sp>
@@ -4987,7 +5254,10 @@
           <a:lstStyle/>
           <a:p>
             <a:pPr lvl="0"/>
-            <a:fld id="{86CB4B4D-7CA3-9044-876B-883B54F8677D}" type="slidenum"/>
+            <a:fld id="{86CB4B4D-7CA3-9044-876B-883B54F8677D}" type="slidenum">
+              <a:rPr/>
+            </a:fld>
+            <a:endParaRPr/>
           </a:p>
         </p:txBody>
       </p:sp>
@@ -4996,12 +5266,12 @@
   <p:clrMapOvr>
     <a:masterClrMapping/>
   </p:clrMapOvr>
-  <p:transition spd="med" advClick="1"/>
+  <p:transition spd="med"/>
 </p:sldLayout>
 </file>
 
 <file path=ppt/slideLayouts/slideLayout30.xml><?xml version="1.0" encoding="utf-8"?>
-<p:sldLayout xmlns:a="http://schemas.openxmlformats.org/drawingml/2006/main" xmlns:r="http://schemas.openxmlformats.org/officeDocument/2006/relationships" xmlns:p="http://schemas.openxmlformats.org/presentationml/2006/main" type="tx" showMasterSp="1" showMasterPhAnim="1">
+<p:sldLayout xmlns:a="http://schemas.openxmlformats.org/drawingml/2006/main" xmlns:r="http://schemas.openxmlformats.org/officeDocument/2006/relationships" xmlns:p="http://schemas.openxmlformats.org/presentationml/2006/main" type="tx">
   <p:cSld name="内容与标题">
     <p:spTree>
       <p:nvGrpSpPr>
@@ -5022,7 +5292,7 @@
           <p:cNvPr id="113" name="Shape 113"/>
           <p:cNvSpPr/>
           <p:nvPr>
-            <p:ph type="title"/>
+            <p:ph type="title" hasCustomPrompt="1"/>
           </p:nvPr>
         </p:nvSpPr>
         <p:spPr>
@@ -5057,6 +5327,11 @@
               </a:rPr>
               <a:t>标题文本</a:t>
             </a:r>
+            <a:endParaRPr sz="2000">
+              <a:solidFill>
+                <a:srgbClr val="C94251"/>
+              </a:solidFill>
+            </a:endParaRPr>
           </a:p>
         </p:txBody>
       </p:sp>
@@ -5065,7 +5340,7 @@
           <p:cNvPr id="114" name="Shape 114"/>
           <p:cNvSpPr/>
           <p:nvPr>
-            <p:ph type="body" idx="1"/>
+            <p:ph type="body" idx="1" hasCustomPrompt="1"/>
           </p:nvPr>
         </p:nvSpPr>
         <p:spPr>
@@ -5215,6 +5490,11 @@
               </a:rPr>
               <a:t>正文级别 5</a:t>
             </a:r>
+            <a:endParaRPr sz="3200">
+              <a:solidFill>
+                <a:srgbClr val="474747"/>
+              </a:solidFill>
+            </a:endParaRPr>
           </a:p>
         </p:txBody>
       </p:sp>
@@ -5236,7 +5516,10 @@
           <a:lstStyle/>
           <a:p>
             <a:pPr lvl="0"/>
-            <a:fld id="{86CB4B4D-7CA3-9044-876B-883B54F8677D}" type="slidenum"/>
+            <a:fld id="{86CB4B4D-7CA3-9044-876B-883B54F8677D}" type="slidenum">
+              <a:rPr/>
+            </a:fld>
+            <a:endParaRPr/>
           </a:p>
         </p:txBody>
       </p:sp>
@@ -5245,12 +5528,12 @@
   <p:clrMapOvr>
     <a:masterClrMapping/>
   </p:clrMapOvr>
-  <p:transition spd="med" advClick="1"/>
+  <p:transition spd="med"/>
 </p:sldLayout>
 </file>
 
 <file path=ppt/slideLayouts/slideLayout31.xml><?xml version="1.0" encoding="utf-8"?>
-<p:sldLayout xmlns:a="http://schemas.openxmlformats.org/drawingml/2006/main" xmlns:r="http://schemas.openxmlformats.org/officeDocument/2006/relationships" xmlns:p="http://schemas.openxmlformats.org/presentationml/2006/main" type="tx" showMasterSp="1" showMasterPhAnim="1">
+<p:sldLayout xmlns:a="http://schemas.openxmlformats.org/drawingml/2006/main" xmlns:r="http://schemas.openxmlformats.org/officeDocument/2006/relationships" xmlns:p="http://schemas.openxmlformats.org/presentationml/2006/main" type="tx">
   <p:cSld name="图片与标题">
     <p:spTree>
       <p:nvGrpSpPr>
@@ -5271,7 +5554,7 @@
           <p:cNvPr id="117" name="Shape 117"/>
           <p:cNvSpPr/>
           <p:nvPr>
-            <p:ph type="title"/>
+            <p:ph type="title" hasCustomPrompt="1"/>
           </p:nvPr>
         </p:nvSpPr>
         <p:spPr>
@@ -5306,6 +5589,11 @@
               </a:rPr>
               <a:t>标题文本</a:t>
             </a:r>
+            <a:endParaRPr sz="2000">
+              <a:solidFill>
+                <a:srgbClr val="C94251"/>
+              </a:solidFill>
+            </a:endParaRPr>
           </a:p>
         </p:txBody>
       </p:sp>
@@ -5314,7 +5602,7 @@
           <p:cNvPr id="118" name="Shape 118"/>
           <p:cNvSpPr/>
           <p:nvPr>
-            <p:ph type="body" idx="1"/>
+            <p:ph type="body" idx="1" hasCustomPrompt="1"/>
           </p:nvPr>
         </p:nvSpPr>
         <p:spPr>
@@ -5479,6 +5767,11 @@
               </a:rPr>
               <a:t>正文级别 5</a:t>
             </a:r>
+            <a:endParaRPr sz="1400">
+              <a:solidFill>
+                <a:srgbClr val="474747"/>
+              </a:solidFill>
+            </a:endParaRPr>
           </a:p>
         </p:txBody>
       </p:sp>
@@ -5500,7 +5793,10 @@
           <a:lstStyle/>
           <a:p>
             <a:pPr lvl="0"/>
-            <a:fld id="{86CB4B4D-7CA3-9044-876B-883B54F8677D}" type="slidenum"/>
+            <a:fld id="{86CB4B4D-7CA3-9044-876B-883B54F8677D}" type="slidenum">
+              <a:rPr/>
+            </a:fld>
+            <a:endParaRPr/>
           </a:p>
         </p:txBody>
       </p:sp>
@@ -5509,12 +5805,12 @@
   <p:clrMapOvr>
     <a:masterClrMapping/>
   </p:clrMapOvr>
-  <p:transition spd="med" advClick="1"/>
+  <p:transition spd="med"/>
 </p:sldLayout>
 </file>
 
 <file path=ppt/slideLayouts/slideLayout32.xml><?xml version="1.0" encoding="utf-8"?>
-<p:sldLayout xmlns:a="http://schemas.openxmlformats.org/drawingml/2006/main" xmlns:r="http://schemas.openxmlformats.org/officeDocument/2006/relationships" xmlns:p="http://schemas.openxmlformats.org/presentationml/2006/main" type="tx" showMasterSp="1" showMasterPhAnim="1">
+<p:sldLayout xmlns:a="http://schemas.openxmlformats.org/drawingml/2006/main" xmlns:r="http://schemas.openxmlformats.org/officeDocument/2006/relationships" xmlns:p="http://schemas.openxmlformats.org/presentationml/2006/main" type="tx">
   <p:cSld name="标题和竖排文本">
     <p:spTree>
       <p:nvGrpSpPr>
@@ -5535,7 +5831,7 @@
           <p:cNvPr id="121" name="Shape 121"/>
           <p:cNvSpPr/>
           <p:nvPr>
-            <p:ph type="title"/>
+            <p:ph type="title" hasCustomPrompt="1"/>
           </p:nvPr>
         </p:nvSpPr>
         <p:spPr>
@@ -5566,6 +5862,11 @@
               </a:rPr>
               <a:t>标题文本</a:t>
             </a:r>
+            <a:endParaRPr sz="3000">
+              <a:solidFill>
+                <a:srgbClr val="C94251"/>
+              </a:solidFill>
+            </a:endParaRPr>
           </a:p>
         </p:txBody>
       </p:sp>
@@ -5574,7 +5875,7 @@
           <p:cNvPr id="122" name="Shape 122"/>
           <p:cNvSpPr/>
           <p:nvPr>
-            <p:ph type="body" idx="1"/>
+            <p:ph type="body" idx="1" hasCustomPrompt="1"/>
           </p:nvPr>
         </p:nvSpPr>
         <p:spPr>
@@ -5693,6 +5994,11 @@
               </a:rPr>
               <a:t>正文级别 5</a:t>
             </a:r>
+            <a:endParaRPr sz="2000">
+              <a:solidFill>
+                <a:srgbClr val="474747"/>
+              </a:solidFill>
+            </a:endParaRPr>
           </a:p>
         </p:txBody>
       </p:sp>
@@ -5714,7 +6020,10 @@
           <a:lstStyle/>
           <a:p>
             <a:pPr lvl="0"/>
-            <a:fld id="{86CB4B4D-7CA3-9044-876B-883B54F8677D}" type="slidenum"/>
+            <a:fld id="{86CB4B4D-7CA3-9044-876B-883B54F8677D}" type="slidenum">
+              <a:rPr/>
+            </a:fld>
+            <a:endParaRPr/>
           </a:p>
         </p:txBody>
       </p:sp>
@@ -5723,12 +6032,12 @@
   <p:clrMapOvr>
     <a:masterClrMapping/>
   </p:clrMapOvr>
-  <p:transition spd="med" advClick="1"/>
+  <p:transition spd="med"/>
 </p:sldLayout>
 </file>
 
 <file path=ppt/slideLayouts/slideLayout33.xml><?xml version="1.0" encoding="utf-8"?>
-<p:sldLayout xmlns:a="http://schemas.openxmlformats.org/drawingml/2006/main" xmlns:r="http://schemas.openxmlformats.org/officeDocument/2006/relationships" xmlns:p="http://schemas.openxmlformats.org/presentationml/2006/main" type="tx" showMasterSp="1" showMasterPhAnim="1">
+<p:sldLayout xmlns:a="http://schemas.openxmlformats.org/drawingml/2006/main" xmlns:r="http://schemas.openxmlformats.org/officeDocument/2006/relationships" xmlns:p="http://schemas.openxmlformats.org/presentationml/2006/main" type="tx">
   <p:cSld name="垂直排列标题与文本">
     <p:spTree>
       <p:nvGrpSpPr>
@@ -5749,7 +6058,7 @@
           <p:cNvPr id="125" name="Shape 125"/>
           <p:cNvSpPr/>
           <p:nvPr>
-            <p:ph type="title"/>
+            <p:ph type="title" hasCustomPrompt="1"/>
           </p:nvPr>
         </p:nvSpPr>
         <p:spPr>
@@ -5776,6 +6085,11 @@
               </a:rPr>
               <a:t>标题文本</a:t>
             </a:r>
+            <a:endParaRPr sz="3000">
+              <a:solidFill>
+                <a:srgbClr val="C94251"/>
+              </a:solidFill>
+            </a:endParaRPr>
           </a:p>
         </p:txBody>
       </p:sp>
@@ -5784,7 +6098,7 @@
           <p:cNvPr id="126" name="Shape 126"/>
           <p:cNvSpPr/>
           <p:nvPr>
-            <p:ph type="body" idx="1"/>
+            <p:ph type="body" idx="1" hasCustomPrompt="1"/>
           </p:nvPr>
         </p:nvSpPr>
         <p:spPr>
@@ -5899,6 +6213,11 @@
               </a:rPr>
               <a:t>正文级别 5</a:t>
             </a:r>
+            <a:endParaRPr sz="2000">
+              <a:solidFill>
+                <a:srgbClr val="474747"/>
+              </a:solidFill>
+            </a:endParaRPr>
           </a:p>
         </p:txBody>
       </p:sp>
@@ -5920,7 +6239,10 @@
           <a:lstStyle/>
           <a:p>
             <a:pPr lvl="0"/>
-            <a:fld id="{86CB4B4D-7CA3-9044-876B-883B54F8677D}" type="slidenum"/>
+            <a:fld id="{86CB4B4D-7CA3-9044-876B-883B54F8677D}" type="slidenum">
+              <a:rPr/>
+            </a:fld>
+            <a:endParaRPr/>
           </a:p>
         </p:txBody>
       </p:sp>
@@ -5929,12 +6251,12 @@
   <p:clrMapOvr>
     <a:masterClrMapping/>
   </p:clrMapOvr>
-  <p:transition spd="med" advClick="1"/>
+  <p:transition spd="med"/>
 </p:sldLayout>
 </file>
 
 <file path=ppt/slideLayouts/slideLayout4.xml><?xml version="1.0" encoding="utf-8"?>
-<p:sldLayout xmlns:a="http://schemas.openxmlformats.org/drawingml/2006/main" xmlns:r="http://schemas.openxmlformats.org/officeDocument/2006/relationships" xmlns:p="http://schemas.openxmlformats.org/presentationml/2006/main" type="tx" showMasterSp="1" showMasterPhAnim="1">
+<p:sldLayout xmlns:a="http://schemas.openxmlformats.org/drawingml/2006/main" xmlns:r="http://schemas.openxmlformats.org/officeDocument/2006/relationships" xmlns:p="http://schemas.openxmlformats.org/presentationml/2006/main" type="tx">
   <p:cSld name="两栏内容">
     <p:spTree>
       <p:nvGrpSpPr>
@@ -5955,7 +6277,7 @@
           <p:cNvPr id="18" name="Shape 18"/>
           <p:cNvSpPr/>
           <p:nvPr>
-            <p:ph type="title"/>
+            <p:ph type="title" hasCustomPrompt="1"/>
           </p:nvPr>
         </p:nvSpPr>
         <p:spPr>
@@ -5986,6 +6308,11 @@
               </a:rPr>
               <a:t>标题文本</a:t>
             </a:r>
+            <a:endParaRPr sz="3000">
+              <a:solidFill>
+                <a:srgbClr val="C94251"/>
+              </a:solidFill>
+            </a:endParaRPr>
           </a:p>
         </p:txBody>
       </p:sp>
@@ -5994,7 +6321,7 @@
           <p:cNvPr id="19" name="Shape 19"/>
           <p:cNvSpPr/>
           <p:nvPr>
-            <p:ph type="body" idx="1"/>
+            <p:ph type="body" idx="1" hasCustomPrompt="1"/>
           </p:nvPr>
         </p:nvSpPr>
         <p:spPr>
@@ -6021,7 +6348,7 @@
               </a:spcBef>
               <a:defRPr sz="2800"/>
             </a:lvl2pPr>
-            <a:lvl3pPr marL="1234438" indent="-320038">
+            <a:lvl3pPr marL="1234440" indent="-320040">
               <a:spcBef>
                 <a:spcPts val="600"/>
               </a:spcBef>
@@ -6144,6 +6471,11 @@
               </a:rPr>
               <a:t>正文级别 5</a:t>
             </a:r>
+            <a:endParaRPr sz="2800">
+              <a:solidFill>
+                <a:srgbClr val="474747"/>
+              </a:solidFill>
+            </a:endParaRPr>
           </a:p>
         </p:txBody>
       </p:sp>
@@ -6165,7 +6497,10 @@
           <a:lstStyle/>
           <a:p>
             <a:pPr lvl="0"/>
-            <a:fld id="{86CB4B4D-7CA3-9044-876B-883B54F8677D}" type="slidenum"/>
+            <a:fld id="{86CB4B4D-7CA3-9044-876B-883B54F8677D}" type="slidenum">
+              <a:rPr/>
+            </a:fld>
+            <a:endParaRPr/>
           </a:p>
         </p:txBody>
       </p:sp>
@@ -6174,12 +6509,12 @@
   <p:clrMapOvr>
     <a:masterClrMapping/>
   </p:clrMapOvr>
-  <p:transition spd="med" advClick="1"/>
+  <p:transition spd="med"/>
 </p:sldLayout>
 </file>
 
 <file path=ppt/slideLayouts/slideLayout5.xml><?xml version="1.0" encoding="utf-8"?>
-<p:sldLayout xmlns:a="http://schemas.openxmlformats.org/drawingml/2006/main" xmlns:r="http://schemas.openxmlformats.org/officeDocument/2006/relationships" xmlns:p="http://schemas.openxmlformats.org/presentationml/2006/main" type="tx" showMasterSp="1" showMasterPhAnim="1">
+<p:sldLayout xmlns:a="http://schemas.openxmlformats.org/drawingml/2006/main" xmlns:r="http://schemas.openxmlformats.org/officeDocument/2006/relationships" xmlns:p="http://schemas.openxmlformats.org/presentationml/2006/main" type="tx">
   <p:cSld name="比较">
     <p:spTree>
       <p:nvGrpSpPr>
@@ -6200,7 +6535,7 @@
           <p:cNvPr id="22" name="Shape 22"/>
           <p:cNvSpPr/>
           <p:nvPr>
-            <p:ph type="title"/>
+            <p:ph type="title" hasCustomPrompt="1"/>
           </p:nvPr>
         </p:nvSpPr>
         <p:spPr>
@@ -6231,6 +6566,11 @@
               </a:rPr>
               <a:t>标题文本</a:t>
             </a:r>
+            <a:endParaRPr sz="3000">
+              <a:solidFill>
+                <a:srgbClr val="C94251"/>
+              </a:solidFill>
+            </a:endParaRPr>
           </a:p>
         </p:txBody>
       </p:sp>
@@ -6239,7 +6579,7 @@
           <p:cNvPr id="23" name="Shape 23"/>
           <p:cNvSpPr/>
           <p:nvPr>
-            <p:ph type="body" idx="1"/>
+            <p:ph type="body" idx="1" hasCustomPrompt="1"/>
           </p:nvPr>
         </p:nvSpPr>
         <p:spPr>
@@ -6404,6 +6744,11 @@
               </a:rPr>
               <a:t>正文级别 5</a:t>
             </a:r>
+            <a:endParaRPr sz="2400">
+              <a:solidFill>
+                <a:srgbClr val="474747"/>
+              </a:solidFill>
+            </a:endParaRPr>
           </a:p>
         </p:txBody>
       </p:sp>
@@ -6425,7 +6770,10 @@
           <a:lstStyle/>
           <a:p>
             <a:pPr lvl="0"/>
-            <a:fld id="{86CB4B4D-7CA3-9044-876B-883B54F8677D}" type="slidenum"/>
+            <a:fld id="{86CB4B4D-7CA3-9044-876B-883B54F8677D}" type="slidenum">
+              <a:rPr/>
+            </a:fld>
+            <a:endParaRPr/>
           </a:p>
         </p:txBody>
       </p:sp>
@@ -6434,12 +6782,12 @@
   <p:clrMapOvr>
     <a:masterClrMapping/>
   </p:clrMapOvr>
-  <p:transition spd="med" advClick="1"/>
+  <p:transition spd="med"/>
 </p:sldLayout>
 </file>
 
 <file path=ppt/slideLayouts/slideLayout6.xml><?xml version="1.0" encoding="utf-8"?>
-<p:sldLayout xmlns:a="http://schemas.openxmlformats.org/drawingml/2006/main" xmlns:r="http://schemas.openxmlformats.org/officeDocument/2006/relationships" xmlns:p="http://schemas.openxmlformats.org/presentationml/2006/main" type="tx" showMasterSp="1" showMasterPhAnim="1">
+<p:sldLayout xmlns:a="http://schemas.openxmlformats.org/drawingml/2006/main" xmlns:r="http://schemas.openxmlformats.org/officeDocument/2006/relationships" xmlns:p="http://schemas.openxmlformats.org/presentationml/2006/main" type="tx">
   <p:cSld name="仅标题">
     <p:spTree>
       <p:nvGrpSpPr>
@@ -6460,7 +6808,7 @@
           <p:cNvPr id="26" name="Shape 26"/>
           <p:cNvSpPr/>
           <p:nvPr>
-            <p:ph type="title"/>
+            <p:ph type="title" hasCustomPrompt="1"/>
           </p:nvPr>
         </p:nvSpPr>
         <p:spPr>
@@ -6491,6 +6839,11 @@
               </a:rPr>
               <a:t>标题文本</a:t>
             </a:r>
+            <a:endParaRPr sz="3000">
+              <a:solidFill>
+                <a:srgbClr val="C94251"/>
+              </a:solidFill>
+            </a:endParaRPr>
           </a:p>
         </p:txBody>
       </p:sp>
@@ -6512,7 +6865,10 @@
           <a:lstStyle/>
           <a:p>
             <a:pPr lvl="0"/>
-            <a:fld id="{86CB4B4D-7CA3-9044-876B-883B54F8677D}" type="slidenum"/>
+            <a:fld id="{86CB4B4D-7CA3-9044-876B-883B54F8677D}" type="slidenum">
+              <a:rPr/>
+            </a:fld>
+            <a:endParaRPr/>
           </a:p>
         </p:txBody>
       </p:sp>
@@ -6521,12 +6877,12 @@
   <p:clrMapOvr>
     <a:masterClrMapping/>
   </p:clrMapOvr>
-  <p:transition spd="med" advClick="1"/>
+  <p:transition spd="med"/>
 </p:sldLayout>
 </file>
 
 <file path=ppt/slideLayouts/slideLayout7.xml><?xml version="1.0" encoding="utf-8"?>
-<p:sldLayout xmlns:a="http://schemas.openxmlformats.org/drawingml/2006/main" xmlns:r="http://schemas.openxmlformats.org/officeDocument/2006/relationships" xmlns:p="http://schemas.openxmlformats.org/presentationml/2006/main" type="tx" showMasterSp="1" showMasterPhAnim="1">
+<p:sldLayout xmlns:a="http://schemas.openxmlformats.org/drawingml/2006/main" xmlns:r="http://schemas.openxmlformats.org/officeDocument/2006/relationships" xmlns:p="http://schemas.openxmlformats.org/presentationml/2006/main" type="tx">
   <p:cSld name="空白">
     <p:spTree>
       <p:nvGrpSpPr>
@@ -6560,7 +6916,10 @@
           <a:lstStyle/>
           <a:p>
             <a:pPr lvl="0"/>
-            <a:fld id="{86CB4B4D-7CA3-9044-876B-883B54F8677D}" type="slidenum"/>
+            <a:fld id="{86CB4B4D-7CA3-9044-876B-883B54F8677D}" type="slidenum">
+              <a:rPr/>
+            </a:fld>
+            <a:endParaRPr/>
           </a:p>
         </p:txBody>
       </p:sp>
@@ -6569,12 +6928,12 @@
   <p:clrMapOvr>
     <a:masterClrMapping/>
   </p:clrMapOvr>
-  <p:transition spd="med" advClick="1"/>
+  <p:transition spd="med"/>
 </p:sldLayout>
 </file>
 
 <file path=ppt/slideLayouts/slideLayout8.xml><?xml version="1.0" encoding="utf-8"?>
-<p:sldLayout xmlns:a="http://schemas.openxmlformats.org/drawingml/2006/main" xmlns:r="http://schemas.openxmlformats.org/officeDocument/2006/relationships" xmlns:p="http://schemas.openxmlformats.org/presentationml/2006/main" type="tx" showMasterSp="1" showMasterPhAnim="1">
+<p:sldLayout xmlns:a="http://schemas.openxmlformats.org/drawingml/2006/main" xmlns:r="http://schemas.openxmlformats.org/officeDocument/2006/relationships" xmlns:p="http://schemas.openxmlformats.org/presentationml/2006/main" type="tx">
   <p:cSld name="内容与标题">
     <p:spTree>
       <p:nvGrpSpPr>
@@ -6595,7 +6954,7 @@
           <p:cNvPr id="31" name="Shape 31"/>
           <p:cNvSpPr/>
           <p:nvPr>
-            <p:ph type="title"/>
+            <p:ph type="title" hasCustomPrompt="1"/>
           </p:nvPr>
         </p:nvSpPr>
         <p:spPr>
@@ -6630,6 +6989,11 @@
               </a:rPr>
               <a:t>标题文本</a:t>
             </a:r>
+            <a:endParaRPr sz="2000">
+              <a:solidFill>
+                <a:srgbClr val="C94251"/>
+              </a:solidFill>
+            </a:endParaRPr>
           </a:p>
         </p:txBody>
       </p:sp>
@@ -6638,7 +7002,7 @@
           <p:cNvPr id="32" name="Shape 32"/>
           <p:cNvSpPr/>
           <p:nvPr>
-            <p:ph type="body" idx="1"/>
+            <p:ph type="body" idx="1" hasCustomPrompt="1"/>
           </p:nvPr>
         </p:nvSpPr>
         <p:spPr>
@@ -6788,6 +7152,11 @@
               </a:rPr>
               <a:t>正文级别 5</a:t>
             </a:r>
+            <a:endParaRPr sz="3200">
+              <a:solidFill>
+                <a:srgbClr val="474747"/>
+              </a:solidFill>
+            </a:endParaRPr>
           </a:p>
         </p:txBody>
       </p:sp>
@@ -6809,7 +7178,10 @@
           <a:lstStyle/>
           <a:p>
             <a:pPr lvl="0"/>
-            <a:fld id="{86CB4B4D-7CA3-9044-876B-883B54F8677D}" type="slidenum"/>
+            <a:fld id="{86CB4B4D-7CA3-9044-876B-883B54F8677D}" type="slidenum">
+              <a:rPr/>
+            </a:fld>
+            <a:endParaRPr/>
           </a:p>
         </p:txBody>
       </p:sp>
@@ -6818,12 +7190,12 @@
   <p:clrMapOvr>
     <a:masterClrMapping/>
   </p:clrMapOvr>
-  <p:transition spd="med" advClick="1"/>
+  <p:transition spd="med"/>
 </p:sldLayout>
 </file>
 
 <file path=ppt/slideLayouts/slideLayout9.xml><?xml version="1.0" encoding="utf-8"?>
-<p:sldLayout xmlns:a="http://schemas.openxmlformats.org/drawingml/2006/main" xmlns:r="http://schemas.openxmlformats.org/officeDocument/2006/relationships" xmlns:p="http://schemas.openxmlformats.org/presentationml/2006/main" type="tx" showMasterSp="1" showMasterPhAnim="1">
+<p:sldLayout xmlns:a="http://schemas.openxmlformats.org/drawingml/2006/main" xmlns:r="http://schemas.openxmlformats.org/officeDocument/2006/relationships" xmlns:p="http://schemas.openxmlformats.org/presentationml/2006/main" type="tx">
   <p:cSld name="图片与标题">
     <p:spTree>
       <p:nvGrpSpPr>
@@ -6844,7 +7216,7 @@
           <p:cNvPr id="35" name="Shape 35"/>
           <p:cNvSpPr/>
           <p:nvPr>
-            <p:ph type="title"/>
+            <p:ph type="title" hasCustomPrompt="1"/>
           </p:nvPr>
         </p:nvSpPr>
         <p:spPr>
@@ -6879,6 +7251,11 @@
               </a:rPr>
               <a:t>标题文本</a:t>
             </a:r>
+            <a:endParaRPr sz="2000">
+              <a:solidFill>
+                <a:srgbClr val="C94251"/>
+              </a:solidFill>
+            </a:endParaRPr>
           </a:p>
         </p:txBody>
       </p:sp>
@@ -6887,7 +7264,7 @@
           <p:cNvPr id="36" name="Shape 36"/>
           <p:cNvSpPr/>
           <p:nvPr>
-            <p:ph type="body" idx="1"/>
+            <p:ph type="body" idx="1" hasCustomPrompt="1"/>
           </p:nvPr>
         </p:nvSpPr>
         <p:spPr>
@@ -7052,6 +7429,11 @@
               </a:rPr>
               <a:t>正文级别 5</a:t>
             </a:r>
+            <a:endParaRPr sz="1400">
+              <a:solidFill>
+                <a:srgbClr val="474747"/>
+              </a:solidFill>
+            </a:endParaRPr>
           </a:p>
         </p:txBody>
       </p:sp>
@@ -7073,7 +7455,10 @@
           <a:lstStyle/>
           <a:p>
             <a:pPr lvl="0"/>
-            <a:fld id="{86CB4B4D-7CA3-9044-876B-883B54F8677D}" type="slidenum"/>
+            <a:fld id="{86CB4B4D-7CA3-9044-876B-883B54F8677D}" type="slidenum">
+              <a:rPr/>
+            </a:fld>
+            <a:endParaRPr/>
           </a:p>
         </p:txBody>
       </p:sp>
@@ -7082,7 +7467,7 @@
   <p:clrMapOvr>
     <a:masterClrMapping/>
   </p:clrMapOvr>
-  <p:transition spd="med" advClick="1"/>
+  <p:transition spd="med"/>
 </p:sldLayout>
 </file>
 
@@ -7094,6 +7479,7 @@
         <a:solidFill>
           <a:srgbClr val="FFFFFF"/>
         </a:solidFill>
+        <a:effectLst/>
       </p:bgPr>
     </p:bg>
     <p:spTree>
@@ -7129,15 +7515,10 @@
           <a:ln w="12700">
             <a:miter lim="400000"/>
           </a:ln>
-          <a:extLst>
-            <a:ext uri="{C572A759-6A51-4108-AA02-DFA0A04FC94B}">
-              <ma14:wrappingTextBoxFlag xmlns:ma14="http://schemas.microsoft.com/office/mac/drawingml/2011/main" val="1"/>
-            </a:ext>
-          </a:extLst>
         </p:spPr>
         <p:txBody>
           <a:bodyPr lIns="45718" tIns="45718" rIns="45718" bIns="45718" anchor="ctr">
-            <a:normAutofit fontScale="100000" lnSpcReduction="0"/>
+            <a:normAutofit/>
           </a:bodyPr>
           <a:lstStyle/>
           <a:p>
@@ -7156,6 +7537,11 @@
               </a:rPr>
               <a:t>标题文本</a:t>
             </a:r>
+            <a:endParaRPr sz="3000">
+              <a:solidFill>
+                <a:srgbClr val="C94251"/>
+              </a:solidFill>
+            </a:endParaRPr>
           </a:p>
         </p:txBody>
       </p:sp>
@@ -7178,15 +7564,10 @@
           <a:ln w="12700">
             <a:miter lim="400000"/>
           </a:ln>
-          <a:extLst>
-            <a:ext uri="{C572A759-6A51-4108-AA02-DFA0A04FC94B}">
-              <ma14:wrappingTextBoxFlag xmlns:ma14="http://schemas.microsoft.com/office/mac/drawingml/2011/main" val="1"/>
-            </a:ext>
-          </a:extLst>
         </p:spPr>
         <p:txBody>
           <a:bodyPr lIns="45718" tIns="45718" rIns="45718" bIns="45718">
-            <a:normAutofit fontScale="100000" lnSpcReduction="0"/>
+            <a:normAutofit/>
           </a:bodyPr>
           <a:lstStyle/>
           <a:p>
@@ -7293,6 +7674,11 @@
               </a:rPr>
               <a:t>正文级别 5</a:t>
             </a:r>
+            <a:endParaRPr sz="2000">
+              <a:solidFill>
+                <a:srgbClr val="474747"/>
+              </a:solidFill>
+            </a:endParaRPr>
           </a:p>
         </p:txBody>
       </p:sp>
@@ -7323,16 +7709,19 @@
           <a:lstStyle>
             <a:lvl1pPr>
               <a:defRPr>
-                <a:latin typeface="Calibri"/>
-                <a:ea typeface="Calibri"/>
-                <a:cs typeface="Calibri"/>
-                <a:sym typeface="Calibri"/>
+                <a:latin typeface="Calibri" panose="020F0502020204030204"/>
+                <a:ea typeface="Calibri" panose="020F0502020204030204"/>
+                <a:cs typeface="Calibri" panose="020F0502020204030204"/>
+                <a:sym typeface="Calibri" panose="020F0502020204030204"/>
               </a:defRPr>
             </a:lvl1pPr>
           </a:lstStyle>
           <a:p>
             <a:pPr lvl="0"/>
-            <a:fld id="{86CB4B4D-7CA3-9044-876B-883B54F8677D}" type="slidenum"/>
+            <a:fld id="{86CB4B4D-7CA3-9044-876B-883B54F8677D}" type="slidenum">
+              <a:rPr/>
+            </a:fld>
+            <a:endParaRPr/>
           </a:p>
         </p:txBody>
       </p:sp>
@@ -7340,41 +7729,41 @@
   </p:cSld>
   <p:clrMap bg1="lt1" tx1="dk1" bg2="lt2" tx2="dk2" accent1="accent1" accent2="accent2" accent3="accent3" accent4="accent4" accent5="accent5" accent6="accent6" hlink="hlink" folHlink="folHlink"/>
   <p:sldLayoutIdLst>
-    <p:sldLayoutId id="2147483649" r:id="rId2"/>
-    <p:sldLayoutId id="2147483650" r:id="rId3"/>
-    <p:sldLayoutId id="2147483651" r:id="rId4"/>
-    <p:sldLayoutId id="2147483652" r:id="rId5"/>
-    <p:sldLayoutId id="2147483653" r:id="rId6"/>
-    <p:sldLayoutId id="2147483654" r:id="rId7"/>
-    <p:sldLayoutId id="2147483655" r:id="rId8"/>
-    <p:sldLayoutId id="2147483656" r:id="rId9"/>
-    <p:sldLayoutId id="2147483657" r:id="rId10"/>
-    <p:sldLayoutId id="2147483658" r:id="rId11"/>
-    <p:sldLayoutId id="2147483659" r:id="rId12"/>
-    <p:sldLayoutId id="2147483660" r:id="rId13"/>
-    <p:sldLayoutId id="2147483661" r:id="rId14"/>
-    <p:sldLayoutId id="2147483662" r:id="rId15"/>
-    <p:sldLayoutId id="2147483663" r:id="rId16"/>
-    <p:sldLayoutId id="2147483664" r:id="rId17"/>
-    <p:sldLayoutId id="2147483665" r:id="rId18"/>
-    <p:sldLayoutId id="2147483666" r:id="rId19"/>
-    <p:sldLayoutId id="2147483667" r:id="rId20"/>
-    <p:sldLayoutId id="2147483668" r:id="rId21"/>
-    <p:sldLayoutId id="2147483669" r:id="rId22"/>
-    <p:sldLayoutId id="2147483670" r:id="rId23"/>
-    <p:sldLayoutId id="2147483671" r:id="rId24"/>
-    <p:sldLayoutId id="2147483672" r:id="rId25"/>
-    <p:sldLayoutId id="2147483673" r:id="rId26"/>
-    <p:sldLayoutId id="2147483674" r:id="rId27"/>
-    <p:sldLayoutId id="2147483675" r:id="rId28"/>
-    <p:sldLayoutId id="2147483676" r:id="rId29"/>
-    <p:sldLayoutId id="2147483677" r:id="rId30"/>
-    <p:sldLayoutId id="2147483678" r:id="rId31"/>
-    <p:sldLayoutId id="2147483679" r:id="rId32"/>
-    <p:sldLayoutId id="2147483680" r:id="rId33"/>
-    <p:sldLayoutId id="2147483681" r:id="rId34"/>
+    <p:sldLayoutId id="2147483649" r:id="rId1"/>
+    <p:sldLayoutId id="2147483650" r:id="rId2"/>
+    <p:sldLayoutId id="2147483651" r:id="rId3"/>
+    <p:sldLayoutId id="2147483652" r:id="rId4"/>
+    <p:sldLayoutId id="2147483653" r:id="rId5"/>
+    <p:sldLayoutId id="2147483654" r:id="rId6"/>
+    <p:sldLayoutId id="2147483655" r:id="rId7"/>
+    <p:sldLayoutId id="2147483656" r:id="rId8"/>
+    <p:sldLayoutId id="2147483657" r:id="rId9"/>
+    <p:sldLayoutId id="2147483658" r:id="rId10"/>
+    <p:sldLayoutId id="2147483659" r:id="rId11"/>
+    <p:sldLayoutId id="2147483660" r:id="rId12"/>
+    <p:sldLayoutId id="2147483661" r:id="rId13"/>
+    <p:sldLayoutId id="2147483662" r:id="rId14"/>
+    <p:sldLayoutId id="2147483663" r:id="rId15"/>
+    <p:sldLayoutId id="2147483664" r:id="rId16"/>
+    <p:sldLayoutId id="2147483665" r:id="rId17"/>
+    <p:sldLayoutId id="2147483666" r:id="rId18"/>
+    <p:sldLayoutId id="2147483667" r:id="rId19"/>
+    <p:sldLayoutId id="2147483668" r:id="rId20"/>
+    <p:sldLayoutId id="2147483669" r:id="rId21"/>
+    <p:sldLayoutId id="2147483670" r:id="rId22"/>
+    <p:sldLayoutId id="2147483671" r:id="rId23"/>
+    <p:sldLayoutId id="2147483672" r:id="rId24"/>
+    <p:sldLayoutId id="2147483673" r:id="rId25"/>
+    <p:sldLayoutId id="2147483674" r:id="rId26"/>
+    <p:sldLayoutId id="2147483675" r:id="rId27"/>
+    <p:sldLayoutId id="2147483676" r:id="rId28"/>
+    <p:sldLayoutId id="2147483677" r:id="rId29"/>
+    <p:sldLayoutId id="2147483678" r:id="rId30"/>
+    <p:sldLayoutId id="2147483679" r:id="rId31"/>
+    <p:sldLayoutId id="2147483680" r:id="rId32"/>
+    <p:sldLayoutId id="2147483681" r:id="rId33"/>
   </p:sldLayoutIdLst>
-  <p:transition spd="med" advClick="1"/>
+  <p:transition spd="med"/>
   <p:txStyles>
     <p:titleStyle>
       <a:lvl1pPr algn="ctr">
@@ -7382,10 +7771,10 @@
           <a:solidFill>
             <a:srgbClr val="C94251"/>
           </a:solidFill>
-          <a:latin typeface="Microsoft YaHei"/>
-          <a:ea typeface="Microsoft YaHei"/>
-          <a:cs typeface="Microsoft YaHei"/>
-          <a:sym typeface="Microsoft YaHei"/>
+          <a:latin typeface="微软雅黑" panose="020B0503020204020204" charset="-122"/>
+          <a:ea typeface="微软雅黑" panose="020B0503020204020204" charset="-122"/>
+          <a:cs typeface="微软雅黑" panose="020B0503020204020204" charset="-122"/>
+          <a:sym typeface="微软雅黑" panose="020B0503020204020204" charset="-122"/>
         </a:defRPr>
       </a:lvl1pPr>
       <a:lvl2pPr algn="ctr">
@@ -7393,10 +7782,10 @@
           <a:solidFill>
             <a:srgbClr val="C94251"/>
           </a:solidFill>
-          <a:latin typeface="Microsoft YaHei"/>
-          <a:ea typeface="Microsoft YaHei"/>
-          <a:cs typeface="Microsoft YaHei"/>
-          <a:sym typeface="Microsoft YaHei"/>
+          <a:latin typeface="微软雅黑" panose="020B0503020204020204" charset="-122"/>
+          <a:ea typeface="微软雅黑" panose="020B0503020204020204" charset="-122"/>
+          <a:cs typeface="微软雅黑" panose="020B0503020204020204" charset="-122"/>
+          <a:sym typeface="微软雅黑" panose="020B0503020204020204" charset="-122"/>
         </a:defRPr>
       </a:lvl2pPr>
       <a:lvl3pPr algn="ctr">
@@ -7404,10 +7793,10 @@
           <a:solidFill>
             <a:srgbClr val="C94251"/>
           </a:solidFill>
-          <a:latin typeface="Microsoft YaHei"/>
-          <a:ea typeface="Microsoft YaHei"/>
-          <a:cs typeface="Microsoft YaHei"/>
-          <a:sym typeface="Microsoft YaHei"/>
+          <a:latin typeface="微软雅黑" panose="020B0503020204020204" charset="-122"/>
+          <a:ea typeface="微软雅黑" panose="020B0503020204020204" charset="-122"/>
+          <a:cs typeface="微软雅黑" panose="020B0503020204020204" charset="-122"/>
+          <a:sym typeface="微软雅黑" panose="020B0503020204020204" charset="-122"/>
         </a:defRPr>
       </a:lvl3pPr>
       <a:lvl4pPr algn="ctr">
@@ -7415,10 +7804,10 @@
           <a:solidFill>
             <a:srgbClr val="C94251"/>
           </a:solidFill>
-          <a:latin typeface="Microsoft YaHei"/>
-          <a:ea typeface="Microsoft YaHei"/>
-          <a:cs typeface="Microsoft YaHei"/>
-          <a:sym typeface="Microsoft YaHei"/>
+          <a:latin typeface="微软雅黑" panose="020B0503020204020204" charset="-122"/>
+          <a:ea typeface="微软雅黑" panose="020B0503020204020204" charset="-122"/>
+          <a:cs typeface="微软雅黑" panose="020B0503020204020204" charset="-122"/>
+          <a:sym typeface="微软雅黑" panose="020B0503020204020204" charset="-122"/>
         </a:defRPr>
       </a:lvl4pPr>
       <a:lvl5pPr algn="ctr">
@@ -7426,10 +7815,10 @@
           <a:solidFill>
             <a:srgbClr val="C94251"/>
           </a:solidFill>
-          <a:latin typeface="Microsoft YaHei"/>
-          <a:ea typeface="Microsoft YaHei"/>
-          <a:cs typeface="Microsoft YaHei"/>
-          <a:sym typeface="Microsoft YaHei"/>
+          <a:latin typeface="微软雅黑" panose="020B0503020204020204" charset="-122"/>
+          <a:ea typeface="微软雅黑" panose="020B0503020204020204" charset="-122"/>
+          <a:cs typeface="微软雅黑" panose="020B0503020204020204" charset="-122"/>
+          <a:sym typeface="微软雅黑" panose="020B0503020204020204" charset="-122"/>
         </a:defRPr>
       </a:lvl5pPr>
       <a:lvl6pPr algn="ctr">
@@ -7437,10 +7826,10 @@
           <a:solidFill>
             <a:srgbClr val="C94251"/>
           </a:solidFill>
-          <a:latin typeface="Microsoft YaHei"/>
-          <a:ea typeface="Microsoft YaHei"/>
-          <a:cs typeface="Microsoft YaHei"/>
-          <a:sym typeface="Microsoft YaHei"/>
+          <a:latin typeface="微软雅黑" panose="020B0503020204020204" charset="-122"/>
+          <a:ea typeface="微软雅黑" panose="020B0503020204020204" charset="-122"/>
+          <a:cs typeface="微软雅黑" panose="020B0503020204020204" charset="-122"/>
+          <a:sym typeface="微软雅黑" panose="020B0503020204020204" charset="-122"/>
         </a:defRPr>
       </a:lvl6pPr>
       <a:lvl7pPr algn="ctr">
@@ -7448,10 +7837,10 @@
           <a:solidFill>
             <a:srgbClr val="C94251"/>
           </a:solidFill>
-          <a:latin typeface="Microsoft YaHei"/>
-          <a:ea typeface="Microsoft YaHei"/>
-          <a:cs typeface="Microsoft YaHei"/>
-          <a:sym typeface="Microsoft YaHei"/>
+          <a:latin typeface="微软雅黑" panose="020B0503020204020204" charset="-122"/>
+          <a:ea typeface="微软雅黑" panose="020B0503020204020204" charset="-122"/>
+          <a:cs typeface="微软雅黑" panose="020B0503020204020204" charset="-122"/>
+          <a:sym typeface="微软雅黑" panose="020B0503020204020204" charset="-122"/>
         </a:defRPr>
       </a:lvl7pPr>
       <a:lvl8pPr algn="ctr">
@@ -7459,10 +7848,10 @@
           <a:solidFill>
             <a:srgbClr val="C94251"/>
           </a:solidFill>
-          <a:latin typeface="Microsoft YaHei"/>
-          <a:ea typeface="Microsoft YaHei"/>
-          <a:cs typeface="Microsoft YaHei"/>
-          <a:sym typeface="Microsoft YaHei"/>
+          <a:latin typeface="微软雅黑" panose="020B0503020204020204" charset="-122"/>
+          <a:ea typeface="微软雅黑" panose="020B0503020204020204" charset="-122"/>
+          <a:cs typeface="微软雅黑" panose="020B0503020204020204" charset="-122"/>
+          <a:sym typeface="微软雅黑" panose="020B0503020204020204" charset="-122"/>
         </a:defRPr>
       </a:lvl8pPr>
       <a:lvl9pPr algn="ctr">
@@ -7470,10 +7859,10 @@
           <a:solidFill>
             <a:srgbClr val="C94251"/>
           </a:solidFill>
-          <a:latin typeface="Microsoft YaHei"/>
-          <a:ea typeface="Microsoft YaHei"/>
-          <a:cs typeface="Microsoft YaHei"/>
-          <a:sym typeface="Microsoft YaHei"/>
+          <a:latin typeface="微软雅黑" panose="020B0503020204020204" charset="-122"/>
+          <a:ea typeface="微软雅黑" panose="020B0503020204020204" charset="-122"/>
+          <a:cs typeface="微软雅黑" panose="020B0503020204020204" charset="-122"/>
+          <a:sym typeface="微软雅黑" panose="020B0503020204020204" charset="-122"/>
         </a:defRPr>
       </a:lvl9pPr>
     </p:titleStyle>
@@ -7483,16 +7872,16 @@
           <a:spcPts val="400"/>
         </a:spcBef>
         <a:buSzPct val="100000"/>
-        <a:buFont typeface="Arial"/>
+        <a:buFont typeface="Arial" panose="020B0604020202020204"/>
         <a:buChar char="•"/>
         <a:defRPr sz="2000">
           <a:solidFill>
             <a:srgbClr val="474747"/>
           </a:solidFill>
-          <a:latin typeface="Microsoft YaHei"/>
-          <a:ea typeface="Microsoft YaHei"/>
-          <a:cs typeface="Microsoft YaHei"/>
-          <a:sym typeface="Microsoft YaHei"/>
+          <a:latin typeface="微软雅黑" panose="020B0503020204020204" charset="-122"/>
+          <a:ea typeface="微软雅黑" panose="020B0503020204020204" charset="-122"/>
+          <a:cs typeface="微软雅黑" panose="020B0503020204020204" charset="-122"/>
+          <a:sym typeface="微软雅黑" panose="020B0503020204020204" charset="-122"/>
         </a:defRPr>
       </a:lvl1pPr>
       <a:lvl2pPr marL="838200" indent="-381000">
@@ -7500,16 +7889,16 @@
           <a:spcPts val="400"/>
         </a:spcBef>
         <a:buSzPct val="100000"/>
-        <a:buFont typeface="Arial"/>
+        <a:buFont typeface="Arial" panose="020B0604020202020204"/>
         <a:buChar char="–"/>
         <a:defRPr sz="2000">
           <a:solidFill>
             <a:srgbClr val="474747"/>
           </a:solidFill>
-          <a:latin typeface="Microsoft YaHei"/>
-          <a:ea typeface="Microsoft YaHei"/>
-          <a:cs typeface="Microsoft YaHei"/>
-          <a:sym typeface="Microsoft YaHei"/>
+          <a:latin typeface="微软雅黑" panose="020B0503020204020204" charset="-122"/>
+          <a:ea typeface="微软雅黑" panose="020B0503020204020204" charset="-122"/>
+          <a:cs typeface="微软雅黑" panose="020B0503020204020204" charset="-122"/>
+          <a:sym typeface="微软雅黑" panose="020B0503020204020204" charset="-122"/>
         </a:defRPr>
       </a:lvl2pPr>
       <a:lvl3pPr marL="1219200" indent="-304800">
@@ -7517,16 +7906,16 @@
           <a:spcPts val="400"/>
         </a:spcBef>
         <a:buSzPct val="100000"/>
-        <a:buFont typeface="Arial"/>
+        <a:buFont typeface="Arial" panose="020B0604020202020204"/>
         <a:buChar char="•"/>
         <a:defRPr sz="2000">
           <a:solidFill>
             <a:srgbClr val="474747"/>
           </a:solidFill>
-          <a:latin typeface="Microsoft YaHei"/>
-          <a:ea typeface="Microsoft YaHei"/>
-          <a:cs typeface="Microsoft YaHei"/>
-          <a:sym typeface="Microsoft YaHei"/>
+          <a:latin typeface="微软雅黑" panose="020B0503020204020204" charset="-122"/>
+          <a:ea typeface="微软雅黑" panose="020B0503020204020204" charset="-122"/>
+          <a:cs typeface="微软雅黑" panose="020B0503020204020204" charset="-122"/>
+          <a:sym typeface="微软雅黑" panose="020B0503020204020204" charset="-122"/>
         </a:defRPr>
       </a:lvl3pPr>
       <a:lvl4pPr marL="1676400" indent="-304800">
@@ -7534,16 +7923,16 @@
           <a:spcPts val="400"/>
         </a:spcBef>
         <a:buSzPct val="100000"/>
-        <a:buFont typeface="Arial"/>
+        <a:buFont typeface="Arial" panose="020B0604020202020204"/>
         <a:buChar char="–"/>
         <a:defRPr sz="2000">
           <a:solidFill>
             <a:srgbClr val="474747"/>
           </a:solidFill>
-          <a:latin typeface="Microsoft YaHei"/>
-          <a:ea typeface="Microsoft YaHei"/>
-          <a:cs typeface="Microsoft YaHei"/>
-          <a:sym typeface="Microsoft YaHei"/>
+          <a:latin typeface="微软雅黑" panose="020B0503020204020204" charset="-122"/>
+          <a:ea typeface="微软雅黑" panose="020B0503020204020204" charset="-122"/>
+          <a:cs typeface="微软雅黑" panose="020B0503020204020204" charset="-122"/>
+          <a:sym typeface="微软雅黑" panose="020B0503020204020204" charset="-122"/>
         </a:defRPr>
       </a:lvl4pPr>
       <a:lvl5pPr marL="2133600" indent="-304800">
@@ -7551,16 +7940,16 @@
           <a:spcPts val="400"/>
         </a:spcBef>
         <a:buSzPct val="100000"/>
-        <a:buFont typeface="Arial"/>
+        <a:buFont typeface="Arial" panose="020B0604020202020204"/>
         <a:buChar char="»"/>
         <a:defRPr sz="2000">
           <a:solidFill>
             <a:srgbClr val="474747"/>
           </a:solidFill>
-          <a:latin typeface="Microsoft YaHei"/>
-          <a:ea typeface="Microsoft YaHei"/>
-          <a:cs typeface="Microsoft YaHei"/>
-          <a:sym typeface="Microsoft YaHei"/>
+          <a:latin typeface="微软雅黑" panose="020B0503020204020204" charset="-122"/>
+          <a:ea typeface="微软雅黑" panose="020B0503020204020204" charset="-122"/>
+          <a:cs typeface="微软雅黑" panose="020B0503020204020204" charset="-122"/>
+          <a:sym typeface="微软雅黑" panose="020B0503020204020204" charset="-122"/>
         </a:defRPr>
       </a:lvl5pPr>
       <a:lvl6pPr marL="2590800" indent="-304800">
@@ -7568,16 +7957,16 @@
           <a:spcPts val="400"/>
         </a:spcBef>
         <a:buSzPct val="100000"/>
-        <a:buFont typeface="Arial"/>
+        <a:buFont typeface="Arial" panose="020B0604020202020204"/>
         <a:buChar char="»"/>
         <a:defRPr sz="2000">
           <a:solidFill>
             <a:srgbClr val="474747"/>
           </a:solidFill>
-          <a:latin typeface="Microsoft YaHei"/>
-          <a:ea typeface="Microsoft YaHei"/>
-          <a:cs typeface="Microsoft YaHei"/>
-          <a:sym typeface="Microsoft YaHei"/>
+          <a:latin typeface="微软雅黑" panose="020B0503020204020204" charset="-122"/>
+          <a:ea typeface="微软雅黑" panose="020B0503020204020204" charset="-122"/>
+          <a:cs typeface="微软雅黑" panose="020B0503020204020204" charset="-122"/>
+          <a:sym typeface="微软雅黑" panose="020B0503020204020204" charset="-122"/>
         </a:defRPr>
       </a:lvl6pPr>
       <a:lvl7pPr marL="3048000" indent="-304800">
@@ -7585,16 +7974,16 @@
           <a:spcPts val="400"/>
         </a:spcBef>
         <a:buSzPct val="100000"/>
-        <a:buFont typeface="Arial"/>
+        <a:buFont typeface="Arial" panose="020B0604020202020204"/>
         <a:buChar char="»"/>
         <a:defRPr sz="2000">
           <a:solidFill>
             <a:srgbClr val="474747"/>
           </a:solidFill>
-          <a:latin typeface="Microsoft YaHei"/>
-          <a:ea typeface="Microsoft YaHei"/>
-          <a:cs typeface="Microsoft YaHei"/>
-          <a:sym typeface="Microsoft YaHei"/>
+          <a:latin typeface="微软雅黑" panose="020B0503020204020204" charset="-122"/>
+          <a:ea typeface="微软雅黑" panose="020B0503020204020204" charset="-122"/>
+          <a:cs typeface="微软雅黑" panose="020B0503020204020204" charset="-122"/>
+          <a:sym typeface="微软雅黑" panose="020B0503020204020204" charset="-122"/>
         </a:defRPr>
       </a:lvl7pPr>
       <a:lvl8pPr marL="3505200" indent="-304800">
@@ -7602,16 +7991,16 @@
           <a:spcPts val="400"/>
         </a:spcBef>
         <a:buSzPct val="100000"/>
-        <a:buFont typeface="Arial"/>
+        <a:buFont typeface="Arial" panose="020B0604020202020204"/>
         <a:buChar char="»"/>
         <a:defRPr sz="2000">
           <a:solidFill>
             <a:srgbClr val="474747"/>
           </a:solidFill>
-          <a:latin typeface="Microsoft YaHei"/>
-          <a:ea typeface="Microsoft YaHei"/>
-          <a:cs typeface="Microsoft YaHei"/>
-          <a:sym typeface="Microsoft YaHei"/>
+          <a:latin typeface="微软雅黑" panose="020B0503020204020204" charset="-122"/>
+          <a:ea typeface="微软雅黑" panose="020B0503020204020204" charset="-122"/>
+          <a:cs typeface="微软雅黑" panose="020B0503020204020204" charset="-122"/>
+          <a:sym typeface="微软雅黑" panose="020B0503020204020204" charset="-122"/>
         </a:defRPr>
       </a:lvl8pPr>
       <a:lvl9pPr marL="3505200" indent="-304800">
@@ -7619,16 +8008,16 @@
           <a:spcPts val="400"/>
         </a:spcBef>
         <a:buSzPct val="100000"/>
-        <a:buFont typeface="Arial"/>
+        <a:buFont typeface="Arial" panose="020B0604020202020204"/>
         <a:buChar char="»"/>
         <a:defRPr sz="2000">
           <a:solidFill>
             <a:srgbClr val="474747"/>
           </a:solidFill>
-          <a:latin typeface="Microsoft YaHei"/>
-          <a:ea typeface="Microsoft YaHei"/>
-          <a:cs typeface="Microsoft YaHei"/>
-          <a:sym typeface="Microsoft YaHei"/>
+          <a:latin typeface="微软雅黑" panose="020B0503020204020204" charset="-122"/>
+          <a:ea typeface="微软雅黑" panose="020B0503020204020204" charset="-122"/>
+          <a:cs typeface="微软雅黑" panose="020B0503020204020204" charset="-122"/>
+          <a:sym typeface="微软雅黑" panose="020B0503020204020204" charset="-122"/>
         </a:defRPr>
       </a:lvl9pPr>
     </p:bodyStyle>
@@ -7641,7 +8030,7 @@
           <a:latin typeface="+mn-lt"/>
           <a:ea typeface="+mn-ea"/>
           <a:cs typeface="+mn-cs"/>
-          <a:sym typeface="Calibri"/>
+          <a:sym typeface="Calibri" panose="020F0502020204030204"/>
         </a:defRPr>
       </a:lvl1pPr>
       <a:lvl2pPr>
@@ -7652,7 +8041,7 @@
           <a:latin typeface="+mn-lt"/>
           <a:ea typeface="+mn-ea"/>
           <a:cs typeface="+mn-cs"/>
-          <a:sym typeface="Calibri"/>
+          <a:sym typeface="Calibri" panose="020F0502020204030204"/>
         </a:defRPr>
       </a:lvl2pPr>
       <a:lvl3pPr>
@@ -7663,7 +8052,7 @@
           <a:latin typeface="+mn-lt"/>
           <a:ea typeface="+mn-ea"/>
           <a:cs typeface="+mn-cs"/>
-          <a:sym typeface="Calibri"/>
+          <a:sym typeface="Calibri" panose="020F0502020204030204"/>
         </a:defRPr>
       </a:lvl3pPr>
       <a:lvl4pPr>
@@ -7674,7 +8063,7 @@
           <a:latin typeface="+mn-lt"/>
           <a:ea typeface="+mn-ea"/>
           <a:cs typeface="+mn-cs"/>
-          <a:sym typeface="Calibri"/>
+          <a:sym typeface="Calibri" panose="020F0502020204030204"/>
         </a:defRPr>
       </a:lvl4pPr>
       <a:lvl5pPr>
@@ -7685,7 +8074,7 @@
           <a:latin typeface="+mn-lt"/>
           <a:ea typeface="+mn-ea"/>
           <a:cs typeface="+mn-cs"/>
-          <a:sym typeface="Calibri"/>
+          <a:sym typeface="Calibri" panose="020F0502020204030204"/>
         </a:defRPr>
       </a:lvl5pPr>
       <a:lvl6pPr>
@@ -7696,7 +8085,7 @@
           <a:latin typeface="+mn-lt"/>
           <a:ea typeface="+mn-ea"/>
           <a:cs typeface="+mn-cs"/>
-          <a:sym typeface="Calibri"/>
+          <a:sym typeface="Calibri" panose="020F0502020204030204"/>
         </a:defRPr>
       </a:lvl6pPr>
       <a:lvl7pPr>
@@ -7707,7 +8096,7 @@
           <a:latin typeface="+mn-lt"/>
           <a:ea typeface="+mn-ea"/>
           <a:cs typeface="+mn-cs"/>
-          <a:sym typeface="Calibri"/>
+          <a:sym typeface="Calibri" panose="020F0502020204030204"/>
         </a:defRPr>
       </a:lvl7pPr>
       <a:lvl8pPr>
@@ -7718,7 +8107,7 @@
           <a:latin typeface="+mn-lt"/>
           <a:ea typeface="+mn-ea"/>
           <a:cs typeface="+mn-cs"/>
-          <a:sym typeface="Calibri"/>
+          <a:sym typeface="Calibri" panose="020F0502020204030204"/>
         </a:defRPr>
       </a:lvl8pPr>
       <a:lvl9pPr>
@@ -7729,7 +8118,7 @@
           <a:latin typeface="+mn-lt"/>
           <a:ea typeface="+mn-ea"/>
           <a:cs typeface="+mn-cs"/>
-          <a:sym typeface="Calibri"/>
+          <a:sym typeface="Calibri" panose="020F0502020204030204"/>
         </a:defRPr>
       </a:lvl9pPr>
     </p:otherStyle>
@@ -7738,7 +8127,7 @@
 </file>
 
 <file path=ppt/slides/slide1.xml><?xml version="1.0" encoding="utf-8"?>
-<p:sld xmlns:a="http://schemas.openxmlformats.org/drawingml/2006/main" xmlns:r="http://schemas.openxmlformats.org/officeDocument/2006/relationships" xmlns:p="http://schemas.openxmlformats.org/presentationml/2006/main" showMasterSp="1" showMasterPhAnim="1">
+<p:sld xmlns:a="http://schemas.openxmlformats.org/drawingml/2006/main" xmlns:r="http://schemas.openxmlformats.org/officeDocument/2006/relationships" xmlns:p="http://schemas.openxmlformats.org/presentationml/2006/main">
   <p:cSld>
     <p:spTree>
       <p:nvGrpSpPr>
@@ -7771,11 +8160,6 @@
           <a:ln w="12700">
             <a:miter lim="400000"/>
           </a:ln>
-          <a:extLst>
-            <a:ext uri="{C572A759-6A51-4108-AA02-DFA0A04FC94B}">
-              <ma14:wrappingTextBoxFlag xmlns:ma14="http://schemas.microsoft.com/office/mac/drawingml/2011/main" val="1"/>
-            </a:ext>
-          </a:extLst>
         </p:spPr>
         <p:txBody>
           <a:bodyPr wrap="none" lIns="0" tIns="0" rIns="0" bIns="0">
@@ -7787,10 +8171,10 @@
                 <a:solidFill>
                   <a:srgbClr val="C94251"/>
                 </a:solidFill>
-                <a:latin typeface="Microsoft YaHei"/>
-                <a:ea typeface="Microsoft YaHei"/>
-                <a:cs typeface="Microsoft YaHei"/>
-                <a:sym typeface="Microsoft YaHei"/>
+                <a:latin typeface="微软雅黑" panose="020B0503020204020204" charset="-122"/>
+                <a:ea typeface="微软雅黑" panose="020B0503020204020204" charset="-122"/>
+                <a:cs typeface="微软雅黑" panose="020B0503020204020204" charset="-122"/>
+                <a:sym typeface="微软雅黑" panose="020B0503020204020204" charset="-122"/>
               </a:defRPr>
             </a:lvl1pPr>
           </a:lstStyle>
@@ -7810,6 +8194,11 @@
               </a:rPr>
               <a:t>总结</a:t>
             </a:r>
+            <a:endParaRPr sz="3000">
+              <a:solidFill>
+                <a:srgbClr val="C94251"/>
+              </a:solidFill>
+            </a:endParaRPr>
           </a:p>
         </p:txBody>
       </p:sp>
@@ -7830,11 +8219,6 @@
           <a:ln w="12700">
             <a:miter lim="400000"/>
           </a:ln>
-          <a:extLst>
-            <a:ext uri="{C572A759-6A51-4108-AA02-DFA0A04FC94B}">
-              <ma14:wrappingTextBoxFlag xmlns:ma14="http://schemas.microsoft.com/office/mac/drawingml/2011/main" val="1"/>
-            </a:ext>
-          </a:extLst>
         </p:spPr>
         <p:txBody>
           <a:bodyPr lIns="0" tIns="0" rIns="0" bIns="0" anchor="ctr">
@@ -7846,16 +8230,16 @@
                 <a:srgbClr val="474747"/>
               </a:buClr>
               <a:buSzPct val="100000"/>
-              <a:buFont typeface="Microsoft YaHei"/>
+              <a:buFont typeface="微软雅黑" panose="020B0503020204020204" charset="-122"/>
               <a:buChar char="•"/>
               <a:defRPr sz="2000">
                 <a:solidFill>
                   <a:srgbClr val="474747"/>
                 </a:solidFill>
-                <a:latin typeface="Microsoft YaHei"/>
-                <a:ea typeface="Microsoft YaHei"/>
-                <a:cs typeface="Microsoft YaHei"/>
-                <a:sym typeface="Microsoft YaHei"/>
+                <a:latin typeface="微软雅黑" panose="020B0503020204020204" charset="-122"/>
+                <a:ea typeface="微软雅黑" panose="020B0503020204020204" charset="-122"/>
+                <a:cs typeface="微软雅黑" panose="020B0503020204020204" charset="-122"/>
+                <a:sym typeface="微软雅黑" panose="020B0503020204020204" charset="-122"/>
               </a:defRPr>
             </a:lvl1pPr>
           </a:lstStyle>
@@ -7875,6 +8259,11 @@
               </a:rPr>
               <a:t> 说一下使用 jQuery 和使用框架的区别</a:t>
             </a:r>
+            <a:endParaRPr sz="2000">
+              <a:solidFill>
+                <a:srgbClr val="474747"/>
+              </a:solidFill>
+            </a:endParaRPr>
           </a:p>
         </p:txBody>
       </p:sp>
@@ -7895,11 +8284,6 @@
           <a:ln w="12700">
             <a:miter lim="400000"/>
           </a:ln>
-          <a:extLst>
-            <a:ext uri="{C572A759-6A51-4108-AA02-DFA0A04FC94B}">
-              <ma14:wrappingTextBoxFlag xmlns:ma14="http://schemas.microsoft.com/office/mac/drawingml/2011/main" val="1"/>
-            </a:ext>
-          </a:extLst>
         </p:spPr>
         <p:txBody>
           <a:bodyPr lIns="0" tIns="0" rIns="0" bIns="0" anchor="ctr">
@@ -7911,16 +8295,16 @@
                 <a:srgbClr val="474747"/>
               </a:buClr>
               <a:buSzPct val="100000"/>
-              <a:buFont typeface="Microsoft YaHei"/>
+              <a:buFont typeface="微软雅黑" panose="020B0503020204020204" charset="-122"/>
               <a:buChar char="•"/>
               <a:defRPr sz="2000">
                 <a:solidFill>
                   <a:srgbClr val="474747"/>
                 </a:solidFill>
-                <a:latin typeface="Microsoft YaHei"/>
-                <a:ea typeface="Microsoft YaHei"/>
-                <a:cs typeface="Microsoft YaHei"/>
-                <a:sym typeface="Microsoft YaHei"/>
+                <a:latin typeface="微软雅黑" panose="020B0503020204020204" charset="-122"/>
+                <a:ea typeface="微软雅黑" panose="020B0503020204020204" charset="-122"/>
+                <a:cs typeface="微软雅黑" panose="020B0503020204020204" charset="-122"/>
+                <a:sym typeface="微软雅黑" panose="020B0503020204020204" charset="-122"/>
               </a:defRPr>
             </a:lvl1pPr>
           </a:lstStyle>
@@ -7940,6 +8324,11 @@
               </a:rPr>
               <a:t> vue 中如何实现响应式</a:t>
             </a:r>
+            <a:endParaRPr sz="2000">
+              <a:solidFill>
+                <a:srgbClr val="474747"/>
+              </a:solidFill>
+            </a:endParaRPr>
           </a:p>
         </p:txBody>
       </p:sp>
@@ -7960,11 +8349,6 @@
           <a:ln w="12700">
             <a:miter lim="400000"/>
           </a:ln>
-          <a:extLst>
-            <a:ext uri="{C572A759-6A51-4108-AA02-DFA0A04FC94B}">
-              <ma14:wrappingTextBoxFlag xmlns:ma14="http://schemas.microsoft.com/office/mac/drawingml/2011/main" val="1"/>
-            </a:ext>
-          </a:extLst>
         </p:spPr>
         <p:txBody>
           <a:bodyPr lIns="0" tIns="0" rIns="0" bIns="0" anchor="ctr">
@@ -7976,16 +8360,16 @@
                 <a:srgbClr val="474747"/>
               </a:buClr>
               <a:buSzPct val="100000"/>
-              <a:buFont typeface="Microsoft YaHei"/>
+              <a:buFont typeface="微软雅黑" panose="020B0503020204020204" charset="-122"/>
               <a:buChar char="•"/>
               <a:defRPr sz="2000">
                 <a:solidFill>
                   <a:srgbClr val="474747"/>
                 </a:solidFill>
-                <a:latin typeface="Microsoft YaHei"/>
-                <a:ea typeface="Microsoft YaHei"/>
-                <a:cs typeface="Microsoft YaHei"/>
-                <a:sym typeface="Microsoft YaHei"/>
+                <a:latin typeface="微软雅黑" panose="020B0503020204020204" charset="-122"/>
+                <a:ea typeface="微软雅黑" panose="020B0503020204020204" charset="-122"/>
+                <a:cs typeface="微软雅黑" panose="020B0503020204020204" charset="-122"/>
+                <a:sym typeface="微软雅黑" panose="020B0503020204020204" charset="-122"/>
               </a:defRPr>
             </a:lvl1pPr>
           </a:lstStyle>
@@ -8005,6 +8389,11 @@
               </a:rPr>
               <a:t> 说一下对 MVVM 的理解</a:t>
             </a:r>
+            <a:endParaRPr sz="2000">
+              <a:solidFill>
+                <a:srgbClr val="474747"/>
+              </a:solidFill>
+            </a:endParaRPr>
           </a:p>
         </p:txBody>
       </p:sp>
@@ -8025,11 +8414,6 @@
           <a:ln w="12700">
             <a:miter lim="400000"/>
           </a:ln>
-          <a:extLst>
-            <a:ext uri="{C572A759-6A51-4108-AA02-DFA0A04FC94B}">
-              <ma14:wrappingTextBoxFlag xmlns:ma14="http://schemas.microsoft.com/office/mac/drawingml/2011/main" val="1"/>
-            </a:ext>
-          </a:extLst>
         </p:spPr>
         <p:txBody>
           <a:bodyPr lIns="0" tIns="0" rIns="0" bIns="0" anchor="ctr">
@@ -8041,16 +8425,16 @@
                 <a:srgbClr val="474747"/>
               </a:buClr>
               <a:buSzPct val="100000"/>
-              <a:buFont typeface="Microsoft YaHei"/>
+              <a:buFont typeface="微软雅黑" panose="020B0503020204020204" charset="-122"/>
               <a:buChar char="•"/>
               <a:defRPr sz="2000">
                 <a:solidFill>
                   <a:srgbClr val="474747"/>
                 </a:solidFill>
-                <a:latin typeface="Microsoft YaHei"/>
-                <a:ea typeface="Microsoft YaHei"/>
-                <a:cs typeface="Microsoft YaHei"/>
-                <a:sym typeface="Microsoft YaHei"/>
+                <a:latin typeface="微软雅黑" panose="020B0503020204020204" charset="-122"/>
+                <a:ea typeface="微软雅黑" panose="020B0503020204020204" charset="-122"/>
+                <a:cs typeface="微软雅黑" panose="020B0503020204020204" charset="-122"/>
+                <a:sym typeface="微软雅黑" panose="020B0503020204020204" charset="-122"/>
               </a:defRPr>
             </a:lvl1pPr>
           </a:lstStyle>
@@ -8070,6 +8454,11 @@
               </a:rPr>
               <a:t> vue 中如何解析模板</a:t>
             </a:r>
+            <a:endParaRPr sz="2000">
+              <a:solidFill>
+                <a:srgbClr val="474747"/>
+              </a:solidFill>
+            </a:endParaRPr>
           </a:p>
         </p:txBody>
       </p:sp>
@@ -8090,11 +8479,6 @@
           <a:ln w="12700">
             <a:miter lim="400000"/>
           </a:ln>
-          <a:extLst>
-            <a:ext uri="{C572A759-6A51-4108-AA02-DFA0A04FC94B}">
-              <ma14:wrappingTextBoxFlag xmlns:ma14="http://schemas.microsoft.com/office/mac/drawingml/2011/main" val="1"/>
-            </a:ext>
-          </a:extLst>
         </p:spPr>
         <p:txBody>
           <a:bodyPr lIns="0" tIns="0" rIns="0" bIns="0" anchor="ctr">
@@ -8106,16 +8490,16 @@
                 <a:srgbClr val="474747"/>
               </a:buClr>
               <a:buSzPct val="100000"/>
-              <a:buFont typeface="Microsoft YaHei"/>
+              <a:buFont typeface="微软雅黑" panose="020B0503020204020204" charset="-122"/>
               <a:buChar char="•"/>
               <a:defRPr sz="2000">
                 <a:solidFill>
                   <a:srgbClr val="474747"/>
                 </a:solidFill>
-                <a:latin typeface="Microsoft YaHei"/>
-                <a:ea typeface="Microsoft YaHei"/>
-                <a:cs typeface="Microsoft YaHei"/>
-                <a:sym typeface="Microsoft YaHei"/>
+                <a:latin typeface="微软雅黑" panose="020B0503020204020204" charset="-122"/>
+                <a:ea typeface="微软雅黑" panose="020B0503020204020204" charset="-122"/>
+                <a:cs typeface="微软雅黑" panose="020B0503020204020204" charset="-122"/>
+                <a:sym typeface="微软雅黑" panose="020B0503020204020204" charset="-122"/>
               </a:defRPr>
             </a:lvl1pPr>
           </a:lstStyle>
@@ -8135,22 +8519,30 @@
               </a:rPr>
               <a:t> vue 的整个实现流程</a:t>
             </a:r>
+            <a:endParaRPr sz="2000">
+              <a:solidFill>
+                <a:srgbClr val="474747"/>
+              </a:solidFill>
+            </a:endParaRPr>
           </a:p>
         </p:txBody>
       </p:sp>
     </p:spTree>
+    <p:custDataLst>
+      <p:tags r:id="rId1"/>
+    </p:custDataLst>
   </p:cSld>
   <p:clrMapOvr>
     <a:masterClrMapping/>
   </p:clrMapOvr>
-  <p:transition spd="med" advClick="1"/>
+  <p:transition spd="med"/>
   <p:timing>
     <p:tnLst>
       <p:par>
-        <p:cTn id="1" nodeType="tmRoot" restart="never" dur="indefinite" fill="hold">
+        <p:cTn id="1" dur="indefinite" restart="never" fill="hold" nodeType="tmRoot">
           <p:childTnLst>
-            <p:seq concurrent="1" prevAc="none" nextAc="seek">
-              <p:cTn id="2" nodeType="mainSeq" dur="indefinite" fill="hold">
+            <p:seq concurrent="1" nextAc="seek">
+              <p:cTn id="2" dur="indefinite" fill="hold" nodeType="mainSeq">
                 <p:childTnLst>
                   <p:par>
                     <p:cTn id="3" fill="hold">
@@ -8165,17 +8557,17 @@
                             </p:stCondLst>
                             <p:childTnLst>
                               <p:par>
-                                <p:cTn id="5" nodeType="clickEffect" presetClass="entr" presetSubtype="4" presetID="2" grpId="1" fill="hold">
+                                <p:cTn id="5" presetID="2" presetClass="entr" presetSubtype="4" fill="hold" grpId="1" nodeType="clickEffect">
                                   <p:stCondLst>
                                     <p:cond delay="0"/>
                                   </p:stCondLst>
-                                  <p:iterate type="el" backwards="0">
+                                  <p:iterate type="el">
                                     <p:tmAbs val="0"/>
                                   </p:iterate>
                                   <p:childTnLst>
                                     <p:set>
                                       <p:cBhvr>
-                                        <p:cTn id="6" fill="hold"/>
+                                        <p:cTn id="6" dur="indefinite" fill="hold"/>
                                         <p:tgtEl>
                                           <p:spTgt spid="132"/>
                                         </p:tgtEl>
@@ -8255,17 +8647,17 @@
                             </p:stCondLst>
                             <p:childTnLst>
                               <p:par>
-                                <p:cTn id="11" nodeType="clickEffect" presetClass="entr" presetSubtype="4" presetID="2" grpId="2" fill="hold">
+                                <p:cTn id="11" presetID="2" presetClass="entr" presetSubtype="4" fill="hold" grpId="2" nodeType="clickEffect">
                                   <p:stCondLst>
                                     <p:cond delay="0"/>
                                   </p:stCondLst>
-                                  <p:iterate type="el" backwards="0">
+                                  <p:iterate type="el">
                                     <p:tmAbs val="0"/>
                                   </p:iterate>
                                   <p:childTnLst>
                                     <p:set>
                                       <p:cBhvr>
-                                        <p:cTn id="12" fill="hold"/>
+                                        <p:cTn id="12" dur="indefinite" fill="hold"/>
                                         <p:tgtEl>
                                           <p:spTgt spid="134"/>
                                         </p:tgtEl>
@@ -8345,17 +8737,17 @@
                             </p:stCondLst>
                             <p:childTnLst>
                               <p:par>
-                                <p:cTn id="17" nodeType="clickEffect" presetClass="entr" presetSubtype="4" presetID="2" grpId="3" fill="hold">
+                                <p:cTn id="17" presetID="2" presetClass="entr" presetSubtype="4" fill="hold" grpId="3" nodeType="clickEffect">
                                   <p:stCondLst>
                                     <p:cond delay="0"/>
                                   </p:stCondLst>
-                                  <p:iterate type="el" backwards="0">
+                                  <p:iterate type="el">
                                     <p:tmAbs val="0"/>
                                   </p:iterate>
                                   <p:childTnLst>
                                     <p:set>
                                       <p:cBhvr>
-                                        <p:cTn id="18" fill="hold"/>
+                                        <p:cTn id="18" dur="indefinite" fill="hold"/>
                                         <p:tgtEl>
                                           <p:spTgt spid="133"/>
                                         </p:tgtEl>
@@ -8435,17 +8827,17 @@
                             </p:stCondLst>
                             <p:childTnLst>
                               <p:par>
-                                <p:cTn id="23" nodeType="clickEffect" presetClass="entr" presetSubtype="4" presetID="2" grpId="4" fill="hold">
+                                <p:cTn id="23" presetID="2" presetClass="entr" presetSubtype="4" fill="hold" grpId="4" nodeType="clickEffect">
                                   <p:stCondLst>
                                     <p:cond delay="0"/>
                                   </p:stCondLst>
-                                  <p:iterate type="el" backwards="0">
+                                  <p:iterate type="el">
                                     <p:tmAbs val="0"/>
                                   </p:iterate>
                                   <p:childTnLst>
                                     <p:set>
                                       <p:cBhvr>
-                                        <p:cTn id="24" fill="hold"/>
+                                        <p:cTn id="24" dur="indefinite" fill="hold"/>
                                         <p:tgtEl>
                                           <p:spTgt spid="135"/>
                                         </p:tgtEl>
@@ -8525,17 +8917,17 @@
                             </p:stCondLst>
                             <p:childTnLst>
                               <p:par>
-                                <p:cTn id="29" nodeType="clickEffect" presetClass="entr" presetSubtype="4" presetID="2" grpId="5" fill="hold">
+                                <p:cTn id="29" presetID="2" presetClass="entr" presetSubtype="4" fill="hold" grpId="5" nodeType="clickEffect">
                                   <p:stCondLst>
                                     <p:cond delay="0"/>
                                   </p:stCondLst>
-                                  <p:iterate type="el" backwards="0">
+                                  <p:iterate type="el">
                                     <p:tmAbs val="0"/>
                                   </p:iterate>
                                   <p:childTnLst>
                                     <p:set>
                                       <p:cBhvr>
-                                        <p:cTn id="30" fill="hold"/>
+                                        <p:cTn id="30" dur="indefinite" fill="hold"/>
                                         <p:tgtEl>
                                           <p:spTgt spid="136"/>
                                         </p:tgtEl>
@@ -8624,18 +9016,18 @@
       </p:par>
     </p:tnLst>
     <p:bldLst>
-      <p:bldP build="whole" bldLvl="1" animBg="1" rev="0" advAuto="0" spid="136" grpId="5"/>
-      <p:bldP build="whole" bldLvl="1" animBg="1" rev="0" advAuto="0" spid="135" grpId="4"/>
-      <p:bldP build="whole" bldLvl="1" animBg="1" rev="0" advAuto="0" spid="132" grpId="1"/>
-      <p:bldP build="whole" bldLvl="1" animBg="1" rev="0" advAuto="0" spid="134" grpId="2"/>
-      <p:bldP build="whole" bldLvl="1" animBg="1" rev="0" advAuto="0" spid="133" grpId="3"/>
+      <p:bldP spid="136" grpId="5" animBg="1" advAuto="0"/>
+      <p:bldP spid="135" grpId="4" animBg="1" advAuto="0"/>
+      <p:bldP spid="132" grpId="1" animBg="1" advAuto="0"/>
+      <p:bldP spid="134" grpId="2" animBg="1" advAuto="0"/>
+      <p:bldP spid="133" grpId="3" animBg="1" advAuto="0"/>
     </p:bldLst>
   </p:timing>
 </p:sld>
 </file>
 
 <file path=ppt/slides/slide2.xml><?xml version="1.0" encoding="utf-8"?>
-<p:sld xmlns:a="http://schemas.openxmlformats.org/drawingml/2006/main" xmlns:r="http://schemas.openxmlformats.org/officeDocument/2006/relationships" xmlns:p="http://schemas.openxmlformats.org/presentationml/2006/main" showMasterSp="1" showMasterPhAnim="1">
+<p:sld xmlns:a="http://schemas.openxmlformats.org/drawingml/2006/main" xmlns:r="http://schemas.openxmlformats.org/officeDocument/2006/relationships" xmlns:p="http://schemas.openxmlformats.org/presentationml/2006/main">
   <p:cSld>
     <p:spTree>
       <p:nvGrpSpPr>
@@ -8668,11 +9060,6 @@
           <a:ln w="12700">
             <a:miter lim="400000"/>
           </a:ln>
-          <a:extLst>
-            <a:ext uri="{C572A759-6A51-4108-AA02-DFA0A04FC94B}">
-              <ma14:wrappingTextBoxFlag xmlns:ma14="http://schemas.microsoft.com/office/mac/drawingml/2011/main" val="1"/>
-            </a:ext>
-          </a:extLst>
         </p:spPr>
         <p:txBody>
           <a:bodyPr lIns="0" tIns="0" rIns="0" bIns="0" anchor="ctr">
@@ -8684,16 +9071,16 @@
                 <a:srgbClr val="474747"/>
               </a:buClr>
               <a:buSzPct val="100000"/>
-              <a:buFont typeface="Microsoft YaHei"/>
+              <a:buFont typeface="微软雅黑" panose="020B0503020204020204" charset="-122"/>
               <a:buChar char="•"/>
               <a:defRPr sz="2000">
                 <a:solidFill>
                   <a:srgbClr val="474747"/>
                 </a:solidFill>
-                <a:latin typeface="Microsoft YaHei"/>
-                <a:ea typeface="Microsoft YaHei"/>
-                <a:cs typeface="Microsoft YaHei"/>
-                <a:sym typeface="Microsoft YaHei"/>
+                <a:latin typeface="微软雅黑" panose="020B0503020204020204" charset="-122"/>
+                <a:ea typeface="微软雅黑" panose="020B0503020204020204" charset="-122"/>
+                <a:cs typeface="微软雅黑" panose="020B0503020204020204" charset="-122"/>
+                <a:sym typeface="微软雅黑" panose="020B0503020204020204" charset="-122"/>
               </a:defRPr>
             </a:lvl1pPr>
           </a:lstStyle>
@@ -8713,6 +9100,11 @@
               </a:rPr>
               <a:t> 以数据驱动视图，只关心数据变化，DOM 操作被封装</a:t>
             </a:r>
+            <a:endParaRPr sz="2000">
+              <a:solidFill>
+                <a:srgbClr val="474747"/>
+              </a:solidFill>
+            </a:endParaRPr>
           </a:p>
         </p:txBody>
       </p:sp>
@@ -8733,11 +9125,6 @@
           <a:ln w="12700">
             <a:miter lim="400000"/>
           </a:ln>
-          <a:extLst>
-            <a:ext uri="{C572A759-6A51-4108-AA02-DFA0A04FC94B}">
-              <ma14:wrappingTextBoxFlag xmlns:ma14="http://schemas.microsoft.com/office/mac/drawingml/2011/main" val="1"/>
-            </a:ext>
-          </a:extLst>
         </p:spPr>
         <p:txBody>
           <a:bodyPr lIns="0" tIns="0" rIns="0" bIns="0" anchor="ctr">
@@ -8749,16 +9136,16 @@
                 <a:srgbClr val="474747"/>
               </a:buClr>
               <a:buSzPct val="100000"/>
-              <a:buFont typeface="Microsoft YaHei"/>
+              <a:buFont typeface="微软雅黑" panose="020B0503020204020204" charset="-122"/>
               <a:buChar char="•"/>
               <a:defRPr sz="2000">
                 <a:solidFill>
                   <a:srgbClr val="474747"/>
                 </a:solidFill>
-                <a:latin typeface="Microsoft YaHei"/>
-                <a:ea typeface="Microsoft YaHei"/>
-                <a:cs typeface="Microsoft YaHei"/>
-                <a:sym typeface="Microsoft YaHei"/>
+                <a:latin typeface="微软雅黑" panose="020B0503020204020204" charset="-122"/>
+                <a:ea typeface="微软雅黑" panose="020B0503020204020204" charset="-122"/>
+                <a:cs typeface="微软雅黑" panose="020B0503020204020204" charset="-122"/>
+                <a:sym typeface="微软雅黑" panose="020B0503020204020204" charset="-122"/>
               </a:defRPr>
             </a:lvl1pPr>
           </a:lstStyle>
@@ -8778,6 +9165,11 @@
               </a:rPr>
               <a:t> 数据和视图的分离，解耦</a:t>
             </a:r>
+            <a:endParaRPr sz="2000">
+              <a:solidFill>
+                <a:srgbClr val="474747"/>
+              </a:solidFill>
+            </a:endParaRPr>
           </a:p>
         </p:txBody>
       </p:sp>
@@ -8798,11 +9190,6 @@
           <a:ln w="12700">
             <a:miter lim="400000"/>
           </a:ln>
-          <a:extLst>
-            <a:ext uri="{C572A759-6A51-4108-AA02-DFA0A04FC94B}">
-              <ma14:wrappingTextBoxFlag xmlns:ma14="http://schemas.microsoft.com/office/mac/drawingml/2011/main" val="1"/>
-            </a:ext>
-          </a:extLst>
         </p:spPr>
         <p:txBody>
           <a:bodyPr wrap="none" lIns="0" tIns="0" rIns="0" bIns="0">
@@ -8814,10 +9201,10 @@
                 <a:solidFill>
                   <a:srgbClr val="C94251"/>
                 </a:solidFill>
-                <a:latin typeface="Microsoft YaHei"/>
-                <a:ea typeface="Microsoft YaHei"/>
-                <a:cs typeface="Microsoft YaHei"/>
-                <a:sym typeface="Microsoft YaHei"/>
+                <a:latin typeface="微软雅黑" panose="020B0503020204020204" charset="-122"/>
+                <a:ea typeface="微软雅黑" panose="020B0503020204020204" charset="-122"/>
+                <a:cs typeface="微软雅黑" panose="020B0503020204020204" charset="-122"/>
+                <a:sym typeface="微软雅黑" panose="020B0503020204020204" charset="-122"/>
               </a:defRPr>
             </a:lvl1pPr>
           </a:lstStyle>
@@ -8837,6 +9224,11 @@
               </a:rPr>
               <a:t>使用 jQuery 和使用框架的区别</a:t>
             </a:r>
+            <a:endParaRPr sz="3000">
+              <a:solidFill>
+                <a:srgbClr val="C94251"/>
+              </a:solidFill>
+            </a:endParaRPr>
           </a:p>
         </p:txBody>
       </p:sp>
@@ -8857,11 +9249,6 @@
           <a:ln w="12700">
             <a:miter lim="400000"/>
           </a:ln>
-          <a:extLst>
-            <a:ext uri="{C572A759-6A51-4108-AA02-DFA0A04FC94B}">
-              <ma14:wrappingTextBoxFlag xmlns:ma14="http://schemas.microsoft.com/office/mac/drawingml/2011/main" val="1"/>
-            </a:ext>
-          </a:extLst>
         </p:spPr>
         <p:txBody>
           <a:bodyPr lIns="0" tIns="0" rIns="0" bIns="0" anchor="ctr">
@@ -8873,16 +9260,16 @@
                 <a:srgbClr val="474747"/>
               </a:buClr>
               <a:buSzPct val="100000"/>
-              <a:buFont typeface="Microsoft YaHei"/>
+              <a:buFont typeface="微软雅黑" panose="020B0503020204020204" charset="-122"/>
               <a:buChar char="•"/>
               <a:defRPr sz="2000">
                 <a:solidFill>
                   <a:srgbClr val="474747"/>
                 </a:solidFill>
-                <a:latin typeface="Microsoft YaHei"/>
-                <a:ea typeface="Microsoft YaHei"/>
-                <a:cs typeface="Microsoft YaHei"/>
-                <a:sym typeface="Microsoft YaHei"/>
+                <a:latin typeface="微软雅黑" panose="020B0503020204020204" charset="-122"/>
+                <a:ea typeface="微软雅黑" panose="020B0503020204020204" charset="-122"/>
+                <a:cs typeface="微软雅黑" panose="020B0503020204020204" charset="-122"/>
+                <a:sym typeface="微软雅黑" panose="020B0503020204020204" charset="-122"/>
               </a:defRPr>
             </a:lvl1pPr>
           </a:lstStyle>
@@ -8902,6 +9289,11 @@
               </a:rPr>
               <a:t> 前端组件化（后面还有组件化的课程）</a:t>
             </a:r>
+            <a:endParaRPr sz="2000">
+              <a:solidFill>
+                <a:srgbClr val="474747"/>
+              </a:solidFill>
+            </a:endParaRPr>
           </a:p>
         </p:txBody>
       </p:sp>
@@ -8910,14 +9302,14 @@
   <p:clrMapOvr>
     <a:masterClrMapping/>
   </p:clrMapOvr>
-  <p:transition spd="med" advClick="1"/>
+  <p:transition spd="med"/>
   <p:timing>
     <p:tnLst>
       <p:par>
-        <p:cTn id="1" nodeType="tmRoot" restart="never" dur="indefinite" fill="hold">
+        <p:cTn id="1" dur="indefinite" restart="never" fill="hold" nodeType="tmRoot">
           <p:childTnLst>
-            <p:seq concurrent="1" prevAc="none" nextAc="seek">
-              <p:cTn id="2" nodeType="mainSeq" dur="indefinite" fill="hold">
+            <p:seq concurrent="1" nextAc="seek">
+              <p:cTn id="2" dur="indefinite" fill="hold" nodeType="mainSeq">
                 <p:childTnLst>
                   <p:par>
                     <p:cTn id="3" fill="hold">
@@ -8932,17 +9324,17 @@
                             </p:stCondLst>
                             <p:childTnLst>
                               <p:par>
-                                <p:cTn id="5" nodeType="clickEffect" presetClass="entr" presetSubtype="4" presetID="2" grpId="1" fill="hold">
+                                <p:cTn id="5" presetID="2" presetClass="entr" presetSubtype="4" fill="hold" grpId="1" nodeType="clickEffect">
                                   <p:stCondLst>
                                     <p:cond delay="0"/>
                                   </p:stCondLst>
-                                  <p:iterate type="el" backwards="0">
+                                  <p:iterate type="el">
                                     <p:tmAbs val="0"/>
                                   </p:iterate>
                                   <p:childTnLst>
                                     <p:set>
                                       <p:cBhvr>
-                                        <p:cTn id="6" fill="hold"/>
+                                        <p:cTn id="6" dur="indefinite" fill="hold"/>
                                         <p:tgtEl>
                                           <p:spTgt spid="139"/>
                                         </p:tgtEl>
@@ -9022,17 +9414,17 @@
                             </p:stCondLst>
                             <p:childTnLst>
                               <p:par>
-                                <p:cTn id="11" nodeType="clickEffect" presetClass="entr" presetSubtype="4" presetID="2" grpId="2" fill="hold">
+                                <p:cTn id="11" presetID="2" presetClass="entr" presetSubtype="4" fill="hold" grpId="2" nodeType="clickEffect">
                                   <p:stCondLst>
                                     <p:cond delay="0"/>
                                   </p:stCondLst>
-                                  <p:iterate type="el" backwards="0">
+                                  <p:iterate type="el">
                                     <p:tmAbs val="0"/>
                                   </p:iterate>
                                   <p:childTnLst>
                                     <p:set>
                                       <p:cBhvr>
-                                        <p:cTn id="12" fill="hold"/>
+                                        <p:cTn id="12" dur="indefinite" fill="hold"/>
                                         <p:tgtEl>
                                           <p:spTgt spid="138"/>
                                         </p:tgtEl>
@@ -9112,17 +9504,17 @@
                             </p:stCondLst>
                             <p:childTnLst>
                               <p:par>
-                                <p:cTn id="17" nodeType="clickEffect" presetClass="entr" presetSubtype="4" presetID="2" grpId="3" fill="hold">
+                                <p:cTn id="17" presetID="2" presetClass="entr" presetSubtype="4" fill="hold" grpId="3" nodeType="clickEffect">
                                   <p:stCondLst>
                                     <p:cond delay="0"/>
                                   </p:stCondLst>
-                                  <p:iterate type="el" backwards="0">
+                                  <p:iterate type="el">
                                     <p:tmAbs val="0"/>
                                   </p:iterate>
                                   <p:childTnLst>
                                     <p:set>
                                       <p:cBhvr>
-                                        <p:cTn id="18" fill="hold"/>
+                                        <p:cTn id="18" dur="indefinite" fill="hold"/>
                                         <p:tgtEl>
                                           <p:spTgt spid="141"/>
                                         </p:tgtEl>
@@ -9211,16 +9603,16 @@
       </p:par>
     </p:tnLst>
     <p:bldLst>
-      <p:bldP build="whole" bldLvl="1" animBg="1" rev="0" advAuto="0" spid="141" grpId="3"/>
-      <p:bldP build="whole" bldLvl="1" animBg="1" rev="0" advAuto="0" spid="139" grpId="1"/>
-      <p:bldP build="whole" bldLvl="1" animBg="1" rev="0" advAuto="0" spid="138" grpId="2"/>
+      <p:bldP spid="141" grpId="3" animBg="1" advAuto="0"/>
+      <p:bldP spid="139" grpId="1" animBg="1" advAuto="0"/>
+      <p:bldP spid="138" grpId="2" animBg="1" advAuto="0"/>
     </p:bldLst>
   </p:timing>
 </p:sld>
 </file>
 
 <file path=ppt/slides/slide3.xml><?xml version="1.0" encoding="utf-8"?>
-<p:sld xmlns:a="http://schemas.openxmlformats.org/drawingml/2006/main" xmlns:r="http://schemas.openxmlformats.org/officeDocument/2006/relationships" xmlns:p="http://schemas.openxmlformats.org/presentationml/2006/main" showMasterSp="1" showMasterPhAnim="1">
+<p:sld xmlns:a="http://schemas.openxmlformats.org/drawingml/2006/main" xmlns:r="http://schemas.openxmlformats.org/officeDocument/2006/relationships" xmlns:p="http://schemas.openxmlformats.org/presentationml/2006/main">
   <p:cSld>
     <p:spTree>
       <p:nvGrpSpPr>
@@ -9253,11 +9645,6 @@
           <a:ln w="12700">
             <a:miter lim="400000"/>
           </a:ln>
-          <a:extLst>
-            <a:ext uri="{C572A759-6A51-4108-AA02-DFA0A04FC94B}">
-              <ma14:wrappingTextBoxFlag xmlns:ma14="http://schemas.microsoft.com/office/mac/drawingml/2011/main" val="1"/>
-            </a:ext>
-          </a:extLst>
         </p:spPr>
         <p:txBody>
           <a:bodyPr wrap="none" lIns="0" tIns="0" rIns="0" bIns="0">
@@ -9269,10 +9656,10 @@
                 <a:solidFill>
                   <a:srgbClr val="C94251"/>
                 </a:solidFill>
-                <a:latin typeface="Microsoft YaHei"/>
-                <a:ea typeface="Microsoft YaHei"/>
-                <a:cs typeface="Microsoft YaHei"/>
-                <a:sym typeface="Microsoft YaHei"/>
+                <a:latin typeface="微软雅黑" panose="020B0503020204020204" charset="-122"/>
+                <a:ea typeface="微软雅黑" panose="020B0503020204020204" charset="-122"/>
+                <a:cs typeface="微软雅黑" panose="020B0503020204020204" charset="-122"/>
+                <a:sym typeface="微软雅黑" panose="020B0503020204020204" charset="-122"/>
               </a:defRPr>
             </a:lvl1pPr>
           </a:lstStyle>
@@ -9292,6 +9679,11 @@
               </a:rPr>
               <a:t>什么是 MVVM</a:t>
             </a:r>
+            <a:endParaRPr sz="3000">
+              <a:solidFill>
+                <a:srgbClr val="C94251"/>
+              </a:solidFill>
+            </a:endParaRPr>
           </a:p>
         </p:txBody>
       </p:sp>
@@ -9312,11 +9704,6 @@
           <a:ln w="12700">
             <a:miter lim="400000"/>
           </a:ln>
-          <a:extLst>
-            <a:ext uri="{C572A759-6A51-4108-AA02-DFA0A04FC94B}">
-              <ma14:wrappingTextBoxFlag xmlns:ma14="http://schemas.microsoft.com/office/mac/drawingml/2011/main" val="1"/>
-            </a:ext>
-          </a:extLst>
         </p:spPr>
         <p:txBody>
           <a:bodyPr lIns="0" tIns="0" rIns="0" bIns="0" anchor="ctr">
@@ -9328,16 +9715,16 @@
                 <a:srgbClr val="474747"/>
               </a:buClr>
               <a:buSzPct val="100000"/>
-              <a:buFont typeface="Microsoft YaHei"/>
+              <a:buFont typeface="微软雅黑" panose="020B0503020204020204" charset="-122"/>
               <a:buChar char="•"/>
               <a:defRPr sz="2000">
                 <a:solidFill>
                   <a:srgbClr val="474747"/>
                 </a:solidFill>
-                <a:latin typeface="Microsoft YaHei"/>
-                <a:ea typeface="Microsoft YaHei"/>
-                <a:cs typeface="Microsoft YaHei"/>
-                <a:sym typeface="Microsoft YaHei"/>
+                <a:latin typeface="微软雅黑" panose="020B0503020204020204" charset="-122"/>
+                <a:ea typeface="微软雅黑" panose="020B0503020204020204" charset="-122"/>
+                <a:cs typeface="微软雅黑" panose="020B0503020204020204" charset="-122"/>
+                <a:sym typeface="微软雅黑" panose="020B0503020204020204" charset="-122"/>
               </a:defRPr>
             </a:lvl1pPr>
           </a:lstStyle>
@@ -9357,6 +9744,11 @@
               </a:rPr>
               <a:t> MVVM - Model View ViewModel</a:t>
             </a:r>
+            <a:endParaRPr sz="2000">
+              <a:solidFill>
+                <a:srgbClr val="474747"/>
+              </a:solidFill>
+            </a:endParaRPr>
           </a:p>
         </p:txBody>
       </p:sp>
@@ -9377,11 +9769,6 @@
           <a:ln w="12700">
             <a:miter lim="400000"/>
           </a:ln>
-          <a:extLst>
-            <a:ext uri="{C572A759-6A51-4108-AA02-DFA0A04FC94B}">
-              <ma14:wrappingTextBoxFlag xmlns:ma14="http://schemas.microsoft.com/office/mac/drawingml/2011/main" val="1"/>
-            </a:ext>
-          </a:extLst>
         </p:spPr>
         <p:txBody>
           <a:bodyPr lIns="0" tIns="0" rIns="0" bIns="0" anchor="ctr">
@@ -9393,16 +9780,16 @@
                 <a:srgbClr val="474747"/>
               </a:buClr>
               <a:buSzPct val="100000"/>
-              <a:buFont typeface="Microsoft YaHei"/>
+              <a:buFont typeface="微软雅黑" panose="020B0503020204020204" charset="-122"/>
               <a:buChar char="•"/>
               <a:defRPr sz="2000">
                 <a:solidFill>
                   <a:srgbClr val="474747"/>
                 </a:solidFill>
-                <a:latin typeface="Microsoft YaHei"/>
-                <a:ea typeface="Microsoft YaHei"/>
-                <a:cs typeface="Microsoft YaHei"/>
-                <a:sym typeface="Microsoft YaHei"/>
+                <a:latin typeface="微软雅黑" panose="020B0503020204020204" charset="-122"/>
+                <a:ea typeface="微软雅黑" panose="020B0503020204020204" charset="-122"/>
+                <a:cs typeface="微软雅黑" panose="020B0503020204020204" charset="-122"/>
+                <a:sym typeface="微软雅黑" panose="020B0503020204020204" charset="-122"/>
               </a:defRPr>
             </a:lvl1pPr>
           </a:lstStyle>
@@ -9422,6 +9809,11 @@
               </a:rPr>
               <a:t> ViewModel 的理解，联系 View 和 Model</a:t>
             </a:r>
+            <a:endParaRPr sz="2000">
+              <a:solidFill>
+                <a:srgbClr val="474747"/>
+              </a:solidFill>
+            </a:endParaRPr>
           </a:p>
         </p:txBody>
       </p:sp>
@@ -9442,11 +9834,6 @@
           <a:ln w="12700">
             <a:miter lim="400000"/>
           </a:ln>
-          <a:extLst>
-            <a:ext uri="{C572A759-6A51-4108-AA02-DFA0A04FC94B}">
-              <ma14:wrappingTextBoxFlag xmlns:ma14="http://schemas.microsoft.com/office/mac/drawingml/2011/main" val="1"/>
-            </a:ext>
-          </a:extLst>
         </p:spPr>
         <p:txBody>
           <a:bodyPr lIns="0" tIns="0" rIns="0" bIns="0" anchor="ctr">
@@ -9459,15 +9846,15 @@
                 <a:srgbClr val="474747"/>
               </a:buClr>
               <a:buSzPct val="100000"/>
-              <a:buFont typeface="Microsoft YaHei"/>
+              <a:buFont typeface="微软雅黑" panose="020B0503020204020204" charset="-122"/>
               <a:buChar char="•"/>
             </a:pPr>
             <a:r>
               <a:rPr>
-                <a:latin typeface="Microsoft YaHei"/>
-                <a:ea typeface="Microsoft YaHei"/>
-                <a:cs typeface="Microsoft YaHei"/>
-                <a:sym typeface="Microsoft YaHei"/>
+                <a:latin typeface="微软雅黑" panose="020B0503020204020204" charset="-122"/>
+                <a:ea typeface="微软雅黑" panose="020B0503020204020204" charset="-122"/>
+                <a:cs typeface="微软雅黑" panose="020B0503020204020204" charset="-122"/>
+                <a:sym typeface="微软雅黑" panose="020B0503020204020204" charset="-122"/>
               </a:rPr>
               <a:t> </a:t>
             </a:r>
@@ -9476,13 +9863,22 @@
                 <a:solidFill>
                   <a:srgbClr val="474747"/>
                 </a:solidFill>
-                <a:latin typeface="Microsoft YaHei"/>
-                <a:ea typeface="Microsoft YaHei"/>
-                <a:cs typeface="Microsoft YaHei"/>
-                <a:sym typeface="Microsoft YaHei"/>
+                <a:latin typeface="微软雅黑" panose="020B0503020204020204" charset="-122"/>
+                <a:ea typeface="微软雅黑" panose="020B0503020204020204" charset="-122"/>
+                <a:cs typeface="微软雅黑" panose="020B0503020204020204" charset="-122"/>
+                <a:sym typeface="微软雅黑" panose="020B0503020204020204" charset="-122"/>
               </a:rPr>
               <a:t>三者之间的联系，以及如何对应到各段代码</a:t>
             </a:r>
+            <a:endParaRPr sz="2000">
+              <a:solidFill>
+                <a:srgbClr val="474747"/>
+              </a:solidFill>
+              <a:latin typeface="微软雅黑" panose="020B0503020204020204" charset="-122"/>
+              <a:ea typeface="微软雅黑" panose="020B0503020204020204" charset="-122"/>
+              <a:cs typeface="微软雅黑" panose="020B0503020204020204" charset="-122"/>
+              <a:sym typeface="微软雅黑" panose="020B0503020204020204" charset="-122"/>
+            </a:endParaRPr>
           </a:p>
         </p:txBody>
       </p:sp>
@@ -9491,14 +9887,14 @@
   <p:clrMapOvr>
     <a:masterClrMapping/>
   </p:clrMapOvr>
-  <p:transition spd="med" advClick="1"/>
+  <p:transition spd="med"/>
   <p:timing>
     <p:tnLst>
       <p:par>
-        <p:cTn id="1" nodeType="tmRoot" restart="never" dur="indefinite" fill="hold">
+        <p:cTn id="1" dur="indefinite" restart="never" fill="hold" nodeType="tmRoot">
           <p:childTnLst>
-            <p:seq concurrent="1" prevAc="none" nextAc="seek">
-              <p:cTn id="2" nodeType="mainSeq" dur="indefinite" fill="hold">
+            <p:seq concurrent="1" nextAc="seek">
+              <p:cTn id="2" dur="indefinite" fill="hold" nodeType="mainSeq">
                 <p:childTnLst>
                   <p:par>
                     <p:cTn id="3" fill="hold">
@@ -9513,17 +9909,17 @@
                             </p:stCondLst>
                             <p:childTnLst>
                               <p:par>
-                                <p:cTn id="5" nodeType="clickEffect" presetClass="entr" presetSubtype="4" presetID="2" grpId="1" fill="hold">
+                                <p:cTn id="5" presetID="2" presetClass="entr" presetSubtype="4" fill="hold" grpId="1" nodeType="clickEffect">
                                   <p:stCondLst>
                                     <p:cond delay="0"/>
                                   </p:stCondLst>
-                                  <p:iterate type="el" backwards="0">
+                                  <p:iterate type="el">
                                     <p:tmAbs val="0"/>
                                   </p:iterate>
                                   <p:childTnLst>
                                     <p:set>
                                       <p:cBhvr>
-                                        <p:cTn id="6" fill="hold"/>
+                                        <p:cTn id="6" dur="indefinite" fill="hold"/>
                                         <p:tgtEl>
                                           <p:spTgt spid="144"/>
                                         </p:tgtEl>
@@ -9603,17 +9999,17 @@
                             </p:stCondLst>
                             <p:childTnLst>
                               <p:par>
-                                <p:cTn id="11" nodeType="clickEffect" presetClass="entr" presetSubtype="4" presetID="2" grpId="2" fill="hold">
+                                <p:cTn id="11" presetID="2" presetClass="entr" presetSubtype="4" fill="hold" grpId="2" nodeType="clickEffect">
                                   <p:stCondLst>
                                     <p:cond delay="0"/>
                                   </p:stCondLst>
-                                  <p:iterate type="el" backwards="0">
+                                  <p:iterate type="el">
                                     <p:tmAbs val="0"/>
                                   </p:iterate>
                                   <p:childTnLst>
                                     <p:set>
                                       <p:cBhvr>
-                                        <p:cTn id="12" fill="hold"/>
+                                        <p:cTn id="12" dur="indefinite" fill="hold"/>
                                         <p:tgtEl>
                                           <p:spTgt spid="146"/>
                                         </p:tgtEl>
@@ -9693,17 +10089,17 @@
                             </p:stCondLst>
                             <p:childTnLst>
                               <p:par>
-                                <p:cTn id="17" nodeType="clickEffect" presetClass="entr" presetSubtype="4" presetID="2" grpId="3" fill="hold">
+                                <p:cTn id="17" presetID="2" presetClass="entr" presetSubtype="4" fill="hold" grpId="3" nodeType="clickEffect">
                                   <p:stCondLst>
                                     <p:cond delay="0"/>
                                   </p:stCondLst>
-                                  <p:iterate type="el" backwards="0">
+                                  <p:iterate type="el">
                                     <p:tmAbs val="0"/>
                                   </p:iterate>
                                   <p:childTnLst>
                                     <p:set>
                                       <p:cBhvr>
-                                        <p:cTn id="18" fill="hold"/>
+                                        <p:cTn id="18" dur="indefinite" fill="hold"/>
                                         <p:tgtEl>
                                           <p:spTgt spid="145"/>
                                         </p:tgtEl>
@@ -9792,16 +10188,16 @@
       </p:par>
     </p:tnLst>
     <p:bldLst>
-      <p:bldP build="whole" bldLvl="1" animBg="1" rev="0" advAuto="0" spid="144" grpId="1"/>
-      <p:bldP build="whole" bldLvl="1" animBg="1" rev="0" advAuto="0" spid="145" grpId="3"/>
-      <p:bldP build="whole" bldLvl="1" animBg="1" rev="0" advAuto="0" spid="146" grpId="2"/>
+      <p:bldP spid="144" grpId="1" animBg="1" advAuto="0"/>
+      <p:bldP spid="145" grpId="3" animBg="1" advAuto="0"/>
+      <p:bldP spid="146" grpId="2" animBg="1" advAuto="0"/>
     </p:bldLst>
   </p:timing>
 </p:sld>
 </file>
 
 <file path=ppt/slides/slide4.xml><?xml version="1.0" encoding="utf-8"?>
-<p:sld xmlns:a="http://schemas.openxmlformats.org/drawingml/2006/main" xmlns:r="http://schemas.openxmlformats.org/officeDocument/2006/relationships" xmlns:p="http://schemas.openxmlformats.org/presentationml/2006/main" showMasterSp="1" showMasterPhAnim="1">
+<p:sld xmlns:a="http://schemas.openxmlformats.org/drawingml/2006/main" xmlns:r="http://schemas.openxmlformats.org/officeDocument/2006/relationships" xmlns:p="http://schemas.openxmlformats.org/presentationml/2006/main">
   <p:cSld>
     <p:spTree>
       <p:nvGrpSpPr>
@@ -9834,11 +10230,6 @@
           <a:ln w="12700">
             <a:miter lim="400000"/>
           </a:ln>
-          <a:extLst>
-            <a:ext uri="{C572A759-6A51-4108-AA02-DFA0A04FC94B}">
-              <ma14:wrappingTextBoxFlag xmlns:ma14="http://schemas.microsoft.com/office/mac/drawingml/2011/main" val="1"/>
-            </a:ext>
-          </a:extLst>
         </p:spPr>
         <p:txBody>
           <a:bodyPr wrap="none" lIns="0" tIns="0" rIns="0" bIns="0">
@@ -9850,10 +10241,10 @@
                 <a:solidFill>
                   <a:srgbClr val="C94251"/>
                 </a:solidFill>
-                <a:latin typeface="Microsoft YaHei"/>
-                <a:ea typeface="Microsoft YaHei"/>
-                <a:cs typeface="Microsoft YaHei"/>
-                <a:sym typeface="Microsoft YaHei"/>
+                <a:latin typeface="微软雅黑" panose="020B0503020204020204" charset="-122"/>
+                <a:ea typeface="微软雅黑" panose="020B0503020204020204" charset="-122"/>
+                <a:cs typeface="微软雅黑" panose="020B0503020204020204" charset="-122"/>
+                <a:sym typeface="微软雅黑" panose="020B0503020204020204" charset="-122"/>
               </a:defRPr>
             </a:lvl1pPr>
           </a:lstStyle>
@@ -9873,6 +10264,11 @@
               </a:rPr>
               <a:t>三要素（附加）</a:t>
             </a:r>
+            <a:endParaRPr sz="3000">
+              <a:solidFill>
+                <a:srgbClr val="C94251"/>
+              </a:solidFill>
+            </a:endParaRPr>
           </a:p>
         </p:txBody>
       </p:sp>
@@ -9893,11 +10289,6 @@
           <a:ln w="12700">
             <a:miter lim="400000"/>
           </a:ln>
-          <a:extLst>
-            <a:ext uri="{C572A759-6A51-4108-AA02-DFA0A04FC94B}">
-              <ma14:wrappingTextBoxFlag xmlns:ma14="http://schemas.microsoft.com/office/mac/drawingml/2011/main" val="1"/>
-            </a:ext>
-          </a:extLst>
         </p:spPr>
         <p:txBody>
           <a:bodyPr lIns="0" tIns="0" rIns="0" bIns="0" anchor="ctr">
@@ -9909,16 +10300,16 @@
                 <a:srgbClr val="474747"/>
               </a:buClr>
               <a:buSzPct val="100000"/>
-              <a:buFont typeface="Microsoft YaHei"/>
+              <a:buFont typeface="微软雅黑" panose="020B0503020204020204" charset="-122"/>
               <a:buChar char="•"/>
               <a:defRPr sz="2000">
                 <a:solidFill>
                   <a:srgbClr val="474747"/>
                 </a:solidFill>
-                <a:latin typeface="Microsoft YaHei"/>
-                <a:ea typeface="Microsoft YaHei"/>
-                <a:cs typeface="Microsoft YaHei"/>
-                <a:sym typeface="Microsoft YaHei"/>
+                <a:latin typeface="微软雅黑" panose="020B0503020204020204" charset="-122"/>
+                <a:ea typeface="微软雅黑" panose="020B0503020204020204" charset="-122"/>
+                <a:cs typeface="微软雅黑" panose="020B0503020204020204" charset="-122"/>
+                <a:sym typeface="微软雅黑" panose="020B0503020204020204" charset="-122"/>
               </a:defRPr>
             </a:lvl1pPr>
           </a:lstStyle>
@@ -9938,6 +10329,11 @@
               </a:rPr>
               <a:t> 响应式：vue 如何监听到 data 的每个属性变化？</a:t>
             </a:r>
+            <a:endParaRPr sz="2000">
+              <a:solidFill>
+                <a:srgbClr val="474747"/>
+              </a:solidFill>
+            </a:endParaRPr>
           </a:p>
         </p:txBody>
       </p:sp>
@@ -9958,11 +10354,6 @@
           <a:ln w="12700">
             <a:miter lim="400000"/>
           </a:ln>
-          <a:extLst>
-            <a:ext uri="{C572A759-6A51-4108-AA02-DFA0A04FC94B}">
-              <ma14:wrappingTextBoxFlag xmlns:ma14="http://schemas.microsoft.com/office/mac/drawingml/2011/main" val="1"/>
-            </a:ext>
-          </a:extLst>
         </p:spPr>
         <p:txBody>
           <a:bodyPr lIns="0" tIns="0" rIns="0" bIns="0" anchor="ctr">
@@ -9974,16 +10365,16 @@
                 <a:srgbClr val="474747"/>
               </a:buClr>
               <a:buSzPct val="100000"/>
-              <a:buFont typeface="Microsoft YaHei"/>
+              <a:buFont typeface="微软雅黑" panose="020B0503020204020204" charset="-122"/>
               <a:buChar char="•"/>
               <a:defRPr sz="2000">
                 <a:solidFill>
                   <a:srgbClr val="474747"/>
                 </a:solidFill>
-                <a:latin typeface="Microsoft YaHei"/>
-                <a:ea typeface="Microsoft YaHei"/>
-                <a:cs typeface="Microsoft YaHei"/>
-                <a:sym typeface="Microsoft YaHei"/>
+                <a:latin typeface="微软雅黑" panose="020B0503020204020204" charset="-122"/>
+                <a:ea typeface="微软雅黑" panose="020B0503020204020204" charset="-122"/>
+                <a:cs typeface="微软雅黑" panose="020B0503020204020204" charset="-122"/>
+                <a:sym typeface="微软雅黑" panose="020B0503020204020204" charset="-122"/>
               </a:defRPr>
             </a:lvl1pPr>
           </a:lstStyle>
@@ -10003,6 +10394,11 @@
               </a:rPr>
               <a:t> 模板引擎：vue 的模板如何被解析，指令如何处理？</a:t>
             </a:r>
+            <a:endParaRPr sz="2000">
+              <a:solidFill>
+                <a:srgbClr val="474747"/>
+              </a:solidFill>
+            </a:endParaRPr>
           </a:p>
         </p:txBody>
       </p:sp>
@@ -10023,11 +10419,6 @@
           <a:ln w="12700">
             <a:miter lim="400000"/>
           </a:ln>
-          <a:extLst>
-            <a:ext uri="{C572A759-6A51-4108-AA02-DFA0A04FC94B}">
-              <ma14:wrappingTextBoxFlag xmlns:ma14="http://schemas.microsoft.com/office/mac/drawingml/2011/main" val="1"/>
-            </a:ext>
-          </a:extLst>
         </p:spPr>
         <p:txBody>
           <a:bodyPr lIns="0" tIns="0" rIns="0" bIns="0" anchor="ctr">
@@ -10039,16 +10430,16 @@
                 <a:srgbClr val="474747"/>
               </a:buClr>
               <a:buSzPct val="100000"/>
-              <a:buFont typeface="Microsoft YaHei"/>
+              <a:buFont typeface="微软雅黑" panose="020B0503020204020204" charset="-122"/>
               <a:buChar char="•"/>
               <a:defRPr sz="2000">
                 <a:solidFill>
                   <a:srgbClr val="474747"/>
                 </a:solidFill>
-                <a:latin typeface="Microsoft YaHei"/>
-                <a:ea typeface="Microsoft YaHei"/>
-                <a:cs typeface="Microsoft YaHei"/>
-                <a:sym typeface="Microsoft YaHei"/>
+                <a:latin typeface="微软雅黑" panose="020B0503020204020204" charset="-122"/>
+                <a:ea typeface="微软雅黑" panose="020B0503020204020204" charset="-122"/>
+                <a:cs typeface="微软雅黑" panose="020B0503020204020204" charset="-122"/>
+                <a:sym typeface="微软雅黑" panose="020B0503020204020204" charset="-122"/>
               </a:defRPr>
             </a:lvl1pPr>
           </a:lstStyle>
@@ -10068,6 +10459,11 @@
               </a:rPr>
               <a:t> 渲染：vue 的模板如何被渲染成 html ？以及渲染过程</a:t>
             </a:r>
+            <a:endParaRPr sz="2000">
+              <a:solidFill>
+                <a:srgbClr val="474747"/>
+              </a:solidFill>
+            </a:endParaRPr>
           </a:p>
         </p:txBody>
       </p:sp>
@@ -10076,14 +10472,14 @@
   <p:clrMapOvr>
     <a:masterClrMapping/>
   </p:clrMapOvr>
-  <p:transition spd="med" advClick="1"/>
+  <p:transition spd="med"/>
   <p:timing>
     <p:tnLst>
       <p:par>
-        <p:cTn id="1" nodeType="tmRoot" restart="never" dur="indefinite" fill="hold">
+        <p:cTn id="1" dur="indefinite" restart="never" fill="hold" nodeType="tmRoot">
           <p:childTnLst>
-            <p:seq concurrent="1" prevAc="none" nextAc="seek">
-              <p:cTn id="2" nodeType="mainSeq" dur="indefinite" fill="hold">
+            <p:seq concurrent="1" nextAc="seek">
+              <p:cTn id="2" dur="indefinite" fill="hold" nodeType="mainSeq">
                 <p:childTnLst>
                   <p:par>
                     <p:cTn id="3" fill="hold">
@@ -10098,17 +10494,17 @@
                             </p:stCondLst>
                             <p:childTnLst>
                               <p:par>
-                                <p:cTn id="5" nodeType="clickEffect" presetClass="entr" presetSubtype="4" presetID="2" grpId="1" fill="hold">
+                                <p:cTn id="5" presetID="2" presetClass="entr" presetSubtype="4" fill="hold" grpId="1" nodeType="clickEffect">
                                   <p:stCondLst>
                                     <p:cond delay="0"/>
                                   </p:stCondLst>
-                                  <p:iterate type="el" backwards="0">
+                                  <p:iterate type="el">
                                     <p:tmAbs val="0"/>
                                   </p:iterate>
                                   <p:childTnLst>
                                     <p:set>
                                       <p:cBhvr>
-                                        <p:cTn id="6" fill="hold"/>
+                                        <p:cTn id="6" dur="indefinite" fill="hold"/>
                                         <p:tgtEl>
                                           <p:spTgt spid="149"/>
                                         </p:tgtEl>
@@ -10188,17 +10584,17 @@
                             </p:stCondLst>
                             <p:childTnLst>
                               <p:par>
-                                <p:cTn id="11" nodeType="clickEffect" presetClass="entr" presetSubtype="4" presetID="2" grpId="2" fill="hold">
+                                <p:cTn id="11" presetID="2" presetClass="entr" presetSubtype="4" fill="hold" grpId="2" nodeType="clickEffect">
                                   <p:stCondLst>
                                     <p:cond delay="0"/>
                                   </p:stCondLst>
-                                  <p:iterate type="el" backwards="0">
+                                  <p:iterate type="el">
                                     <p:tmAbs val="0"/>
                                   </p:iterate>
                                   <p:childTnLst>
                                     <p:set>
                                       <p:cBhvr>
-                                        <p:cTn id="12" fill="hold"/>
+                                        <p:cTn id="12" dur="indefinite" fill="hold"/>
                                         <p:tgtEl>
                                           <p:spTgt spid="150"/>
                                         </p:tgtEl>
@@ -10278,17 +10674,17 @@
                             </p:stCondLst>
                             <p:childTnLst>
                               <p:par>
-                                <p:cTn id="17" nodeType="clickEffect" presetClass="entr" presetSubtype="4" presetID="2" grpId="3" fill="hold">
+                                <p:cTn id="17" presetID="2" presetClass="entr" presetSubtype="4" fill="hold" grpId="3" nodeType="clickEffect">
                                   <p:stCondLst>
                                     <p:cond delay="0"/>
                                   </p:stCondLst>
-                                  <p:iterate type="el" backwards="0">
+                                  <p:iterate type="el">
                                     <p:tmAbs val="0"/>
                                   </p:iterate>
                                   <p:childTnLst>
                                     <p:set>
                                       <p:cBhvr>
-                                        <p:cTn id="18" fill="hold"/>
+                                        <p:cTn id="18" dur="indefinite" fill="hold"/>
                                         <p:tgtEl>
                                           <p:spTgt spid="151"/>
                                         </p:tgtEl>
@@ -10377,16 +10773,16 @@
       </p:par>
     </p:tnLst>
     <p:bldLst>
-      <p:bldP build="whole" bldLvl="1" animBg="1" rev="0" advAuto="0" spid="149" grpId="1"/>
-      <p:bldP build="whole" bldLvl="1" animBg="1" rev="0" advAuto="0" spid="151" grpId="3"/>
-      <p:bldP build="whole" bldLvl="1" animBg="1" rev="0" advAuto="0" spid="150" grpId="2"/>
+      <p:bldP spid="149" grpId="1" animBg="1" advAuto="0"/>
+      <p:bldP spid="151" grpId="3" animBg="1" advAuto="0"/>
+      <p:bldP spid="150" grpId="2" animBg="1" advAuto="0"/>
     </p:bldLst>
   </p:timing>
 </p:sld>
 </file>
 
 <file path=ppt/slides/slide5.xml><?xml version="1.0" encoding="utf-8"?>
-<p:sld xmlns:a="http://schemas.openxmlformats.org/drawingml/2006/main" xmlns:r="http://schemas.openxmlformats.org/officeDocument/2006/relationships" xmlns:p="http://schemas.openxmlformats.org/presentationml/2006/main" showMasterSp="1" showMasterPhAnim="1">
+<p:sld xmlns:a="http://schemas.openxmlformats.org/drawingml/2006/main" xmlns:r="http://schemas.openxmlformats.org/officeDocument/2006/relationships" xmlns:p="http://schemas.openxmlformats.org/presentationml/2006/main">
   <p:cSld>
     <p:spTree>
       <p:nvGrpSpPr>
@@ -10419,11 +10815,6 @@
           <a:ln w="12700">
             <a:miter lim="400000"/>
           </a:ln>
-          <a:extLst>
-            <a:ext uri="{C572A759-6A51-4108-AA02-DFA0A04FC94B}">
-              <ma14:wrappingTextBoxFlag xmlns:ma14="http://schemas.microsoft.com/office/mac/drawingml/2011/main" val="1"/>
-            </a:ext>
-          </a:extLst>
         </p:spPr>
         <p:txBody>
           <a:bodyPr lIns="0" tIns="0" rIns="0" bIns="0" anchor="ctr">
@@ -10435,16 +10826,16 @@
                 <a:srgbClr val="474747"/>
               </a:buClr>
               <a:buSzPct val="100000"/>
-              <a:buFont typeface="Microsoft YaHei"/>
+              <a:buFont typeface="微软雅黑" panose="020B0503020204020204" charset="-122"/>
               <a:buChar char="•"/>
               <a:defRPr sz="2000">
                 <a:solidFill>
                   <a:srgbClr val="474747"/>
                 </a:solidFill>
-                <a:latin typeface="Microsoft YaHei"/>
-                <a:ea typeface="Microsoft YaHei"/>
-                <a:cs typeface="Microsoft YaHei"/>
-                <a:sym typeface="Microsoft YaHei"/>
+                <a:latin typeface="微软雅黑" panose="020B0503020204020204" charset="-122"/>
+                <a:ea typeface="微软雅黑" panose="020B0503020204020204" charset="-122"/>
+                <a:cs typeface="微软雅黑" panose="020B0503020204020204" charset="-122"/>
+                <a:sym typeface="微软雅黑" panose="020B0503020204020204" charset="-122"/>
               </a:defRPr>
             </a:lvl1pPr>
           </a:lstStyle>
@@ -10464,6 +10855,11 @@
               </a:rPr>
               <a:t> 将 data 的属性代理到 vm 上</a:t>
             </a:r>
+            <a:endParaRPr sz="2000">
+              <a:solidFill>
+                <a:srgbClr val="474747"/>
+              </a:solidFill>
+            </a:endParaRPr>
           </a:p>
         </p:txBody>
       </p:sp>
@@ -10484,11 +10880,6 @@
           <a:ln w="12700">
             <a:miter lim="400000"/>
           </a:ln>
-          <a:extLst>
-            <a:ext uri="{C572A759-6A51-4108-AA02-DFA0A04FC94B}">
-              <ma14:wrappingTextBoxFlag xmlns:ma14="http://schemas.microsoft.com/office/mac/drawingml/2011/main" val="1"/>
-            </a:ext>
-          </a:extLst>
         </p:spPr>
         <p:txBody>
           <a:bodyPr lIns="0" tIns="0" rIns="0" bIns="0" anchor="ctr">
@@ -10500,16 +10891,16 @@
                 <a:srgbClr val="474747"/>
               </a:buClr>
               <a:buSzPct val="100000"/>
-              <a:buFont typeface="Microsoft YaHei"/>
+              <a:buFont typeface="微软雅黑" panose="020B0503020204020204" charset="-122"/>
               <a:buChar char="•"/>
               <a:defRPr sz="2000">
                 <a:solidFill>
                   <a:srgbClr val="474747"/>
                 </a:solidFill>
-                <a:latin typeface="Microsoft YaHei"/>
-                <a:ea typeface="Microsoft YaHei"/>
-                <a:cs typeface="Microsoft YaHei"/>
-                <a:sym typeface="Microsoft YaHei"/>
+                <a:latin typeface="微软雅黑" panose="020B0503020204020204" charset="-122"/>
+                <a:ea typeface="微软雅黑" panose="020B0503020204020204" charset="-122"/>
+                <a:cs typeface="微软雅黑" panose="020B0503020204020204" charset="-122"/>
+                <a:sym typeface="微软雅黑" panose="020B0503020204020204" charset="-122"/>
               </a:defRPr>
             </a:lvl1pPr>
           </a:lstStyle>
@@ -10529,6 +10920,11 @@
               </a:rPr>
               <a:t> 关键是理解 Object.defineProperty</a:t>
             </a:r>
+            <a:endParaRPr sz="2000">
+              <a:solidFill>
+                <a:srgbClr val="474747"/>
+              </a:solidFill>
+            </a:endParaRPr>
           </a:p>
         </p:txBody>
       </p:sp>
@@ -10549,11 +10945,6 @@
           <a:ln w="12700">
             <a:miter lim="400000"/>
           </a:ln>
-          <a:extLst>
-            <a:ext uri="{C572A759-6A51-4108-AA02-DFA0A04FC94B}">
-              <ma14:wrappingTextBoxFlag xmlns:ma14="http://schemas.microsoft.com/office/mac/drawingml/2011/main" val="1"/>
-            </a:ext>
-          </a:extLst>
         </p:spPr>
         <p:txBody>
           <a:bodyPr wrap="none" lIns="0" tIns="0" rIns="0" bIns="0">
@@ -10565,10 +10956,10 @@
                 <a:solidFill>
                   <a:srgbClr val="C94251"/>
                 </a:solidFill>
-                <a:latin typeface="Microsoft YaHei"/>
-                <a:ea typeface="Microsoft YaHei"/>
-                <a:cs typeface="Microsoft YaHei"/>
-                <a:sym typeface="Microsoft YaHei"/>
+                <a:latin typeface="微软雅黑" panose="020B0503020204020204" charset="-122"/>
+                <a:ea typeface="微软雅黑" panose="020B0503020204020204" charset="-122"/>
+                <a:cs typeface="微软雅黑" panose="020B0503020204020204" charset="-122"/>
+                <a:sym typeface="微软雅黑" panose="020B0503020204020204" charset="-122"/>
               </a:defRPr>
             </a:lvl1pPr>
           </a:lstStyle>
@@ -10588,6 +10979,11 @@
               </a:rPr>
               <a:t>vue 如何实现响应式</a:t>
             </a:r>
+            <a:endParaRPr sz="3000">
+              <a:solidFill>
+                <a:srgbClr val="C94251"/>
+              </a:solidFill>
+            </a:endParaRPr>
           </a:p>
         </p:txBody>
       </p:sp>
@@ -10596,14 +10992,14 @@
   <p:clrMapOvr>
     <a:masterClrMapping/>
   </p:clrMapOvr>
-  <p:transition spd="med" advClick="1"/>
+  <p:transition spd="med"/>
   <p:timing>
     <p:tnLst>
       <p:par>
-        <p:cTn id="1" nodeType="tmRoot" restart="never" dur="indefinite" fill="hold">
+        <p:cTn id="1" dur="indefinite" restart="never" fill="hold" nodeType="tmRoot">
           <p:childTnLst>
-            <p:seq concurrent="1" prevAc="none" nextAc="seek">
-              <p:cTn id="2" nodeType="mainSeq" dur="indefinite" fill="hold">
+            <p:seq concurrent="1" nextAc="seek">
+              <p:cTn id="2" dur="indefinite" fill="hold" nodeType="mainSeq">
                 <p:childTnLst>
                   <p:par>
                     <p:cTn id="3" fill="hold">
@@ -10618,17 +11014,17 @@
                             </p:stCondLst>
                             <p:childTnLst>
                               <p:par>
-                                <p:cTn id="5" nodeType="clickEffect" presetClass="entr" presetSubtype="4" presetID="2" grpId="1" fill="hold">
+                                <p:cTn id="5" presetID="2" presetClass="entr" presetSubtype="4" fill="hold" grpId="1" nodeType="clickEffect">
                                   <p:stCondLst>
                                     <p:cond delay="0"/>
                                   </p:stCondLst>
-                                  <p:iterate type="el" backwards="0">
+                                  <p:iterate type="el">
                                     <p:tmAbs val="0"/>
                                   </p:iterate>
                                   <p:childTnLst>
                                     <p:set>
                                       <p:cBhvr>
-                                        <p:cTn id="6" fill="hold"/>
+                                        <p:cTn id="6" dur="indefinite" fill="hold"/>
                                         <p:tgtEl>
                                           <p:spTgt spid="154"/>
                                         </p:tgtEl>
@@ -10708,17 +11104,17 @@
                             </p:stCondLst>
                             <p:childTnLst>
                               <p:par>
-                                <p:cTn id="11" nodeType="clickEffect" presetClass="entr" presetSubtype="4" presetID="2" grpId="2" fill="hold">
+                                <p:cTn id="11" presetID="2" presetClass="entr" presetSubtype="4" fill="hold" grpId="2" nodeType="clickEffect">
                                   <p:stCondLst>
                                     <p:cond delay="0"/>
                                   </p:stCondLst>
-                                  <p:iterate type="el" backwards="0">
+                                  <p:iterate type="el">
                                     <p:tmAbs val="0"/>
                                   </p:iterate>
                                   <p:childTnLst>
                                     <p:set>
                                       <p:cBhvr>
-                                        <p:cTn id="12" fill="hold"/>
+                                        <p:cTn id="12" dur="indefinite" fill="hold"/>
                                         <p:tgtEl>
                                           <p:spTgt spid="153"/>
                                         </p:tgtEl>
@@ -10807,15 +11203,15 @@
       </p:par>
     </p:tnLst>
     <p:bldLst>
-      <p:bldP build="whole" bldLvl="1" animBg="1" rev="0" advAuto="0" spid="153" grpId="2"/>
-      <p:bldP build="whole" bldLvl="1" animBg="1" rev="0" advAuto="0" spid="154" grpId="1"/>
+      <p:bldP spid="153" grpId="2" animBg="1" advAuto="0"/>
+      <p:bldP spid="154" grpId="1" animBg="1" advAuto="0"/>
     </p:bldLst>
   </p:timing>
 </p:sld>
 </file>
 
 <file path=ppt/slides/slide6.xml><?xml version="1.0" encoding="utf-8"?>
-<p:sld xmlns:a="http://schemas.openxmlformats.org/drawingml/2006/main" xmlns:r="http://schemas.openxmlformats.org/officeDocument/2006/relationships" xmlns:p="http://schemas.openxmlformats.org/presentationml/2006/main" showMasterSp="1" showMasterPhAnim="1">
+<p:sld xmlns:a="http://schemas.openxmlformats.org/drawingml/2006/main" xmlns:r="http://schemas.openxmlformats.org/officeDocument/2006/relationships" xmlns:p="http://schemas.openxmlformats.org/presentationml/2006/main">
   <p:cSld>
     <p:spTree>
       <p:nvGrpSpPr>
@@ -10848,11 +11244,6 @@
           <a:ln w="12700">
             <a:miter lim="400000"/>
           </a:ln>
-          <a:extLst>
-            <a:ext uri="{C572A759-6A51-4108-AA02-DFA0A04FC94B}">
-              <ma14:wrappingTextBoxFlag xmlns:ma14="http://schemas.microsoft.com/office/mac/drawingml/2011/main" val="1"/>
-            </a:ext>
-          </a:extLst>
         </p:spPr>
         <p:txBody>
           <a:bodyPr lIns="0" tIns="0" rIns="0" bIns="0" anchor="ctr">
@@ -10864,16 +11255,16 @@
                 <a:srgbClr val="474747"/>
               </a:buClr>
               <a:buSzPct val="100000"/>
-              <a:buFont typeface="Microsoft YaHei"/>
+              <a:buFont typeface="微软雅黑" panose="020B0503020204020204" charset="-122"/>
               <a:buChar char="•"/>
               <a:defRPr sz="2000">
                 <a:solidFill>
                   <a:srgbClr val="474747"/>
                 </a:solidFill>
-                <a:latin typeface="Microsoft YaHei"/>
-                <a:ea typeface="Microsoft YaHei"/>
-                <a:cs typeface="Microsoft YaHei"/>
-                <a:sym typeface="Microsoft YaHei"/>
+                <a:latin typeface="微软雅黑" panose="020B0503020204020204" charset="-122"/>
+                <a:ea typeface="微软雅黑" panose="020B0503020204020204" charset="-122"/>
+                <a:cs typeface="微软雅黑" panose="020B0503020204020204" charset="-122"/>
+                <a:sym typeface="微软雅黑" panose="020B0503020204020204" charset="-122"/>
               </a:defRPr>
             </a:lvl1pPr>
           </a:lstStyle>
@@ -10893,6 +11284,11 @@
               </a:rPr>
               <a:t> 模板必须转换为 JS 代码（有逻辑、渲染 html、JS 变量）</a:t>
             </a:r>
+            <a:endParaRPr sz="2000">
+              <a:solidFill>
+                <a:srgbClr val="474747"/>
+              </a:solidFill>
+            </a:endParaRPr>
           </a:p>
         </p:txBody>
       </p:sp>
@@ -10913,11 +11309,6 @@
           <a:ln w="12700">
             <a:miter lim="400000"/>
           </a:ln>
-          <a:extLst>
-            <a:ext uri="{C572A759-6A51-4108-AA02-DFA0A04FC94B}">
-              <ma14:wrappingTextBoxFlag xmlns:ma14="http://schemas.microsoft.com/office/mac/drawingml/2011/main" val="1"/>
-            </a:ext>
-          </a:extLst>
         </p:spPr>
         <p:txBody>
           <a:bodyPr lIns="0" tIns="0" rIns="0" bIns="0" anchor="ctr">
@@ -10929,16 +11320,16 @@
                 <a:srgbClr val="474747"/>
               </a:buClr>
               <a:buSzPct val="100000"/>
-              <a:buFont typeface="Microsoft YaHei"/>
+              <a:buFont typeface="微软雅黑" panose="020B0503020204020204" charset="-122"/>
               <a:buChar char="•"/>
               <a:defRPr sz="2000">
                 <a:solidFill>
                   <a:srgbClr val="474747"/>
                 </a:solidFill>
-                <a:latin typeface="Microsoft YaHei"/>
-                <a:ea typeface="Microsoft YaHei"/>
-                <a:cs typeface="Microsoft YaHei"/>
-                <a:sym typeface="Microsoft YaHei"/>
+                <a:latin typeface="微软雅黑" panose="020B0503020204020204" charset="-122"/>
+                <a:ea typeface="微软雅黑" panose="020B0503020204020204" charset="-122"/>
+                <a:cs typeface="微软雅黑" panose="020B0503020204020204" charset="-122"/>
+                <a:sym typeface="微软雅黑" panose="020B0503020204020204" charset="-122"/>
               </a:defRPr>
             </a:lvl1pPr>
           </a:lstStyle>
@@ -10958,6 +11349,11 @@
               </a:rPr>
               <a:t> 模板：字符串，有逻辑，嵌入 JS 变量……</a:t>
             </a:r>
+            <a:endParaRPr sz="2000">
+              <a:solidFill>
+                <a:srgbClr val="474747"/>
+              </a:solidFill>
+            </a:endParaRPr>
           </a:p>
         </p:txBody>
       </p:sp>
@@ -10978,11 +11374,6 @@
           <a:ln w="12700">
             <a:miter lim="400000"/>
           </a:ln>
-          <a:extLst>
-            <a:ext uri="{C572A759-6A51-4108-AA02-DFA0A04FC94B}">
-              <ma14:wrappingTextBoxFlag xmlns:ma14="http://schemas.microsoft.com/office/mac/drawingml/2011/main" val="1"/>
-            </a:ext>
-          </a:extLst>
         </p:spPr>
         <p:txBody>
           <a:bodyPr wrap="none" lIns="0" tIns="0" rIns="0" bIns="0">
@@ -10994,10 +11385,10 @@
                 <a:solidFill>
                   <a:srgbClr val="C94251"/>
                 </a:solidFill>
-                <a:latin typeface="Microsoft YaHei"/>
-                <a:ea typeface="Microsoft YaHei"/>
-                <a:cs typeface="Microsoft YaHei"/>
-                <a:sym typeface="Microsoft YaHei"/>
+                <a:latin typeface="微软雅黑" panose="020B0503020204020204" charset="-122"/>
+                <a:ea typeface="微软雅黑" panose="020B0503020204020204" charset="-122"/>
+                <a:cs typeface="微软雅黑" panose="020B0503020204020204" charset="-122"/>
+                <a:sym typeface="微软雅黑" panose="020B0503020204020204" charset="-122"/>
               </a:defRPr>
             </a:lvl1pPr>
           </a:lstStyle>
@@ -11017,6 +11408,11 @@
               </a:rPr>
               <a:t>vue 如何解析模板</a:t>
             </a:r>
+            <a:endParaRPr sz="3000">
+              <a:solidFill>
+                <a:srgbClr val="C94251"/>
+              </a:solidFill>
+            </a:endParaRPr>
           </a:p>
         </p:txBody>
       </p:sp>
@@ -11037,11 +11433,6 @@
           <a:ln w="12700">
             <a:miter lim="400000"/>
           </a:ln>
-          <a:extLst>
-            <a:ext uri="{C572A759-6A51-4108-AA02-DFA0A04FC94B}">
-              <ma14:wrappingTextBoxFlag xmlns:ma14="http://schemas.microsoft.com/office/mac/drawingml/2011/main" val="1"/>
-            </a:ext>
-          </a:extLst>
         </p:spPr>
         <p:txBody>
           <a:bodyPr lIns="0" tIns="0" rIns="0" bIns="0" anchor="ctr">
@@ -11053,16 +11444,16 @@
                 <a:srgbClr val="474747"/>
               </a:buClr>
               <a:buSzPct val="100000"/>
-              <a:buFont typeface="Microsoft YaHei"/>
+              <a:buFont typeface="微软雅黑" panose="020B0503020204020204" charset="-122"/>
               <a:buChar char="•"/>
               <a:defRPr sz="2000">
                 <a:solidFill>
                   <a:srgbClr val="474747"/>
                 </a:solidFill>
-                <a:latin typeface="Microsoft YaHei"/>
-                <a:ea typeface="Microsoft YaHei"/>
-                <a:cs typeface="Microsoft YaHei"/>
-                <a:sym typeface="Microsoft YaHei"/>
+                <a:latin typeface="微软雅黑" panose="020B0503020204020204" charset="-122"/>
+                <a:ea typeface="微软雅黑" panose="020B0503020204020204" charset="-122"/>
+                <a:cs typeface="微软雅黑" panose="020B0503020204020204" charset="-122"/>
+                <a:sym typeface="微软雅黑" panose="020B0503020204020204" charset="-122"/>
               </a:defRPr>
             </a:lvl1pPr>
           </a:lstStyle>
@@ -11082,6 +11473,11 @@
               </a:rPr>
               <a:t> render 函数是什么样子的</a:t>
             </a:r>
+            <a:endParaRPr sz="2000">
+              <a:solidFill>
+                <a:srgbClr val="474747"/>
+              </a:solidFill>
+            </a:endParaRPr>
           </a:p>
         </p:txBody>
       </p:sp>
@@ -11102,11 +11498,6 @@
           <a:ln w="12700">
             <a:miter lim="400000"/>
           </a:ln>
-          <a:extLst>
-            <a:ext uri="{C572A759-6A51-4108-AA02-DFA0A04FC94B}">
-              <ma14:wrappingTextBoxFlag xmlns:ma14="http://schemas.microsoft.com/office/mac/drawingml/2011/main" val="1"/>
-            </a:ext>
-          </a:extLst>
         </p:spPr>
         <p:txBody>
           <a:bodyPr lIns="0" tIns="0" rIns="0" bIns="0" anchor="ctr">
@@ -11118,16 +11509,16 @@
                 <a:srgbClr val="474747"/>
               </a:buClr>
               <a:buSzPct val="100000"/>
-              <a:buFont typeface="Microsoft YaHei"/>
+              <a:buFont typeface="微软雅黑" panose="020B0503020204020204" charset="-122"/>
               <a:buChar char="•"/>
               <a:defRPr sz="2000">
                 <a:solidFill>
                   <a:srgbClr val="474747"/>
                 </a:solidFill>
-                <a:latin typeface="Microsoft YaHei"/>
-                <a:ea typeface="Microsoft YaHei"/>
-                <a:cs typeface="Microsoft YaHei"/>
-                <a:sym typeface="Microsoft YaHei"/>
+                <a:latin typeface="微软雅黑" panose="020B0503020204020204" charset="-122"/>
+                <a:ea typeface="微软雅黑" panose="020B0503020204020204" charset="-122"/>
+                <a:cs typeface="微软雅黑" panose="020B0503020204020204" charset="-122"/>
+                <a:sym typeface="微软雅黑" panose="020B0503020204020204" charset="-122"/>
               </a:defRPr>
             </a:lvl1pPr>
           </a:lstStyle>
@@ -11147,6 +11538,11 @@
               </a:rPr>
               <a:t> render 函数执行是返回 vnode</a:t>
             </a:r>
+            <a:endParaRPr sz="2000">
+              <a:solidFill>
+                <a:srgbClr val="474747"/>
+              </a:solidFill>
+            </a:endParaRPr>
           </a:p>
         </p:txBody>
       </p:sp>
@@ -11167,11 +11563,6 @@
           <a:ln w="12700">
             <a:miter lim="400000"/>
           </a:ln>
-          <a:extLst>
-            <a:ext uri="{C572A759-6A51-4108-AA02-DFA0A04FC94B}">
-              <ma14:wrappingTextBoxFlag xmlns:ma14="http://schemas.microsoft.com/office/mac/drawingml/2011/main" val="1"/>
-            </a:ext>
-          </a:extLst>
         </p:spPr>
         <p:txBody>
           <a:bodyPr lIns="0" tIns="0" rIns="0" bIns="0" anchor="ctr">
@@ -11183,16 +11574,16 @@
                 <a:srgbClr val="474747"/>
               </a:buClr>
               <a:buSzPct val="100000"/>
-              <a:buFont typeface="Microsoft YaHei"/>
+              <a:buFont typeface="微软雅黑" panose="020B0503020204020204" charset="-122"/>
               <a:buChar char="•"/>
               <a:defRPr sz="2000">
                 <a:solidFill>
                   <a:srgbClr val="474747"/>
                 </a:solidFill>
-                <a:latin typeface="Microsoft YaHei"/>
-                <a:ea typeface="Microsoft YaHei"/>
-                <a:cs typeface="Microsoft YaHei"/>
-                <a:sym typeface="Microsoft YaHei"/>
+                <a:latin typeface="微软雅黑" panose="020B0503020204020204" charset="-122"/>
+                <a:ea typeface="微软雅黑" panose="020B0503020204020204" charset="-122"/>
+                <a:cs typeface="微软雅黑" panose="020B0503020204020204" charset="-122"/>
+                <a:sym typeface="微软雅黑" panose="020B0503020204020204" charset="-122"/>
               </a:defRPr>
             </a:lvl1pPr>
           </a:lstStyle>
@@ -11212,6 +11603,11 @@
               </a:rPr>
               <a:t> updateComponent</a:t>
             </a:r>
+            <a:endParaRPr sz="2000">
+              <a:solidFill>
+                <a:srgbClr val="474747"/>
+              </a:solidFill>
+            </a:endParaRPr>
           </a:p>
         </p:txBody>
       </p:sp>
@@ -11220,14 +11616,14 @@
   <p:clrMapOvr>
     <a:masterClrMapping/>
   </p:clrMapOvr>
-  <p:transition spd="med" advClick="1"/>
+  <p:transition spd="med"/>
   <p:timing>
     <p:tnLst>
       <p:par>
-        <p:cTn id="1" nodeType="tmRoot" restart="never" dur="indefinite" fill="hold">
+        <p:cTn id="1" dur="indefinite" restart="never" fill="hold" nodeType="tmRoot">
           <p:childTnLst>
-            <p:seq concurrent="1" prevAc="none" nextAc="seek">
-              <p:cTn id="2" nodeType="mainSeq" dur="indefinite" fill="hold">
+            <p:seq concurrent="1" nextAc="seek">
+              <p:cTn id="2" dur="indefinite" fill="hold" nodeType="mainSeq">
                 <p:childTnLst>
                   <p:par>
                     <p:cTn id="3" fill="hold">
@@ -11242,17 +11638,17 @@
                             </p:stCondLst>
                             <p:childTnLst>
                               <p:par>
-                                <p:cTn id="5" nodeType="clickEffect" presetClass="entr" presetSubtype="4" presetID="2" grpId="1" fill="hold">
+                                <p:cTn id="5" presetID="2" presetClass="entr" presetSubtype="4" fill="hold" grpId="1" nodeType="clickEffect">
                                   <p:stCondLst>
                                     <p:cond delay="0"/>
                                   </p:stCondLst>
-                                  <p:iterate type="el" backwards="0">
+                                  <p:iterate type="el">
                                     <p:tmAbs val="0"/>
                                   </p:iterate>
                                   <p:childTnLst>
                                     <p:set>
                                       <p:cBhvr>
-                                        <p:cTn id="6" fill="hold"/>
+                                        <p:cTn id="6" dur="indefinite" fill="hold"/>
                                         <p:tgtEl>
                                           <p:spTgt spid="158"/>
                                         </p:tgtEl>
@@ -11332,17 +11728,17 @@
                             </p:stCondLst>
                             <p:childTnLst>
                               <p:par>
-                                <p:cTn id="11" nodeType="clickEffect" presetClass="entr" presetSubtype="4" presetID="2" grpId="2" fill="hold">
+                                <p:cTn id="11" presetID="2" presetClass="entr" presetSubtype="4" fill="hold" grpId="2" nodeType="clickEffect">
                                   <p:stCondLst>
                                     <p:cond delay="0"/>
                                   </p:stCondLst>
-                                  <p:iterate type="el" backwards="0">
+                                  <p:iterate type="el">
                                     <p:tmAbs val="0"/>
                                   </p:iterate>
                                   <p:childTnLst>
                                     <p:set>
                                       <p:cBhvr>
-                                        <p:cTn id="12" fill="hold"/>
+                                        <p:cTn id="12" dur="indefinite" fill="hold"/>
                                         <p:tgtEl>
                                           <p:spTgt spid="157"/>
                                         </p:tgtEl>
@@ -11422,17 +11818,17 @@
                             </p:stCondLst>
                             <p:childTnLst>
                               <p:par>
-                                <p:cTn id="17" nodeType="clickEffect" presetClass="entr" presetSubtype="4" presetID="2" grpId="3" fill="hold">
+                                <p:cTn id="17" presetID="2" presetClass="entr" presetSubtype="4" fill="hold" grpId="3" nodeType="clickEffect">
                                   <p:stCondLst>
                                     <p:cond delay="0"/>
                                   </p:stCondLst>
-                                  <p:iterate type="el" backwards="0">
+                                  <p:iterate type="el">
                                     <p:tmAbs val="0"/>
                                   </p:iterate>
                                   <p:childTnLst>
                                     <p:set>
                                       <p:cBhvr>
-                                        <p:cTn id="18" fill="hold"/>
+                                        <p:cTn id="18" dur="indefinite" fill="hold"/>
                                         <p:tgtEl>
                                           <p:spTgt spid="160"/>
                                         </p:tgtEl>
@@ -11512,17 +11908,17 @@
                             </p:stCondLst>
                             <p:childTnLst>
                               <p:par>
-                                <p:cTn id="23" nodeType="clickEffect" presetClass="entr" presetSubtype="4" presetID="2" grpId="4" fill="hold">
+                                <p:cTn id="23" presetID="2" presetClass="entr" presetSubtype="4" fill="hold" grpId="4" nodeType="clickEffect">
                                   <p:stCondLst>
                                     <p:cond delay="0"/>
                                   </p:stCondLst>
-                                  <p:iterate type="el" backwards="0">
+                                  <p:iterate type="el">
                                     <p:tmAbs val="0"/>
                                   </p:iterate>
                                   <p:childTnLst>
                                     <p:set>
                                       <p:cBhvr>
-                                        <p:cTn id="24" fill="hold"/>
+                                        <p:cTn id="24" dur="indefinite" fill="hold"/>
                                         <p:tgtEl>
                                           <p:spTgt spid="161"/>
                                         </p:tgtEl>
@@ -11602,17 +11998,17 @@
                             </p:stCondLst>
                             <p:childTnLst>
                               <p:par>
-                                <p:cTn id="29" nodeType="clickEffect" presetClass="entr" presetSubtype="4" presetID="2" grpId="5" fill="hold">
+                                <p:cTn id="29" presetID="2" presetClass="entr" presetSubtype="4" fill="hold" grpId="5" nodeType="clickEffect">
                                   <p:stCondLst>
                                     <p:cond delay="0"/>
                                   </p:stCondLst>
-                                  <p:iterate type="el" backwards="0">
+                                  <p:iterate type="el">
                                     <p:tmAbs val="0"/>
                                   </p:iterate>
                                   <p:childTnLst>
                                     <p:set>
                                       <p:cBhvr>
-                                        <p:cTn id="30" fill="hold"/>
+                                        <p:cTn id="30" dur="indefinite" fill="hold"/>
                                         <p:tgtEl>
                                           <p:spTgt spid="162"/>
                                         </p:tgtEl>
@@ -11701,18 +12097,18 @@
       </p:par>
     </p:tnLst>
     <p:bldLst>
-      <p:bldP build="whole" bldLvl="1" animBg="1" rev="0" advAuto="0" spid="160" grpId="3"/>
-      <p:bldP build="whole" bldLvl="1" animBg="1" rev="0" advAuto="0" spid="157" grpId="2"/>
-      <p:bldP build="whole" bldLvl="1" animBg="1" rev="0" advAuto="0" spid="161" grpId="4"/>
-      <p:bldP build="whole" bldLvl="1" animBg="1" rev="0" advAuto="0" spid="158" grpId="1"/>
-      <p:bldP build="whole" bldLvl="1" animBg="1" rev="0" advAuto="0" spid="162" grpId="5"/>
+      <p:bldP spid="160" grpId="3" animBg="1" advAuto="0"/>
+      <p:bldP spid="157" grpId="2" animBg="1" advAuto="0"/>
+      <p:bldP spid="161" grpId="4" animBg="1" advAuto="0"/>
+      <p:bldP spid="158" grpId="1" animBg="1" advAuto="0"/>
+      <p:bldP spid="162" grpId="5" animBg="1" advAuto="0"/>
     </p:bldLst>
   </p:timing>
 </p:sld>
 </file>
 
 <file path=ppt/slides/slide7.xml><?xml version="1.0" encoding="utf-8"?>
-<p:sld xmlns:a="http://schemas.openxmlformats.org/drawingml/2006/main" xmlns:r="http://schemas.openxmlformats.org/officeDocument/2006/relationships" xmlns:p="http://schemas.openxmlformats.org/presentationml/2006/main" showMasterSp="1" showMasterPhAnim="1">
+<p:sld xmlns:a="http://schemas.openxmlformats.org/drawingml/2006/main" xmlns:r="http://schemas.openxmlformats.org/officeDocument/2006/relationships" xmlns:p="http://schemas.openxmlformats.org/presentationml/2006/main">
   <p:cSld>
     <p:spTree>
       <p:nvGrpSpPr>
@@ -11745,11 +12141,6 @@
           <a:ln w="12700">
             <a:miter lim="400000"/>
           </a:ln>
-          <a:extLst>
-            <a:ext uri="{C572A759-6A51-4108-AA02-DFA0A04FC94B}">
-              <ma14:wrappingTextBoxFlag xmlns:ma14="http://schemas.microsoft.com/office/mac/drawingml/2011/main" val="1"/>
-            </a:ext>
-          </a:extLst>
         </p:spPr>
         <p:txBody>
           <a:bodyPr lIns="0" tIns="0" rIns="0" bIns="0" anchor="ctr">
@@ -11761,16 +12152,16 @@
                 <a:srgbClr val="474747"/>
               </a:buClr>
               <a:buSzPct val="100000"/>
-              <a:buFont typeface="Microsoft YaHei"/>
+              <a:buFont typeface="微软雅黑" panose="020B0503020204020204" charset="-122"/>
               <a:buChar char="•"/>
               <a:defRPr sz="2000">
                 <a:solidFill>
                   <a:srgbClr val="474747"/>
                 </a:solidFill>
-                <a:latin typeface="Microsoft YaHei"/>
-                <a:ea typeface="Microsoft YaHei"/>
-                <a:cs typeface="Microsoft YaHei"/>
-                <a:sym typeface="Microsoft YaHei"/>
+                <a:latin typeface="微软雅黑" panose="020B0503020204020204" charset="-122"/>
+                <a:ea typeface="微软雅黑" panose="020B0503020204020204" charset="-122"/>
+                <a:cs typeface="微软雅黑" panose="020B0503020204020204" charset="-122"/>
+                <a:sym typeface="微软雅黑" panose="020B0503020204020204" charset="-122"/>
               </a:defRPr>
             </a:lvl1pPr>
           </a:lstStyle>
@@ -11790,6 +12181,11 @@
               </a:rPr>
               <a:t> 第二步：响应式开始监听</a:t>
             </a:r>
+            <a:endParaRPr sz="2000">
+              <a:solidFill>
+                <a:srgbClr val="474747"/>
+              </a:solidFill>
+            </a:endParaRPr>
           </a:p>
         </p:txBody>
       </p:sp>
@@ -11810,11 +12206,6 @@
           <a:ln w="12700">
             <a:miter lim="400000"/>
           </a:ln>
-          <a:extLst>
-            <a:ext uri="{C572A759-6A51-4108-AA02-DFA0A04FC94B}">
-              <ma14:wrappingTextBoxFlag xmlns:ma14="http://schemas.microsoft.com/office/mac/drawingml/2011/main" val="1"/>
-            </a:ext>
-          </a:extLst>
         </p:spPr>
         <p:txBody>
           <a:bodyPr lIns="0" tIns="0" rIns="0" bIns="0" anchor="ctr">
@@ -11826,16 +12217,16 @@
                 <a:srgbClr val="474747"/>
               </a:buClr>
               <a:buSzPct val="100000"/>
-              <a:buFont typeface="Microsoft YaHei"/>
+              <a:buFont typeface="微软雅黑" panose="020B0503020204020204" charset="-122"/>
               <a:buChar char="•"/>
               <a:defRPr sz="2000">
                 <a:solidFill>
                   <a:srgbClr val="474747"/>
                 </a:solidFill>
-                <a:latin typeface="Microsoft YaHei"/>
-                <a:ea typeface="Microsoft YaHei"/>
-                <a:cs typeface="Microsoft YaHei"/>
-                <a:sym typeface="Microsoft YaHei"/>
+                <a:latin typeface="微软雅黑" panose="020B0503020204020204" charset="-122"/>
+                <a:ea typeface="微软雅黑" panose="020B0503020204020204" charset="-122"/>
+                <a:cs typeface="微软雅黑" panose="020B0503020204020204" charset="-122"/>
+                <a:sym typeface="微软雅黑" panose="020B0503020204020204" charset="-122"/>
               </a:defRPr>
             </a:lvl1pPr>
           </a:lstStyle>
@@ -11855,6 +12246,11 @@
               </a:rPr>
               <a:t> 第一步：解析模板成 render 函数</a:t>
             </a:r>
+            <a:endParaRPr sz="2000">
+              <a:solidFill>
+                <a:srgbClr val="474747"/>
+              </a:solidFill>
+            </a:endParaRPr>
           </a:p>
         </p:txBody>
       </p:sp>
@@ -11875,11 +12271,6 @@
           <a:ln w="12700">
             <a:miter lim="400000"/>
           </a:ln>
-          <a:extLst>
-            <a:ext uri="{C572A759-6A51-4108-AA02-DFA0A04FC94B}">
-              <ma14:wrappingTextBoxFlag xmlns:ma14="http://schemas.microsoft.com/office/mac/drawingml/2011/main" val="1"/>
-            </a:ext>
-          </a:extLst>
         </p:spPr>
         <p:txBody>
           <a:bodyPr wrap="none" lIns="0" tIns="0" rIns="0" bIns="0">
@@ -11891,10 +12282,10 @@
                 <a:solidFill>
                   <a:srgbClr val="C94251"/>
                 </a:solidFill>
-                <a:latin typeface="Microsoft YaHei"/>
-                <a:ea typeface="Microsoft YaHei"/>
-                <a:cs typeface="Microsoft YaHei"/>
-                <a:sym typeface="Microsoft YaHei"/>
+                <a:latin typeface="微软雅黑" panose="020B0503020204020204" charset="-122"/>
+                <a:ea typeface="微软雅黑" panose="020B0503020204020204" charset="-122"/>
+                <a:cs typeface="微软雅黑" panose="020B0503020204020204" charset="-122"/>
+                <a:sym typeface="微软雅黑" panose="020B0503020204020204" charset="-122"/>
               </a:defRPr>
             </a:lvl1pPr>
           </a:lstStyle>
@@ -11914,6 +12305,11 @@
               </a:rPr>
               <a:t>vue 实现的整体流程</a:t>
             </a:r>
+            <a:endParaRPr sz="3000">
+              <a:solidFill>
+                <a:srgbClr val="C94251"/>
+              </a:solidFill>
+            </a:endParaRPr>
           </a:p>
         </p:txBody>
       </p:sp>
@@ -11934,11 +12330,6 @@
           <a:ln w="12700">
             <a:miter lim="400000"/>
           </a:ln>
-          <a:extLst>
-            <a:ext uri="{C572A759-6A51-4108-AA02-DFA0A04FC94B}">
-              <ma14:wrappingTextBoxFlag xmlns:ma14="http://schemas.microsoft.com/office/mac/drawingml/2011/main" val="1"/>
-            </a:ext>
-          </a:extLst>
         </p:spPr>
         <p:txBody>
           <a:bodyPr lIns="0" tIns="0" rIns="0" bIns="0" anchor="ctr">
@@ -11950,16 +12341,16 @@
                 <a:srgbClr val="474747"/>
               </a:buClr>
               <a:buSzPct val="100000"/>
-              <a:buFont typeface="Microsoft YaHei"/>
+              <a:buFont typeface="微软雅黑" panose="020B0503020204020204" charset="-122"/>
               <a:buChar char="•"/>
               <a:defRPr sz="2000">
                 <a:solidFill>
                   <a:srgbClr val="474747"/>
                 </a:solidFill>
-                <a:latin typeface="Microsoft YaHei"/>
-                <a:ea typeface="Microsoft YaHei"/>
-                <a:cs typeface="Microsoft YaHei"/>
-                <a:sym typeface="Microsoft YaHei"/>
+                <a:latin typeface="微软雅黑" panose="020B0503020204020204" charset="-122"/>
+                <a:ea typeface="微软雅黑" panose="020B0503020204020204" charset="-122"/>
+                <a:cs typeface="微软雅黑" panose="020B0503020204020204" charset="-122"/>
+                <a:sym typeface="微软雅黑" panose="020B0503020204020204" charset="-122"/>
               </a:defRPr>
             </a:lvl1pPr>
           </a:lstStyle>
@@ -11979,6 +12370,11 @@
               </a:rPr>
               <a:t> 第三步：首次渲染，显示页面，且绑定依赖</a:t>
             </a:r>
+            <a:endParaRPr sz="2000">
+              <a:solidFill>
+                <a:srgbClr val="474747"/>
+              </a:solidFill>
+            </a:endParaRPr>
           </a:p>
         </p:txBody>
       </p:sp>
@@ -11999,11 +12395,6 @@
           <a:ln w="12700">
             <a:miter lim="400000"/>
           </a:ln>
-          <a:extLst>
-            <a:ext uri="{C572A759-6A51-4108-AA02-DFA0A04FC94B}">
-              <ma14:wrappingTextBoxFlag xmlns:ma14="http://schemas.microsoft.com/office/mac/drawingml/2011/main" val="1"/>
-            </a:ext>
-          </a:extLst>
         </p:spPr>
         <p:txBody>
           <a:bodyPr lIns="0" tIns="0" rIns="0" bIns="0" anchor="ctr">
@@ -12015,16 +12406,16 @@
                 <a:srgbClr val="474747"/>
               </a:buClr>
               <a:buSzPct val="100000"/>
-              <a:buFont typeface="Microsoft YaHei"/>
+              <a:buFont typeface="微软雅黑" panose="020B0503020204020204" charset="-122"/>
               <a:buChar char="•"/>
               <a:defRPr sz="2000">
                 <a:solidFill>
                   <a:srgbClr val="474747"/>
                 </a:solidFill>
-                <a:latin typeface="Microsoft YaHei"/>
-                <a:ea typeface="Microsoft YaHei"/>
-                <a:cs typeface="Microsoft YaHei"/>
-                <a:sym typeface="Microsoft YaHei"/>
+                <a:latin typeface="微软雅黑" panose="020B0503020204020204" charset="-122"/>
+                <a:ea typeface="微软雅黑" panose="020B0503020204020204" charset="-122"/>
+                <a:cs typeface="微软雅黑" panose="020B0503020204020204" charset="-122"/>
+                <a:sym typeface="微软雅黑" panose="020B0503020204020204" charset="-122"/>
               </a:defRPr>
             </a:lvl1pPr>
           </a:lstStyle>
@@ -12044,6 +12435,11 @@
               </a:rPr>
               <a:t> 第四步：data 属性变化，触发 rerender</a:t>
             </a:r>
+            <a:endParaRPr sz="2000">
+              <a:solidFill>
+                <a:srgbClr val="474747"/>
+              </a:solidFill>
+            </a:endParaRPr>
           </a:p>
         </p:txBody>
       </p:sp>
@@ -12052,14 +12448,14 @@
   <p:clrMapOvr>
     <a:masterClrMapping/>
   </p:clrMapOvr>
-  <p:transition spd="med" advClick="1"/>
+  <p:transition spd="med"/>
   <p:timing>
     <p:tnLst>
       <p:par>
-        <p:cTn id="1" nodeType="tmRoot" restart="never" dur="indefinite" fill="hold">
+        <p:cTn id="1" dur="indefinite" restart="never" fill="hold" nodeType="tmRoot">
           <p:childTnLst>
-            <p:seq concurrent="1" prevAc="none" nextAc="seek">
-              <p:cTn id="2" nodeType="mainSeq" dur="indefinite" fill="hold">
+            <p:seq concurrent="1" nextAc="seek">
+              <p:cTn id="2" dur="indefinite" fill="hold" nodeType="mainSeq">
                 <p:childTnLst>
                   <p:par>
                     <p:cTn id="3" fill="hold">
@@ -12074,17 +12470,17 @@
                             </p:stCondLst>
                             <p:childTnLst>
                               <p:par>
-                                <p:cTn id="5" nodeType="clickEffect" presetClass="entr" presetSubtype="4" presetID="2" grpId="1" fill="hold">
+                                <p:cTn id="5" presetID="2" presetClass="entr" presetSubtype="4" fill="hold" grpId="1" nodeType="clickEffect">
                                   <p:stCondLst>
                                     <p:cond delay="0"/>
                                   </p:stCondLst>
-                                  <p:iterate type="el" backwards="0">
+                                  <p:iterate type="el">
                                     <p:tmAbs val="0"/>
                                   </p:iterate>
                                   <p:childTnLst>
                                     <p:set>
                                       <p:cBhvr>
-                                        <p:cTn id="6" fill="hold"/>
+                                        <p:cTn id="6" dur="indefinite" fill="hold"/>
                                         <p:tgtEl>
                                           <p:spTgt spid="165"/>
                                         </p:tgtEl>
@@ -12164,17 +12560,17 @@
                             </p:stCondLst>
                             <p:childTnLst>
                               <p:par>
-                                <p:cTn id="11" nodeType="clickEffect" presetClass="entr" presetSubtype="4" presetID="2" grpId="2" fill="hold">
+                                <p:cTn id="11" presetID="2" presetClass="entr" presetSubtype="4" fill="hold" grpId="2" nodeType="clickEffect">
                                   <p:stCondLst>
                                     <p:cond delay="0"/>
                                   </p:stCondLst>
-                                  <p:iterate type="el" backwards="0">
+                                  <p:iterate type="el">
                                     <p:tmAbs val="0"/>
                                   </p:iterate>
                                   <p:childTnLst>
                                     <p:set>
                                       <p:cBhvr>
-                                        <p:cTn id="12" fill="hold"/>
+                                        <p:cTn id="12" dur="indefinite" fill="hold"/>
                                         <p:tgtEl>
                                           <p:spTgt spid="164"/>
                                         </p:tgtEl>
@@ -12254,17 +12650,17 @@
                             </p:stCondLst>
                             <p:childTnLst>
                               <p:par>
-                                <p:cTn id="17" nodeType="clickEffect" presetClass="entr" presetSubtype="4" presetID="2" grpId="3" fill="hold">
+                                <p:cTn id="17" presetID="2" presetClass="entr" presetSubtype="4" fill="hold" grpId="3" nodeType="clickEffect">
                                   <p:stCondLst>
                                     <p:cond delay="0"/>
                                   </p:stCondLst>
-                                  <p:iterate type="el" backwards="0">
+                                  <p:iterate type="el">
                                     <p:tmAbs val="0"/>
                                   </p:iterate>
                                   <p:childTnLst>
                                     <p:set>
                                       <p:cBhvr>
-                                        <p:cTn id="18" fill="hold"/>
+                                        <p:cTn id="18" dur="indefinite" fill="hold"/>
                                         <p:tgtEl>
                                           <p:spTgt spid="167"/>
                                         </p:tgtEl>
@@ -12344,17 +12740,17 @@
                             </p:stCondLst>
                             <p:childTnLst>
                               <p:par>
-                                <p:cTn id="23" nodeType="clickEffect" presetClass="entr" presetSubtype="4" presetID="2" grpId="4" fill="hold">
+                                <p:cTn id="23" presetID="2" presetClass="entr" presetSubtype="4" fill="hold" grpId="4" nodeType="clickEffect">
                                   <p:stCondLst>
                                     <p:cond delay="0"/>
                                   </p:stCondLst>
-                                  <p:iterate type="el" backwards="0">
+                                  <p:iterate type="el">
                                     <p:tmAbs val="0"/>
                                   </p:iterate>
                                   <p:childTnLst>
                                     <p:set>
                                       <p:cBhvr>
-                                        <p:cTn id="24" fill="hold"/>
+                                        <p:cTn id="24" dur="indefinite" fill="hold"/>
                                         <p:tgtEl>
                                           <p:spTgt spid="168"/>
                                         </p:tgtEl>
@@ -12443,17 +12839,27 @@
       </p:par>
     </p:tnLst>
     <p:bldLst>
-      <p:bldP build="whole" bldLvl="1" animBg="1" rev="0" advAuto="0" spid="167" grpId="3"/>
-      <p:bldP build="whole" bldLvl="1" animBg="1" rev="0" advAuto="0" spid="165" grpId="1"/>
-      <p:bldP build="whole" bldLvl="1" animBg="1" rev="0" advAuto="0" spid="164" grpId="2"/>
-      <p:bldP build="whole" bldLvl="1" animBg="1" rev="0" advAuto="0" spid="168" grpId="4"/>
+      <p:bldP spid="167" grpId="3" animBg="1" advAuto="0"/>
+      <p:bldP spid="165" grpId="1" animBg="1" advAuto="0"/>
+      <p:bldP spid="164" grpId="2" animBg="1" advAuto="0"/>
+      <p:bldP spid="168" grpId="4" animBg="1" advAuto="0"/>
     </p:bldLst>
   </p:timing>
 </p:sld>
 </file>
 
+<file path=ppt/tags/tag1.xml><?xml version="1.0" encoding="utf-8"?>
+<p:tagLst xmlns:p="http://schemas.openxmlformats.org/presentationml/2006/main">
+  <p:tag name="KSO_WM_TEMPLATE_TOPIC_ID" val="2869567"/>
+  <p:tag name="KSO_WM_TEMPLATE_OUTLINE_ID" val="15"/>
+  <p:tag name="KSO_WM_TEMPLATE_SCENE_ID" val="1"/>
+  <p:tag name="KSO_WM_TEMPLATE_JOB_ID" val="2"/>
+  <p:tag name="KSO_WM_TEMPLATE_TOPIC_DEFAULT" val="1"/>
+</p:tagLst>
+</file>
+
 <file path=ppt/theme/theme1.xml><?xml version="1.0" encoding="utf-8"?>
-<a:theme xmlns:a="http://schemas.openxmlformats.org/drawingml/2006/main" xmlns:r="http://schemas.openxmlformats.org/officeDocument/2006/relationships" name="Default">
+<a:theme xmlns:a="http://schemas.openxmlformats.org/drawingml/2006/main" name="Default">
   <a:themeElements>
     <a:clrScheme name="Default">
       <a:dk1>
@@ -12652,7 +13058,6 @@
           <a:prstDash val="solid"/>
           <a:bevel/>
         </a:ln>
-        <a:effectLst/>
       </a:spPr>
       <a:bodyPr rot="0" spcFirstLastPara="1" vertOverflow="overflow" horzOverflow="overflow" vert="horz" wrap="square" lIns="45718" tIns="45718" rIns="45718" bIns="45718" numCol="1" spcCol="38100" rtlCol="0" anchor="ctr" upright="0">
         <a:spAutoFit/>
@@ -12672,8 +13077,7 @@
           <a:buSzTx/>
           <a:buFontTx/>
           <a:buNone/>
-          <a:tabLst/>
-          <a:defRPr b="0" baseline="0" cap="none" i="0" spc="0" strike="noStrike" sz="1800" u="none" kumimoji="0" normalizeH="0">
+          <a:defRPr kumimoji="0" sz="1800" b="0" i="0" u="none" strike="noStrike" cap="none" spc="0" normalizeH="0" baseline="0">
             <a:ln>
               <a:noFill/>
             </a:ln>
@@ -12702,8 +13106,7 @@
           <a:buSzTx/>
           <a:buFontTx/>
           <a:buNone/>
-          <a:tabLst/>
-          <a:defRPr b="0" baseline="0" cap="none" i="0" spc="0" strike="noStrike" sz="1800" u="none" kumimoji="0" normalizeH="0">
+          <a:defRPr kumimoji="0" sz="1800" b="0" i="0" u="none" strike="noStrike" cap="none" spc="0" normalizeH="0" baseline="0">
             <a:ln>
               <a:noFill/>
             </a:ln>
@@ -12728,8 +13131,7 @@
           <a:buSzTx/>
           <a:buFontTx/>
           <a:buNone/>
-          <a:tabLst/>
-          <a:defRPr b="0" baseline="0" cap="none" i="0" spc="0" strike="noStrike" sz="1800" u="none" kumimoji="0" normalizeH="0">
+          <a:defRPr kumimoji="0" sz="1800" b="0" i="0" u="none" strike="noStrike" cap="none" spc="0" normalizeH="0" baseline="0">
             <a:ln>
               <a:noFill/>
             </a:ln>
@@ -12754,8 +13156,7 @@
           <a:buSzTx/>
           <a:buFontTx/>
           <a:buNone/>
-          <a:tabLst/>
-          <a:defRPr b="0" baseline="0" cap="none" i="0" spc="0" strike="noStrike" sz="1800" u="none" kumimoji="0" normalizeH="0">
+          <a:defRPr kumimoji="0" sz="1800" b="0" i="0" u="none" strike="noStrike" cap="none" spc="0" normalizeH="0" baseline="0">
             <a:ln>
               <a:noFill/>
             </a:ln>
@@ -12780,8 +13181,7 @@
           <a:buSzTx/>
           <a:buFontTx/>
           <a:buNone/>
-          <a:tabLst/>
-          <a:defRPr b="0" baseline="0" cap="none" i="0" spc="0" strike="noStrike" sz="1800" u="none" kumimoji="0" normalizeH="0">
+          <a:defRPr kumimoji="0" sz="1800" b="0" i="0" u="none" strike="noStrike" cap="none" spc="0" normalizeH="0" baseline="0">
             <a:ln>
               <a:noFill/>
             </a:ln>
@@ -12806,8 +13206,7 @@
           <a:buSzTx/>
           <a:buFontTx/>
           <a:buNone/>
-          <a:tabLst/>
-          <a:defRPr b="0" baseline="0" cap="none" i="0" spc="0" strike="noStrike" sz="1800" u="none" kumimoji="0" normalizeH="0">
+          <a:defRPr kumimoji="0" sz="1800" b="0" i="0" u="none" strike="noStrike" cap="none" spc="0" normalizeH="0" baseline="0">
             <a:ln>
               <a:noFill/>
             </a:ln>
@@ -12832,8 +13231,7 @@
           <a:buSzTx/>
           <a:buFontTx/>
           <a:buNone/>
-          <a:tabLst/>
-          <a:defRPr b="0" baseline="0" cap="none" i="0" spc="0" strike="noStrike" sz="1800" u="none" kumimoji="0" normalizeH="0">
+          <a:defRPr kumimoji="0" sz="1800" b="0" i="0" u="none" strike="noStrike" cap="none" spc="0" normalizeH="0" baseline="0">
             <a:ln>
               <a:noFill/>
             </a:ln>
@@ -12858,8 +13256,7 @@
           <a:buSzTx/>
           <a:buFontTx/>
           <a:buNone/>
-          <a:tabLst/>
-          <a:defRPr b="0" baseline="0" cap="none" i="0" spc="0" strike="noStrike" sz="1800" u="none" kumimoji="0" normalizeH="0">
+          <a:defRPr kumimoji="0" sz="1800" b="0" i="0" u="none" strike="noStrike" cap="none" spc="0" normalizeH="0" baseline="0">
             <a:ln>
               <a:noFill/>
             </a:ln>
@@ -12884,8 +13281,7 @@
           <a:buSzTx/>
           <a:buFontTx/>
           <a:buNone/>
-          <a:tabLst/>
-          <a:defRPr b="0" baseline="0" cap="none" i="0" spc="0" strike="noStrike" sz="1800" u="none" kumimoji="0" normalizeH="0">
+          <a:defRPr kumimoji="0" sz="1800" b="0" i="0" u="none" strike="noStrike" cap="none" spc="0" normalizeH="0" baseline="0">
             <a:ln>
               <a:noFill/>
             </a:ln>
@@ -12910,8 +13306,7 @@
           <a:buSzTx/>
           <a:buFontTx/>
           <a:buNone/>
-          <a:tabLst/>
-          <a:defRPr b="0" baseline="0" cap="none" i="0" spc="0" strike="noStrike" sz="1800" u="none" kumimoji="0" normalizeH="0">
+          <a:defRPr kumimoji="0" sz="1800" b="0" i="0" u="none" strike="noStrike" cap="none" spc="0" normalizeH="0" baseline="0">
             <a:ln>
               <a:noFill/>
             </a:ln>
@@ -12924,9 +13319,15 @@
         </a:lvl9pPr>
       </a:lstStyle>
       <a:style>
-        <a:lnRef idx="0"/>
-        <a:fillRef idx="0"/>
-        <a:effectRef idx="0"/>
+        <a:lnRef idx="0">
+          <a:srgbClr val="FFFFFF"/>
+        </a:lnRef>
+        <a:fillRef idx="0">
+          <a:srgbClr val="FFFFFF"/>
+        </a:fillRef>
+        <a:effectRef idx="0">
+          <a:srgbClr val="FFFFFF"/>
+        </a:effectRef>
         <a:fontRef idx="none"/>
       </a:style>
     </a:spDef>
@@ -12940,7 +13341,6 @@
           <a:prstDash val="solid"/>
           <a:bevel/>
         </a:ln>
-        <a:effectLst/>
       </a:spPr>
       <a:bodyPr rot="0" spcFirstLastPara="1" vertOverflow="overflow" horzOverflow="overflow" vert="horz" wrap="square" lIns="91439" tIns="45719" rIns="91439" bIns="45719" numCol="1" spcCol="38100" rtlCol="0" anchor="t" upright="0">
         <a:noAutofit/>
@@ -12960,8 +13360,7 @@
           <a:buSzTx/>
           <a:buFontTx/>
           <a:buNone/>
-          <a:tabLst/>
-          <a:defRPr b="0" baseline="0" cap="none" i="0" spc="0" strike="noStrike" sz="1800" u="none" kumimoji="0" normalizeH="0">
+          <a:defRPr kumimoji="0" sz="1800" b="0" i="0" u="none" strike="noStrike" cap="none" spc="0" normalizeH="0" baseline="0">
             <a:ln>
               <a:noFill/>
             </a:ln>
@@ -12986,8 +13385,7 @@
           <a:buSzTx/>
           <a:buFontTx/>
           <a:buNone/>
-          <a:tabLst/>
-          <a:defRPr b="0" baseline="0" cap="none" i="0" spc="0" strike="noStrike" sz="1800" u="none" kumimoji="0" normalizeH="0">
+          <a:defRPr kumimoji="0" sz="1800" b="0" i="0" u="none" strike="noStrike" cap="none" spc="0" normalizeH="0" baseline="0">
             <a:ln>
               <a:noFill/>
             </a:ln>
@@ -13012,8 +13410,7 @@
           <a:buSzTx/>
           <a:buFontTx/>
           <a:buNone/>
-          <a:tabLst/>
-          <a:defRPr b="0" baseline="0" cap="none" i="0" spc="0" strike="noStrike" sz="1800" u="none" kumimoji="0" normalizeH="0">
+          <a:defRPr kumimoji="0" sz="1800" b="0" i="0" u="none" strike="noStrike" cap="none" spc="0" normalizeH="0" baseline="0">
             <a:ln>
               <a:noFill/>
             </a:ln>
@@ -13038,8 +13435,7 @@
           <a:buSzTx/>
           <a:buFontTx/>
           <a:buNone/>
-          <a:tabLst/>
-          <a:defRPr b="0" baseline="0" cap="none" i="0" spc="0" strike="noStrike" sz="1800" u="none" kumimoji="0" normalizeH="0">
+          <a:defRPr kumimoji="0" sz="1800" b="0" i="0" u="none" strike="noStrike" cap="none" spc="0" normalizeH="0" baseline="0">
             <a:ln>
               <a:noFill/>
             </a:ln>
@@ -13064,8 +13460,7 @@
           <a:buSzTx/>
           <a:buFontTx/>
           <a:buNone/>
-          <a:tabLst/>
-          <a:defRPr b="0" baseline="0" cap="none" i="0" spc="0" strike="noStrike" sz="1800" u="none" kumimoji="0" normalizeH="0">
+          <a:defRPr kumimoji="0" sz="1800" b="0" i="0" u="none" strike="noStrike" cap="none" spc="0" normalizeH="0" baseline="0">
             <a:ln>
               <a:noFill/>
             </a:ln>
@@ -13090,8 +13485,7 @@
           <a:buSzTx/>
           <a:buFontTx/>
           <a:buNone/>
-          <a:tabLst/>
-          <a:defRPr b="0" baseline="0" cap="none" i="0" spc="0" strike="noStrike" sz="1800" u="none" kumimoji="0" normalizeH="0">
+          <a:defRPr kumimoji="0" sz="1800" b="0" i="0" u="none" strike="noStrike" cap="none" spc="0" normalizeH="0" baseline="0">
             <a:ln>
               <a:noFill/>
             </a:ln>
@@ -13116,8 +13510,7 @@
           <a:buSzTx/>
           <a:buFontTx/>
           <a:buNone/>
-          <a:tabLst/>
-          <a:defRPr b="0" baseline="0" cap="none" i="0" spc="0" strike="noStrike" sz="1800" u="none" kumimoji="0" normalizeH="0">
+          <a:defRPr kumimoji="0" sz="1800" b="0" i="0" u="none" strike="noStrike" cap="none" spc="0" normalizeH="0" baseline="0">
             <a:ln>
               <a:noFill/>
             </a:ln>
@@ -13142,8 +13535,7 @@
           <a:buSzTx/>
           <a:buFontTx/>
           <a:buNone/>
-          <a:tabLst/>
-          <a:defRPr b="0" baseline="0" cap="none" i="0" spc="0" strike="noStrike" sz="1800" u="none" kumimoji="0" normalizeH="0">
+          <a:defRPr kumimoji="0" sz="1800" b="0" i="0" u="none" strike="noStrike" cap="none" spc="0" normalizeH="0" baseline="0">
             <a:ln>
               <a:noFill/>
             </a:ln>
@@ -13168,8 +13560,7 @@
           <a:buSzTx/>
           <a:buFontTx/>
           <a:buNone/>
-          <a:tabLst/>
-          <a:defRPr b="0" baseline="0" cap="none" i="0" spc="0" strike="noStrike" sz="1800" u="none" kumimoji="0" normalizeH="0">
+          <a:defRPr kumimoji="0" sz="1800" b="0" i="0" u="none" strike="noStrike" cap="none" spc="0" normalizeH="0" baseline="0">
             <a:ln>
               <a:noFill/>
             </a:ln>
@@ -13194,8 +13585,7 @@
           <a:buSzTx/>
           <a:buFontTx/>
           <a:buNone/>
-          <a:tabLst/>
-          <a:defRPr b="0" baseline="0" cap="none" i="0" spc="0" strike="noStrike" sz="1800" u="none" kumimoji="0" normalizeH="0">
+          <a:defRPr kumimoji="0" sz="1800" b="0" i="0" u="none" strike="noStrike" cap="none" spc="0" normalizeH="0" baseline="0">
             <a:ln>
               <a:noFill/>
             </a:ln>
@@ -13208,9 +13598,15 @@
         </a:lvl9pPr>
       </a:lstStyle>
       <a:style>
-        <a:lnRef idx="0"/>
-        <a:fillRef idx="0"/>
-        <a:effectRef idx="0"/>
+        <a:lnRef idx="0">
+          <a:srgbClr val="FFFFFF"/>
+        </a:lnRef>
+        <a:fillRef idx="0">
+          <a:srgbClr val="FFFFFF"/>
+        </a:fillRef>
+        <a:effectRef idx="0">
+          <a:srgbClr val="FFFFFF"/>
+        </a:effectRef>
         <a:fontRef idx="none"/>
       </a:style>
     </a:lnDef>
@@ -13221,7 +13617,6 @@
           <a:noFill/>
           <a:miter lim="400000"/>
         </a:ln>
-        <a:effectLst/>
       </a:spPr>
       <a:bodyPr rot="0" spcFirstLastPara="1" vertOverflow="overflow" horzOverflow="overflow" vert="horz" wrap="square" lIns="45718" tIns="45718" rIns="45718" bIns="45718" numCol="1" spcCol="38100" rtlCol="0" anchor="t" upright="0">
         <a:spAutoFit/>
@@ -13241,8 +13636,7 @@
           <a:buSzTx/>
           <a:buFontTx/>
           <a:buNone/>
-          <a:tabLst/>
-          <a:defRPr b="0" baseline="0" cap="none" i="0" spc="0" strike="noStrike" sz="1800" u="none" kumimoji="0" normalizeH="0">
+          <a:defRPr kumimoji="0" sz="1800" b="0" i="0" u="none" strike="noStrike" cap="none" spc="0" normalizeH="0" baseline="0">
             <a:ln>
               <a:noFill/>
             </a:ln>
@@ -13271,8 +13665,7 @@
           <a:buSzTx/>
           <a:buFontTx/>
           <a:buNone/>
-          <a:tabLst/>
-          <a:defRPr b="0" baseline="0" cap="none" i="0" spc="0" strike="noStrike" sz="1800" u="none" kumimoji="0" normalizeH="0">
+          <a:defRPr kumimoji="0" sz="1800" b="0" i="0" u="none" strike="noStrike" cap="none" spc="0" normalizeH="0" baseline="0">
             <a:ln>
               <a:noFill/>
             </a:ln>
@@ -13297,8 +13690,7 @@
           <a:buSzTx/>
           <a:buFontTx/>
           <a:buNone/>
-          <a:tabLst/>
-          <a:defRPr b="0" baseline="0" cap="none" i="0" spc="0" strike="noStrike" sz="1800" u="none" kumimoji="0" normalizeH="0">
+          <a:defRPr kumimoji="0" sz="1800" b="0" i="0" u="none" strike="noStrike" cap="none" spc="0" normalizeH="0" baseline="0">
             <a:ln>
               <a:noFill/>
             </a:ln>
@@ -13323,8 +13715,7 @@
           <a:buSzTx/>
           <a:buFontTx/>
           <a:buNone/>
-          <a:tabLst/>
-          <a:defRPr b="0" baseline="0" cap="none" i="0" spc="0" strike="noStrike" sz="1800" u="none" kumimoji="0" normalizeH="0">
+          <a:defRPr kumimoji="0" sz="1800" b="0" i="0" u="none" strike="noStrike" cap="none" spc="0" normalizeH="0" baseline="0">
             <a:ln>
               <a:noFill/>
             </a:ln>
@@ -13349,8 +13740,7 @@
           <a:buSzTx/>
           <a:buFontTx/>
           <a:buNone/>
-          <a:tabLst/>
-          <a:defRPr b="0" baseline="0" cap="none" i="0" spc="0" strike="noStrike" sz="1800" u="none" kumimoji="0" normalizeH="0">
+          <a:defRPr kumimoji="0" sz="1800" b="0" i="0" u="none" strike="noStrike" cap="none" spc="0" normalizeH="0" baseline="0">
             <a:ln>
               <a:noFill/>
             </a:ln>
@@ -13375,8 +13765,7 @@
           <a:buSzTx/>
           <a:buFontTx/>
           <a:buNone/>
-          <a:tabLst/>
-          <a:defRPr b="0" baseline="0" cap="none" i="0" spc="0" strike="noStrike" sz="1800" u="none" kumimoji="0" normalizeH="0">
+          <a:defRPr kumimoji="0" sz="1800" b="0" i="0" u="none" strike="noStrike" cap="none" spc="0" normalizeH="0" baseline="0">
             <a:ln>
               <a:noFill/>
             </a:ln>
@@ -13401,8 +13790,7 @@
           <a:buSzTx/>
           <a:buFontTx/>
           <a:buNone/>
-          <a:tabLst/>
-          <a:defRPr b="0" baseline="0" cap="none" i="0" spc="0" strike="noStrike" sz="1800" u="none" kumimoji="0" normalizeH="0">
+          <a:defRPr kumimoji="0" sz="1800" b="0" i="0" u="none" strike="noStrike" cap="none" spc="0" normalizeH="0" baseline="0">
             <a:ln>
               <a:noFill/>
             </a:ln>
@@ -13427,8 +13815,7 @@
           <a:buSzTx/>
           <a:buFontTx/>
           <a:buNone/>
-          <a:tabLst/>
-          <a:defRPr b="0" baseline="0" cap="none" i="0" spc="0" strike="noStrike" sz="1800" u="none" kumimoji="0" normalizeH="0">
+          <a:defRPr kumimoji="0" sz="1800" b="0" i="0" u="none" strike="noStrike" cap="none" spc="0" normalizeH="0" baseline="0">
             <a:ln>
               <a:noFill/>
             </a:ln>
@@ -13453,8 +13840,7 @@
           <a:buSzTx/>
           <a:buFontTx/>
           <a:buNone/>
-          <a:tabLst/>
-          <a:defRPr b="0" baseline="0" cap="none" i="0" spc="0" strike="noStrike" sz="1800" u="none" kumimoji="0" normalizeH="0">
+          <a:defRPr kumimoji="0" sz="1800" b="0" i="0" u="none" strike="noStrike" cap="none" spc="0" normalizeH="0" baseline="0">
             <a:ln>
               <a:noFill/>
             </a:ln>
@@ -13479,8 +13865,7 @@
           <a:buSzTx/>
           <a:buFontTx/>
           <a:buNone/>
-          <a:tabLst/>
-          <a:defRPr b="0" baseline="0" cap="none" i="0" spc="0" strike="noStrike" sz="1800" u="none" kumimoji="0" normalizeH="0">
+          <a:defRPr kumimoji="0" sz="1800" b="0" i="0" u="none" strike="noStrike" cap="none" spc="0" normalizeH="0" baseline="0">
             <a:ln>
               <a:noFill/>
             </a:ln>
@@ -13493,18 +13878,29 @@
         </a:lvl9pPr>
       </a:lstStyle>
       <a:style>
-        <a:lnRef idx="0"/>
-        <a:fillRef idx="0"/>
-        <a:effectRef idx="0"/>
+        <a:lnRef idx="0">
+          <a:srgbClr val="FFFFFF"/>
+        </a:lnRef>
+        <a:fillRef idx="0">
+          <a:srgbClr val="FFFFFF"/>
+        </a:fillRef>
+        <a:effectRef idx="0">
+          <a:srgbClr val="FFFFFF"/>
+        </a:effectRef>
         <a:fontRef idx="none"/>
       </a:style>
     </a:txDef>
   </a:objectDefaults>
+  <a:extLst>
+    <a:ext uri="{05A4C25C-085E-4340-85A3-A5531E510DB2}">
+      <thm15:themeFamily xmlns:thm15="http://schemas.microsoft.com/office/thememl/2012/main" name="Office Theme" id="{62F939B6-93AF-4DB8-9C6B-D6C7DFDC589F}" vid="{4A3C46E8-61CC-4603-A589-7422A47A8E4A}"/>
+    </a:ext>
+  </a:extLst>
 </a:theme>
 </file>
 
 <file path=ppt/theme/theme2.xml><?xml version="1.0" encoding="utf-8"?>
-<a:theme xmlns:a="http://schemas.openxmlformats.org/drawingml/2006/main" xmlns:r="http://schemas.openxmlformats.org/officeDocument/2006/relationships" name="Default">
+<a:theme xmlns:a="http://schemas.openxmlformats.org/drawingml/2006/main" name="Default">
   <a:themeElements>
     <a:clrScheme name="Default">
       <a:dk1>
@@ -13703,7 +14099,6 @@
           <a:prstDash val="solid"/>
           <a:bevel/>
         </a:ln>
-        <a:effectLst/>
       </a:spPr>
       <a:bodyPr rot="0" spcFirstLastPara="1" vertOverflow="overflow" horzOverflow="overflow" vert="horz" wrap="square" lIns="45718" tIns="45718" rIns="45718" bIns="45718" numCol="1" spcCol="38100" rtlCol="0" anchor="ctr" upright="0">
         <a:spAutoFit/>
@@ -13723,8 +14118,7 @@
           <a:buSzTx/>
           <a:buFontTx/>
           <a:buNone/>
-          <a:tabLst/>
-          <a:defRPr b="0" baseline="0" cap="none" i="0" spc="0" strike="noStrike" sz="1800" u="none" kumimoji="0" normalizeH="0">
+          <a:defRPr kumimoji="0" sz="1800" b="0" i="0" u="none" strike="noStrike" cap="none" spc="0" normalizeH="0" baseline="0">
             <a:ln>
               <a:noFill/>
             </a:ln>
@@ -13753,8 +14147,7 @@
           <a:buSzTx/>
           <a:buFontTx/>
           <a:buNone/>
-          <a:tabLst/>
-          <a:defRPr b="0" baseline="0" cap="none" i="0" spc="0" strike="noStrike" sz="1800" u="none" kumimoji="0" normalizeH="0">
+          <a:defRPr kumimoji="0" sz="1800" b="0" i="0" u="none" strike="noStrike" cap="none" spc="0" normalizeH="0" baseline="0">
             <a:ln>
               <a:noFill/>
             </a:ln>
@@ -13779,8 +14172,7 @@
           <a:buSzTx/>
           <a:buFontTx/>
           <a:buNone/>
-          <a:tabLst/>
-          <a:defRPr b="0" baseline="0" cap="none" i="0" spc="0" strike="noStrike" sz="1800" u="none" kumimoji="0" normalizeH="0">
+          <a:defRPr kumimoji="0" sz="1800" b="0" i="0" u="none" strike="noStrike" cap="none" spc="0" normalizeH="0" baseline="0">
             <a:ln>
               <a:noFill/>
             </a:ln>
@@ -13805,8 +14197,7 @@
           <a:buSzTx/>
           <a:buFontTx/>
           <a:buNone/>
-          <a:tabLst/>
-          <a:defRPr b="0" baseline="0" cap="none" i="0" spc="0" strike="noStrike" sz="1800" u="none" kumimoji="0" normalizeH="0">
+          <a:defRPr kumimoji="0" sz="1800" b="0" i="0" u="none" strike="noStrike" cap="none" spc="0" normalizeH="0" baseline="0">
             <a:ln>
               <a:noFill/>
             </a:ln>
@@ -13831,8 +14222,7 @@
           <a:buSzTx/>
           <a:buFontTx/>
           <a:buNone/>
-          <a:tabLst/>
-          <a:defRPr b="0" baseline="0" cap="none" i="0" spc="0" strike="noStrike" sz="1800" u="none" kumimoji="0" normalizeH="0">
+          <a:defRPr kumimoji="0" sz="1800" b="0" i="0" u="none" strike="noStrike" cap="none" spc="0" normalizeH="0" baseline="0">
             <a:ln>
               <a:noFill/>
             </a:ln>
@@ -13857,8 +14247,7 @@
           <a:buSzTx/>
           <a:buFontTx/>
           <a:buNone/>
-          <a:tabLst/>
-          <a:defRPr b="0" baseline="0" cap="none" i="0" spc="0" strike="noStrike" sz="1800" u="none" kumimoji="0" normalizeH="0">
+          <a:defRPr kumimoji="0" sz="1800" b="0" i="0" u="none" strike="noStrike" cap="none" spc="0" normalizeH="0" baseline="0">
             <a:ln>
               <a:noFill/>
             </a:ln>
@@ -13883,8 +14272,7 @@
           <a:buSzTx/>
           <a:buFontTx/>
           <a:buNone/>
-          <a:tabLst/>
-          <a:defRPr b="0" baseline="0" cap="none" i="0" spc="0" strike="noStrike" sz="1800" u="none" kumimoji="0" normalizeH="0">
+          <a:defRPr kumimoji="0" sz="1800" b="0" i="0" u="none" strike="noStrike" cap="none" spc="0" normalizeH="0" baseline="0">
             <a:ln>
               <a:noFill/>
             </a:ln>
@@ -13909,8 +14297,7 @@
           <a:buSzTx/>
           <a:buFontTx/>
           <a:buNone/>
-          <a:tabLst/>
-          <a:defRPr b="0" baseline="0" cap="none" i="0" spc="0" strike="noStrike" sz="1800" u="none" kumimoji="0" normalizeH="0">
+          <a:defRPr kumimoji="0" sz="1800" b="0" i="0" u="none" strike="noStrike" cap="none" spc="0" normalizeH="0" baseline="0">
             <a:ln>
               <a:noFill/>
             </a:ln>
@@ -13935,8 +14322,7 @@
           <a:buSzTx/>
           <a:buFontTx/>
           <a:buNone/>
-          <a:tabLst/>
-          <a:defRPr b="0" baseline="0" cap="none" i="0" spc="0" strike="noStrike" sz="1800" u="none" kumimoji="0" normalizeH="0">
+          <a:defRPr kumimoji="0" sz="1800" b="0" i="0" u="none" strike="noStrike" cap="none" spc="0" normalizeH="0" baseline="0">
             <a:ln>
               <a:noFill/>
             </a:ln>
@@ -13961,8 +14347,7 @@
           <a:buSzTx/>
           <a:buFontTx/>
           <a:buNone/>
-          <a:tabLst/>
-          <a:defRPr b="0" baseline="0" cap="none" i="0" spc="0" strike="noStrike" sz="1800" u="none" kumimoji="0" normalizeH="0">
+          <a:defRPr kumimoji="0" sz="1800" b="0" i="0" u="none" strike="noStrike" cap="none" spc="0" normalizeH="0" baseline="0">
             <a:ln>
               <a:noFill/>
             </a:ln>
@@ -13975,9 +14360,15 @@
         </a:lvl9pPr>
       </a:lstStyle>
       <a:style>
-        <a:lnRef idx="0"/>
-        <a:fillRef idx="0"/>
-        <a:effectRef idx="0"/>
+        <a:lnRef idx="0">
+          <a:srgbClr val="FFFFFF"/>
+        </a:lnRef>
+        <a:fillRef idx="0">
+          <a:srgbClr val="FFFFFF"/>
+        </a:fillRef>
+        <a:effectRef idx="0">
+          <a:srgbClr val="FFFFFF"/>
+        </a:effectRef>
         <a:fontRef idx="none"/>
       </a:style>
     </a:spDef>
@@ -13991,7 +14382,6 @@
           <a:prstDash val="solid"/>
           <a:bevel/>
         </a:ln>
-        <a:effectLst/>
       </a:spPr>
       <a:bodyPr rot="0" spcFirstLastPara="1" vertOverflow="overflow" horzOverflow="overflow" vert="horz" wrap="square" lIns="91439" tIns="45719" rIns="91439" bIns="45719" numCol="1" spcCol="38100" rtlCol="0" anchor="t" upright="0">
         <a:noAutofit/>
@@ -14011,8 +14401,7 @@
           <a:buSzTx/>
           <a:buFontTx/>
           <a:buNone/>
-          <a:tabLst/>
-          <a:defRPr b="0" baseline="0" cap="none" i="0" spc="0" strike="noStrike" sz="1800" u="none" kumimoji="0" normalizeH="0">
+          <a:defRPr kumimoji="0" sz="1800" b="0" i="0" u="none" strike="noStrike" cap="none" spc="0" normalizeH="0" baseline="0">
             <a:ln>
               <a:noFill/>
             </a:ln>
@@ -14037,8 +14426,7 @@
           <a:buSzTx/>
           <a:buFontTx/>
           <a:buNone/>
-          <a:tabLst/>
-          <a:defRPr b="0" baseline="0" cap="none" i="0" spc="0" strike="noStrike" sz="1800" u="none" kumimoji="0" normalizeH="0">
+          <a:defRPr kumimoji="0" sz="1800" b="0" i="0" u="none" strike="noStrike" cap="none" spc="0" normalizeH="0" baseline="0">
             <a:ln>
               <a:noFill/>
             </a:ln>
@@ -14063,8 +14451,7 @@
           <a:buSzTx/>
           <a:buFontTx/>
           <a:buNone/>
-          <a:tabLst/>
-          <a:defRPr b="0" baseline="0" cap="none" i="0" spc="0" strike="noStrike" sz="1800" u="none" kumimoji="0" normalizeH="0">
+          <a:defRPr kumimoji="0" sz="1800" b="0" i="0" u="none" strike="noStrike" cap="none" spc="0" normalizeH="0" baseline="0">
             <a:ln>
               <a:noFill/>
             </a:ln>
@@ -14089,8 +14476,7 @@
           <a:buSzTx/>
           <a:buFontTx/>
           <a:buNone/>
-          <a:tabLst/>
-          <a:defRPr b="0" baseline="0" cap="none" i="0" spc="0" strike="noStrike" sz="1800" u="none" kumimoji="0" normalizeH="0">
+          <a:defRPr kumimoji="0" sz="1800" b="0" i="0" u="none" strike="noStrike" cap="none" spc="0" normalizeH="0" baseline="0">
             <a:ln>
               <a:noFill/>
             </a:ln>
@@ -14115,8 +14501,7 @@
           <a:buSzTx/>
           <a:buFontTx/>
           <a:buNone/>
-          <a:tabLst/>
-          <a:defRPr b="0" baseline="0" cap="none" i="0" spc="0" strike="noStrike" sz="1800" u="none" kumimoji="0" normalizeH="0">
+          <a:defRPr kumimoji="0" sz="1800" b="0" i="0" u="none" strike="noStrike" cap="none" spc="0" normalizeH="0" baseline="0">
             <a:ln>
               <a:noFill/>
             </a:ln>
@@ -14141,8 +14526,7 @@
           <a:buSzTx/>
           <a:buFontTx/>
           <a:buNone/>
-          <a:tabLst/>
-          <a:defRPr b="0" baseline="0" cap="none" i="0" spc="0" strike="noStrike" sz="1800" u="none" kumimoji="0" normalizeH="0">
+          <a:defRPr kumimoji="0" sz="1800" b="0" i="0" u="none" strike="noStrike" cap="none" spc="0" normalizeH="0" baseline="0">
             <a:ln>
               <a:noFill/>
             </a:ln>
@@ -14167,8 +14551,7 @@
           <a:buSzTx/>
           <a:buFontTx/>
           <a:buNone/>
-          <a:tabLst/>
-          <a:defRPr b="0" baseline="0" cap="none" i="0" spc="0" strike="noStrike" sz="1800" u="none" kumimoji="0" normalizeH="0">
+          <a:defRPr kumimoji="0" sz="1800" b="0" i="0" u="none" strike="noStrike" cap="none" spc="0" normalizeH="0" baseline="0">
             <a:ln>
               <a:noFill/>
             </a:ln>
@@ -14193,8 +14576,7 @@
           <a:buSzTx/>
           <a:buFontTx/>
           <a:buNone/>
-          <a:tabLst/>
-          <a:defRPr b="0" baseline="0" cap="none" i="0" spc="0" strike="noStrike" sz="1800" u="none" kumimoji="0" normalizeH="0">
+          <a:defRPr kumimoji="0" sz="1800" b="0" i="0" u="none" strike="noStrike" cap="none" spc="0" normalizeH="0" baseline="0">
             <a:ln>
               <a:noFill/>
             </a:ln>
@@ -14219,8 +14601,7 @@
           <a:buSzTx/>
           <a:buFontTx/>
           <a:buNone/>
-          <a:tabLst/>
-          <a:defRPr b="0" baseline="0" cap="none" i="0" spc="0" strike="noStrike" sz="1800" u="none" kumimoji="0" normalizeH="0">
+          <a:defRPr kumimoji="0" sz="1800" b="0" i="0" u="none" strike="noStrike" cap="none" spc="0" normalizeH="0" baseline="0">
             <a:ln>
               <a:noFill/>
             </a:ln>
@@ -14245,8 +14626,7 @@
           <a:buSzTx/>
           <a:buFontTx/>
           <a:buNone/>
-          <a:tabLst/>
-          <a:defRPr b="0" baseline="0" cap="none" i="0" spc="0" strike="noStrike" sz="1800" u="none" kumimoji="0" normalizeH="0">
+          <a:defRPr kumimoji="0" sz="1800" b="0" i="0" u="none" strike="noStrike" cap="none" spc="0" normalizeH="0" baseline="0">
             <a:ln>
               <a:noFill/>
             </a:ln>
@@ -14259,9 +14639,15 @@
         </a:lvl9pPr>
       </a:lstStyle>
       <a:style>
-        <a:lnRef idx="0"/>
-        <a:fillRef idx="0"/>
-        <a:effectRef idx="0"/>
+        <a:lnRef idx="0">
+          <a:srgbClr val="FFFFFF"/>
+        </a:lnRef>
+        <a:fillRef idx="0">
+          <a:srgbClr val="FFFFFF"/>
+        </a:fillRef>
+        <a:effectRef idx="0">
+          <a:srgbClr val="FFFFFF"/>
+        </a:effectRef>
         <a:fontRef idx="none"/>
       </a:style>
     </a:lnDef>
@@ -14272,7 +14658,6 @@
           <a:noFill/>
           <a:miter lim="400000"/>
         </a:ln>
-        <a:effectLst/>
       </a:spPr>
       <a:bodyPr rot="0" spcFirstLastPara="1" vertOverflow="overflow" horzOverflow="overflow" vert="horz" wrap="square" lIns="45718" tIns="45718" rIns="45718" bIns="45718" numCol="1" spcCol="38100" rtlCol="0" anchor="t" upright="0">
         <a:spAutoFit/>
@@ -14292,8 +14677,7 @@
           <a:buSzTx/>
           <a:buFontTx/>
           <a:buNone/>
-          <a:tabLst/>
-          <a:defRPr b="0" baseline="0" cap="none" i="0" spc="0" strike="noStrike" sz="1800" u="none" kumimoji="0" normalizeH="0">
+          <a:defRPr kumimoji="0" sz="1800" b="0" i="0" u="none" strike="noStrike" cap="none" spc="0" normalizeH="0" baseline="0">
             <a:ln>
               <a:noFill/>
             </a:ln>
@@ -14322,8 +14706,7 @@
           <a:buSzTx/>
           <a:buFontTx/>
           <a:buNone/>
-          <a:tabLst/>
-          <a:defRPr b="0" baseline="0" cap="none" i="0" spc="0" strike="noStrike" sz="1800" u="none" kumimoji="0" normalizeH="0">
+          <a:defRPr kumimoji="0" sz="1800" b="0" i="0" u="none" strike="noStrike" cap="none" spc="0" normalizeH="0" baseline="0">
             <a:ln>
               <a:noFill/>
             </a:ln>
@@ -14348,8 +14731,7 @@
           <a:buSzTx/>
           <a:buFontTx/>
           <a:buNone/>
-          <a:tabLst/>
-          <a:defRPr b="0" baseline="0" cap="none" i="0" spc="0" strike="noStrike" sz="1800" u="none" kumimoji="0" normalizeH="0">
+          <a:defRPr kumimoji="0" sz="1800" b="0" i="0" u="none" strike="noStrike" cap="none" spc="0" normalizeH="0" baseline="0">
             <a:ln>
               <a:noFill/>
             </a:ln>
@@ -14374,8 +14756,7 @@
           <a:buSzTx/>
           <a:buFontTx/>
           <a:buNone/>
-          <a:tabLst/>
-          <a:defRPr b="0" baseline="0" cap="none" i="0" spc="0" strike="noStrike" sz="1800" u="none" kumimoji="0" normalizeH="0">
+          <a:defRPr kumimoji="0" sz="1800" b="0" i="0" u="none" strike="noStrike" cap="none" spc="0" normalizeH="0" baseline="0">
             <a:ln>
               <a:noFill/>
             </a:ln>
@@ -14400,8 +14781,7 @@
           <a:buSzTx/>
           <a:buFontTx/>
           <a:buNone/>
-          <a:tabLst/>
-          <a:defRPr b="0" baseline="0" cap="none" i="0" spc="0" strike="noStrike" sz="1800" u="none" kumimoji="0" normalizeH="0">
+          <a:defRPr kumimoji="0" sz="1800" b="0" i="0" u="none" strike="noStrike" cap="none" spc="0" normalizeH="0" baseline="0">
             <a:ln>
               <a:noFill/>
             </a:ln>
@@ -14426,8 +14806,7 @@
           <a:buSzTx/>
           <a:buFontTx/>
           <a:buNone/>
-          <a:tabLst/>
-          <a:defRPr b="0" baseline="0" cap="none" i="0" spc="0" strike="noStrike" sz="1800" u="none" kumimoji="0" normalizeH="0">
+          <a:defRPr kumimoji="0" sz="1800" b="0" i="0" u="none" strike="noStrike" cap="none" spc="0" normalizeH="0" baseline="0">
             <a:ln>
               <a:noFill/>
             </a:ln>
@@ -14452,8 +14831,7 @@
           <a:buSzTx/>
           <a:buFontTx/>
           <a:buNone/>
-          <a:tabLst/>
-          <a:defRPr b="0" baseline="0" cap="none" i="0" spc="0" strike="noStrike" sz="1800" u="none" kumimoji="0" normalizeH="0">
+          <a:defRPr kumimoji="0" sz="1800" b="0" i="0" u="none" strike="noStrike" cap="none" spc="0" normalizeH="0" baseline="0">
             <a:ln>
               <a:noFill/>
             </a:ln>
@@ -14478,8 +14856,7 @@
           <a:buSzTx/>
           <a:buFontTx/>
           <a:buNone/>
-          <a:tabLst/>
-          <a:defRPr b="0" baseline="0" cap="none" i="0" spc="0" strike="noStrike" sz="1800" u="none" kumimoji="0" normalizeH="0">
+          <a:defRPr kumimoji="0" sz="1800" b="0" i="0" u="none" strike="noStrike" cap="none" spc="0" normalizeH="0" baseline="0">
             <a:ln>
               <a:noFill/>
             </a:ln>
@@ -14504,8 +14881,7 @@
           <a:buSzTx/>
           <a:buFontTx/>
           <a:buNone/>
-          <a:tabLst/>
-          <a:defRPr b="0" baseline="0" cap="none" i="0" spc="0" strike="noStrike" sz="1800" u="none" kumimoji="0" normalizeH="0">
+          <a:defRPr kumimoji="0" sz="1800" b="0" i="0" u="none" strike="noStrike" cap="none" spc="0" normalizeH="0" baseline="0">
             <a:ln>
               <a:noFill/>
             </a:ln>
@@ -14530,8 +14906,7 @@
           <a:buSzTx/>
           <a:buFontTx/>
           <a:buNone/>
-          <a:tabLst/>
-          <a:defRPr b="0" baseline="0" cap="none" i="0" spc="0" strike="noStrike" sz="1800" u="none" kumimoji="0" normalizeH="0">
+          <a:defRPr kumimoji="0" sz="1800" b="0" i="0" u="none" strike="noStrike" cap="none" spc="0" normalizeH="0" baseline="0">
             <a:ln>
               <a:noFill/>
             </a:ln>
@@ -14544,12 +14919,23 @@
         </a:lvl9pPr>
       </a:lstStyle>
       <a:style>
-        <a:lnRef idx="0"/>
-        <a:fillRef idx="0"/>
-        <a:effectRef idx="0"/>
+        <a:lnRef idx="0">
+          <a:srgbClr val="FFFFFF"/>
+        </a:lnRef>
+        <a:fillRef idx="0">
+          <a:srgbClr val="FFFFFF"/>
+        </a:fillRef>
+        <a:effectRef idx="0">
+          <a:srgbClr val="FFFFFF"/>
+        </a:effectRef>
         <a:fontRef idx="none"/>
       </a:style>
     </a:txDef>
   </a:objectDefaults>
+  <a:extLst>
+    <a:ext uri="{05A4C25C-085E-4340-85A3-A5531E510DB2}">
+      <thm15:themeFamily xmlns:thm15="http://schemas.microsoft.com/office/thememl/2012/main" name="Office Theme" id="{62F939B6-93AF-4DB8-9C6B-D6C7DFDC589F}" vid="{4A3C46E8-61CC-4603-A589-7422A47A8E4A}"/>
+    </a:ext>
+  </a:extLst>
 </a:theme>
 </file>